--- a/US Housing Market Analysis_Final_1-20-2020.pptx
+++ b/US Housing Market Analysis_Final_1-20-2020.pptx
@@ -2467,7 +2467,7 @@
         <a:p>
           <a:r>
             <a:rPr lang="en-US" sz="1400" dirty="0"/>
-            <a:t>Wanted to make an analysis to help potential homeowners better understand the housing market (e.g. how are prices trending, where’s cheaper/more expensive, etc.)</a:t>
+            <a:t>Wanted to make an analysis to help potential homeowners better understand the housing market (e.g. how are prices trending, where it’s cheaper/more expensive, etc.)</a:t>
           </a:r>
         </a:p>
       </dgm:t>
@@ -2577,10 +2577,24 @@
     <dgm:pt modelId="{81F3D8E3-0F58-45D9-9F5C-70A48FBECED1}" type="parTrans" cxnId="{28580529-27C6-4567-8FC6-8CA20443CACF}">
       <dgm:prSet/>
       <dgm:spPr/>
+      <dgm:t>
+        <a:bodyPr/>
+        <a:lstStyle/>
+        <a:p>
+          <a:endParaRPr lang="en-US"/>
+        </a:p>
+      </dgm:t>
     </dgm:pt>
     <dgm:pt modelId="{90171506-8C6E-4314-840E-37D4F541AA5E}" type="sibTrans" cxnId="{28580529-27C6-4567-8FC6-8CA20443CACF}">
       <dgm:prSet/>
       <dgm:spPr/>
+      <dgm:t>
+        <a:bodyPr/>
+        <a:lstStyle/>
+        <a:p>
+          <a:endParaRPr lang="en-US"/>
+        </a:p>
+      </dgm:t>
     </dgm:pt>
     <dgm:pt modelId="{650D3F43-4F5C-46AE-9113-AFBB00179D2E}">
       <dgm:prSet phldrT="[Text]"/>
@@ -2596,10 +2610,24 @@
     <dgm:pt modelId="{3663C2CA-1970-450A-8D91-86CB11588442}" type="parTrans" cxnId="{1949E950-86AB-4ABF-8F9A-C2E243477118}">
       <dgm:prSet/>
       <dgm:spPr/>
+      <dgm:t>
+        <a:bodyPr/>
+        <a:lstStyle/>
+        <a:p>
+          <a:endParaRPr lang="en-US"/>
+        </a:p>
+      </dgm:t>
     </dgm:pt>
     <dgm:pt modelId="{B4588B80-0376-404B-9E2D-49E0411AFAD2}" type="sibTrans" cxnId="{1949E950-86AB-4ABF-8F9A-C2E243477118}">
       <dgm:prSet/>
       <dgm:spPr/>
+      <dgm:t>
+        <a:bodyPr/>
+        <a:lstStyle/>
+        <a:p>
+          <a:endParaRPr lang="en-US"/>
+        </a:p>
+      </dgm:t>
     </dgm:pt>
     <dgm:pt modelId="{F7242007-FC27-4D83-8C9F-35187A093FB2}">
       <dgm:prSet/>
@@ -2648,10 +2676,24 @@
     <dgm:pt modelId="{52AB6AD1-3C12-48B9-8542-7548FB563B6C}" type="parTrans" cxnId="{517320EA-FC8E-44F1-9695-31A603E9BDC4}">
       <dgm:prSet/>
       <dgm:spPr/>
+      <dgm:t>
+        <a:bodyPr/>
+        <a:lstStyle/>
+        <a:p>
+          <a:endParaRPr lang="en-US"/>
+        </a:p>
+      </dgm:t>
     </dgm:pt>
     <dgm:pt modelId="{47A1E20E-4DF5-4AFC-93C9-E09AD7DE8423}" type="sibTrans" cxnId="{517320EA-FC8E-44F1-9695-31A603E9BDC4}">
       <dgm:prSet/>
       <dgm:spPr/>
+      <dgm:t>
+        <a:bodyPr/>
+        <a:lstStyle/>
+        <a:p>
+          <a:endParaRPr lang="en-US"/>
+        </a:p>
+      </dgm:t>
     </dgm:pt>
     <dgm:pt modelId="{44F59B5B-2475-4462-9031-41DED64B63BE}">
       <dgm:prSet phldrT="[Text]"/>
@@ -2667,10 +2709,24 @@
     <dgm:pt modelId="{765B66D2-636F-4106-A3A8-89FFA89C45B8}" type="parTrans" cxnId="{D4EC8443-EEF1-47D2-B319-439F41BD61B6}">
       <dgm:prSet/>
       <dgm:spPr/>
+      <dgm:t>
+        <a:bodyPr/>
+        <a:lstStyle/>
+        <a:p>
+          <a:endParaRPr lang="en-US"/>
+        </a:p>
+      </dgm:t>
     </dgm:pt>
     <dgm:pt modelId="{C5577E32-6E29-4F20-A4A3-AC868E81128E}" type="sibTrans" cxnId="{D4EC8443-EEF1-47D2-B319-439F41BD61B6}">
       <dgm:prSet/>
       <dgm:spPr/>
+      <dgm:t>
+        <a:bodyPr/>
+        <a:lstStyle/>
+        <a:p>
+          <a:endParaRPr lang="en-US"/>
+        </a:p>
+      </dgm:t>
     </dgm:pt>
     <dgm:pt modelId="{F23C2260-7608-4CAE-BDE0-C997F66C3AFA}" type="pres">
       <dgm:prSet presAssocID="{0EB549BA-B7DC-47B3-A16B-D0EEAC6CD60C}" presName="Name0" presStyleCnt="0">
@@ -2894,7 +2950,7 @@
         <a:p>
           <a:r>
             <a:rPr lang="en-US" sz="2000" dirty="0"/>
-            <a:t>Identified which the types of data we would need</a:t>
+            <a:t>Identified which types of data we would need</a:t>
           </a:r>
         </a:p>
       </dgm:t>
@@ -3404,7 +3460,7 @@
           </a:pPr>
           <a:r>
             <a:rPr lang="en-US" sz="1400" kern="1200" dirty="0"/>
-            <a:t>Wanted to make an analysis to help potential homeowners better understand the housing market (e.g. how are prices trending, where’s cheaper/more expensive, etc.)</a:t>
+            <a:t>Wanted to make an analysis to help potential homeowners better understand the housing market (e.g. how are prices trending, where it’s cheaper/more expensive, etc.)</a:t>
           </a:r>
         </a:p>
         <a:p>
@@ -4157,7 +4213,7 @@
           </a:pPr>
           <a:r>
             <a:rPr lang="en-US" sz="2000" kern="1200" dirty="0"/>
-            <a:t>Identified which the types of data we would need</a:t>
+            <a:t>Identified which types of data we would need</a:t>
           </a:r>
         </a:p>
       </dsp:txBody>
@@ -12209,7 +12265,7 @@
                 </a:solidFill>
                 <a:latin typeface="+mn-lt"/>
               </a:rPr>
-              <a:t>DC, California, Colorado, Washington, and Massachusetts had median sales price increases starting around 2011-2012, which follows a consistent pattern the national median sales price average.</a:t>
+              <a:t>DC, California, Colorado, Washington, and Massachusetts show median sales price increases starting around 2011-2012, which follows a consistent pattern with the national median sales price average.</a:t>
             </a:r>
           </a:p>
         </p:txBody>
@@ -15423,29 +15479,29 @@
           <a:lstStyle/>
           <a:p>
             <a:r>
-              <a:rPr lang="en-US" dirty="0"/>
-              <a:t>We found most answers about the market rebounding:</a:t>
+              <a:rPr lang="en-US" b="1" dirty="0"/>
+              <a:t>We gained insights into the market rebounding:</a:t>
             </a:r>
           </a:p>
           <a:p>
             <a:pPr lvl="1"/>
             <a:r>
               <a:rPr lang="en-US" dirty="0"/>
-              <a:t>Median sales prices increased/foreclosures decreased around ‘11-’12</a:t>
+              <a:t>Median sales prices increased/foreclosures decreased since ‘11-’12</a:t>
             </a:r>
           </a:p>
           <a:p>
             <a:pPr lvl="1"/>
             <a:r>
               <a:rPr lang="en-US" dirty="0"/>
-              <a:t>Most states rebounded around 2011-2012</a:t>
+              <a:t>Most states started to rebound around 2011-2012</a:t>
             </a:r>
           </a:p>
           <a:p>
             <a:pPr lvl="1"/>
             <a:r>
               <a:rPr lang="en-US" dirty="0"/>
-              <a:t>Variables correlated to median sales prices vary state to state</a:t>
+              <a:t>Variables correlated to median sales prices vary from state to state</a:t>
             </a:r>
           </a:p>
           <a:p>
@@ -15461,7 +15517,7 @@
           </a:p>
           <a:p>
             <a:r>
-              <a:rPr lang="en-US" dirty="0"/>
+              <a:rPr lang="en-US" b="1" dirty="0"/>
               <a:t>Things that remain unclear based on our results:</a:t>
             </a:r>
           </a:p>
@@ -15483,7 +15539,7 @@
             <a:pPr lvl="1"/>
             <a:r>
               <a:rPr lang="en-US" dirty="0"/>
-              <a:t>Why did certain variables affect other states more than others? </a:t>
+              <a:t>Why did certain variables affect some states more than others? </a:t>
             </a:r>
           </a:p>
           <a:p>
@@ -15610,8 +15666,8 @@
           <a:lstStyle/>
           <a:p>
             <a:r>
-              <a:rPr lang="en-US" sz="1800" dirty="0"/>
-              <a:t>Key issues we encountered included:</a:t>
+              <a:rPr lang="en-US" sz="1800" b="1" dirty="0"/>
+              <a:t>Key issues we encountered:</a:t>
             </a:r>
           </a:p>
           <a:p>
@@ -15649,7 +15705,7 @@
           </a:p>
           <a:p>
             <a:r>
-              <a:rPr lang="en-US" sz="1800" dirty="0"/>
+              <a:rPr lang="en-US" sz="1800" b="1" dirty="0"/>
               <a:t>Future research recommendations:</a:t>
             </a:r>
           </a:p>
@@ -20063,7 +20119,7 @@
             <p:ph idx="1"/>
             <p:extLst>
               <p:ext uri="{D42A27DB-BD31-4B8C-83A1-F6EECF244321}">
-                <p14:modId xmlns:p14="http://schemas.microsoft.com/office/powerpoint/2010/main" val="2396983787"/>
+                <p14:modId xmlns:p14="http://schemas.microsoft.com/office/powerpoint/2010/main" val="2535220701"/>
               </p:ext>
             </p:extLst>
           </p:nvPr>
@@ -25340,7 +25396,7 @@
             <p:ph idx="1"/>
             <p:extLst>
               <p:ext uri="{D42A27DB-BD31-4B8C-83A1-F6EECF244321}">
-                <p14:modId xmlns:p14="http://schemas.microsoft.com/office/powerpoint/2010/main" val="819975528"/>
+                <p14:modId xmlns:p14="http://schemas.microsoft.com/office/powerpoint/2010/main" val="4267302937"/>
               </p:ext>
             </p:extLst>
           </p:nvPr>
@@ -25565,7 +25621,7 @@
         <p:spPr bwMode="auto">
           <a:xfrm>
             <a:off x="857249" y="1750570"/>
-            <a:ext cx="7429501" cy="539515"/>
+            <a:ext cx="7709702" cy="539515"/>
           </a:xfrm>
           <a:prstGeom prst="rect">
             <a:avLst/>
@@ -25603,7 +25659,7 @@
                 </a:solidFill>
                 <a:latin typeface="+mn-lt"/>
               </a:rPr>
-              <a:t>The national average median sales prices began increasing in 2011 and have continued to increase since then, indicating when the market started to rebound</a:t>
+              <a:t>The national average median sales prices began increasing in 2011 and have continued to increase since then, indicating the market started to rebound in 2011</a:t>
             </a:r>
           </a:p>
         </p:txBody>

--- a/US Housing Market Analysis_Final_1-20-2020.pptx
+++ b/US Housing Market Analysis_Final_1-20-2020.pptx
@@ -5,10 +5,10 @@
     <p:sldMasterId id="2147483978" r:id="rId1"/>
   </p:sldMasterIdLst>
   <p:notesMasterIdLst>
-    <p:notesMasterId r:id="rId33"/>
+    <p:notesMasterId r:id="rId32"/>
   </p:notesMasterIdLst>
   <p:handoutMasterIdLst>
-    <p:handoutMasterId r:id="rId34"/>
+    <p:handoutMasterId r:id="rId33"/>
   </p:handoutMasterIdLst>
   <p:sldIdLst>
     <p:sldId id="650" r:id="rId2"/>
@@ -16,32 +16,31 @@
     <p:sldId id="653" r:id="rId4"/>
     <p:sldId id="665" r:id="rId5"/>
     <p:sldId id="654" r:id="rId6"/>
-    <p:sldId id="686" r:id="rId7"/>
-    <p:sldId id="656" r:id="rId8"/>
-    <p:sldId id="657" r:id="rId9"/>
-    <p:sldId id="668" r:id="rId10"/>
-    <p:sldId id="658" r:id="rId11"/>
-    <p:sldId id="661" r:id="rId12"/>
-    <p:sldId id="663" r:id="rId13"/>
-    <p:sldId id="688" r:id="rId14"/>
-    <p:sldId id="659" r:id="rId15"/>
-    <p:sldId id="689" r:id="rId16"/>
-    <p:sldId id="662" r:id="rId17"/>
-    <p:sldId id="690" r:id="rId18"/>
-    <p:sldId id="669" r:id="rId19"/>
-    <p:sldId id="670" r:id="rId20"/>
-    <p:sldId id="673" r:id="rId21"/>
-    <p:sldId id="676" r:id="rId22"/>
-    <p:sldId id="664" r:id="rId23"/>
-    <p:sldId id="667" r:id="rId24"/>
-    <p:sldId id="678" r:id="rId25"/>
-    <p:sldId id="679" r:id="rId26"/>
-    <p:sldId id="680" r:id="rId27"/>
-    <p:sldId id="681" r:id="rId28"/>
-    <p:sldId id="682" r:id="rId29"/>
-    <p:sldId id="683" r:id="rId30"/>
-    <p:sldId id="684" r:id="rId31"/>
-    <p:sldId id="685" r:id="rId32"/>
+    <p:sldId id="656" r:id="rId7"/>
+    <p:sldId id="657" r:id="rId8"/>
+    <p:sldId id="668" r:id="rId9"/>
+    <p:sldId id="658" r:id="rId10"/>
+    <p:sldId id="661" r:id="rId11"/>
+    <p:sldId id="663" r:id="rId12"/>
+    <p:sldId id="688" r:id="rId13"/>
+    <p:sldId id="659" r:id="rId14"/>
+    <p:sldId id="689" r:id="rId15"/>
+    <p:sldId id="662" r:id="rId16"/>
+    <p:sldId id="690" r:id="rId17"/>
+    <p:sldId id="669" r:id="rId18"/>
+    <p:sldId id="670" r:id="rId19"/>
+    <p:sldId id="673" r:id="rId20"/>
+    <p:sldId id="676" r:id="rId21"/>
+    <p:sldId id="664" r:id="rId22"/>
+    <p:sldId id="667" r:id="rId23"/>
+    <p:sldId id="678" r:id="rId24"/>
+    <p:sldId id="679" r:id="rId25"/>
+    <p:sldId id="680" r:id="rId26"/>
+    <p:sldId id="681" r:id="rId27"/>
+    <p:sldId id="682" r:id="rId28"/>
+    <p:sldId id="683" r:id="rId29"/>
+    <p:sldId id="684" r:id="rId30"/>
+    <p:sldId id="685" r:id="rId31"/>
   </p:sldIdLst>
   <p:sldSz cx="9144000" cy="6858000" type="screen4x3"/>
   <p:notesSz cx="7010400" cy="9296400"/>
@@ -2822,24 +2821,24 @@
     <dgm:cxn modelId="{379FD438-83AE-48DB-A704-C4085AD9D61F}" srcId="{869AB678-A487-4151-9205-138EBC840CC7}" destId="{DFEFD1DD-92A9-474A-9153-6B06B33DB784}" srcOrd="5" destOrd="0" parTransId="{A035482D-DCD8-4A46-ACDD-9F42CABAE15A}" sibTransId="{6813629D-9B19-4DF7-BB67-9347B5998448}"/>
     <dgm:cxn modelId="{6703F93B-DB07-4879-A6B7-68D767B2E1B7}" srcId="{BE7C048B-5A85-4F32-9798-AA86469650A6}" destId="{7C8E73E8-1E64-4D47-BB1E-79F6E346CB6E}" srcOrd="3" destOrd="0" parTransId="{394D88C1-4BB8-4B91-8D0F-6B109781DC29}" sibTransId="{9716383D-E820-458E-A3D3-3326189A47D7}"/>
     <dgm:cxn modelId="{BD077C3C-BD46-4169-87DC-EF30663BC49C}" type="presOf" srcId="{05733680-0881-48A9-9522-D167727CB213}" destId="{FE54913C-C571-42F2-8142-C3EFFE342160}" srcOrd="0" destOrd="6" presId="urn:microsoft.com/office/officeart/2005/8/layout/hList1"/>
+    <dgm:cxn modelId="{D4EC8443-EEF1-47D2-B319-439F41BD61B6}" srcId="{BE7C048B-5A85-4F32-9798-AA86469650A6}" destId="{44F59B5B-2475-4462-9031-41DED64B63BE}" srcOrd="5" destOrd="0" parTransId="{765B66D2-636F-4106-A3A8-89FFA89C45B8}" sibTransId="{C5577E32-6E29-4F20-A4A3-AC868E81128E}"/>
+    <dgm:cxn modelId="{1DD52D45-8F2A-4AB0-8140-BCAD369C476C}" type="presOf" srcId="{C1378FF8-880D-4E9B-BD2A-EAEB5189EA92}" destId="{B66373AC-ACB9-47A9-A109-F9056C68EB87}" srcOrd="0" destOrd="4" presId="urn:microsoft.com/office/officeart/2005/8/layout/hList1"/>
+    <dgm:cxn modelId="{1D047745-E6E5-4801-A233-E0F2A4169456}" type="presOf" srcId="{7D6786E2-9D56-4182-934C-93E53856CE13}" destId="{B66373AC-ACB9-47A9-A109-F9056C68EB87}" srcOrd="0" destOrd="6" presId="urn:microsoft.com/office/officeart/2005/8/layout/hList1"/>
+    <dgm:cxn modelId="{2B4FA94D-8041-45DC-B426-580F2EA87157}" srcId="{869AB678-A487-4151-9205-138EBC840CC7}" destId="{AC652A51-D086-43C2-BDF7-8782913C8267}" srcOrd="0" destOrd="0" parTransId="{668A148E-FBC8-4212-A402-0B48C2E98248}" sibTransId="{1A42B328-F55E-455E-8DCF-500E5F63EB3E}"/>
+    <dgm:cxn modelId="{4E82864E-0EC1-445D-AB2B-737478DA5A0A}" srcId="{BE7C048B-5A85-4F32-9798-AA86469650A6}" destId="{2915AF59-52D4-4AC3-A92C-B6FF651891EF}" srcOrd="0" destOrd="0" parTransId="{F7810B92-DD60-46BB-9FDF-0466F4C06495}" sibTransId="{C598C153-B55F-4CC4-BBEE-BA35B13B3177}"/>
+    <dgm:cxn modelId="{1949E950-86AB-4ABF-8F9A-C2E243477118}" srcId="{BE7C048B-5A85-4F32-9798-AA86469650A6}" destId="{650D3F43-4F5C-46AE-9113-AFBB00179D2E}" srcOrd="1" destOrd="0" parTransId="{3663C2CA-1970-450A-8D91-86CB11588442}" sibTransId="{B4588B80-0376-404B-9E2D-49E0411AFAD2}"/>
+    <dgm:cxn modelId="{DD33C151-EB31-42C2-B002-F19D827618EE}" type="presOf" srcId="{DFEFD1DD-92A9-474A-9153-6B06B33DB784}" destId="{09A640BD-A573-4F44-AB7C-19622369D53A}" srcOrd="0" destOrd="5" presId="urn:microsoft.com/office/officeart/2005/8/layout/hList1"/>
+    <dgm:cxn modelId="{BBEEBA56-2E34-4A30-864F-3B40394DC437}" srcId="{75DB0362-E61B-4F2A-B048-A6555DF5E7E1}" destId="{C1378FF8-880D-4E9B-BD2A-EAEB5189EA92}" srcOrd="4" destOrd="0" parTransId="{FA57237E-4973-4153-A720-46F4B9B1D25E}" sibTransId="{EB1FAC66-F29F-448E-88C3-C87F8976FA56}"/>
+    <dgm:cxn modelId="{AFE6355A-DC83-4CDF-B511-555540556E58}" srcId="{BE7C048B-5A85-4F32-9798-AA86469650A6}" destId="{F7242007-FC27-4D83-8C9F-35187A093FB2}" srcOrd="7" destOrd="0" parTransId="{70A84B41-6DBE-4161-9708-F3A65E701581}" sibTransId="{551FE38A-2125-4D18-9C6F-ACDFDF030B80}"/>
     <dgm:cxn modelId="{8387375B-DF2E-4706-8F27-8F85FBA880F3}" srcId="{869AB678-A487-4151-9205-138EBC840CC7}" destId="{DFBFDF67-B8B3-408C-8E4E-FA3824C075DF}" srcOrd="1" destOrd="0" parTransId="{E3714AE7-921A-40C4-A8B3-A4ED830CE986}" sibTransId="{A782139B-322D-4BAD-BCE6-8BE73ACA9512}"/>
     <dgm:cxn modelId="{7D1A965E-743F-4A5E-B1DE-7C42466C7587}" type="presOf" srcId="{E0282E66-F178-427C-B7F8-911AC496225F}" destId="{B66373AC-ACB9-47A9-A109-F9056C68EB87}" srcOrd="0" destOrd="0" presId="urn:microsoft.com/office/officeart/2005/8/layout/hList1"/>
     <dgm:cxn modelId="{57F17C5F-6312-4C8B-9DA3-D2628E55739D}" srcId="{75DB0362-E61B-4F2A-B048-A6555DF5E7E1}" destId="{7D6786E2-9D56-4182-934C-93E53856CE13}" srcOrd="6" destOrd="0" parTransId="{887BE500-0287-4471-B914-4D5AD4C96AA1}" sibTransId="{A445D442-8DC9-4A45-852B-C4F8274536AD}"/>
-    <dgm:cxn modelId="{D4EC8443-EEF1-47D2-B319-439F41BD61B6}" srcId="{BE7C048B-5A85-4F32-9798-AA86469650A6}" destId="{44F59B5B-2475-4462-9031-41DED64B63BE}" srcOrd="5" destOrd="0" parTransId="{765B66D2-636F-4106-A3A8-89FFA89C45B8}" sibTransId="{C5577E32-6E29-4F20-A4A3-AC868E81128E}"/>
     <dgm:cxn modelId="{15C90864-0A51-45B7-A8EF-3A31CB777417}" type="presOf" srcId="{60F24591-1980-474B-BDD7-E6F02BABFD42}" destId="{B66373AC-ACB9-47A9-A109-F9056C68EB87}" srcOrd="0" destOrd="1" presId="urn:microsoft.com/office/officeart/2005/8/layout/hList1"/>
     <dgm:cxn modelId="{8A53F964-4DC0-4051-BAAB-FC27AB02CADC}" type="presOf" srcId="{7C8E73E8-1E64-4D47-BB1E-79F6E346CB6E}" destId="{FE54913C-C571-42F2-8142-C3EFFE342160}" srcOrd="0" destOrd="3" presId="urn:microsoft.com/office/officeart/2005/8/layout/hList1"/>
-    <dgm:cxn modelId="{1DD52D45-8F2A-4AB0-8140-BCAD369C476C}" type="presOf" srcId="{C1378FF8-880D-4E9B-BD2A-EAEB5189EA92}" destId="{B66373AC-ACB9-47A9-A109-F9056C68EB87}" srcOrd="0" destOrd="4" presId="urn:microsoft.com/office/officeart/2005/8/layout/hList1"/>
-    <dgm:cxn modelId="{1D047745-E6E5-4801-A233-E0F2A4169456}" type="presOf" srcId="{7D6786E2-9D56-4182-934C-93E53856CE13}" destId="{B66373AC-ACB9-47A9-A109-F9056C68EB87}" srcOrd="0" destOrd="6" presId="urn:microsoft.com/office/officeart/2005/8/layout/hList1"/>
     <dgm:cxn modelId="{EE638E67-2DEE-4268-8FC7-B941D16E90E7}" type="presOf" srcId="{75DB0362-E61B-4F2A-B048-A6555DF5E7E1}" destId="{359E9D15-390E-4D3E-AB23-767579E2CBDE}" srcOrd="0" destOrd="0" presId="urn:microsoft.com/office/officeart/2005/8/layout/hList1"/>
-    <dgm:cxn modelId="{2B4FA94D-8041-45DC-B426-580F2EA87157}" srcId="{869AB678-A487-4151-9205-138EBC840CC7}" destId="{AC652A51-D086-43C2-BDF7-8782913C8267}" srcOrd="0" destOrd="0" parTransId="{668A148E-FBC8-4212-A402-0B48C2E98248}" sibTransId="{1A42B328-F55E-455E-8DCF-500E5F63EB3E}"/>
     <dgm:cxn modelId="{8B77166E-8DE4-430B-9FFD-F045D19EAC28}" type="presOf" srcId="{95474F76-92AC-4979-B532-53EE5209A9EC}" destId="{FE54913C-C571-42F2-8142-C3EFFE342160}" srcOrd="0" destOrd="2" presId="urn:microsoft.com/office/officeart/2005/8/layout/hList1"/>
-    <dgm:cxn modelId="{4E82864E-0EC1-445D-AB2B-737478DA5A0A}" srcId="{BE7C048B-5A85-4F32-9798-AA86469650A6}" destId="{2915AF59-52D4-4AC3-A92C-B6FF651891EF}" srcOrd="0" destOrd="0" parTransId="{F7810B92-DD60-46BB-9FDF-0466F4C06495}" sibTransId="{C598C153-B55F-4CC4-BBEE-BA35B13B3177}"/>
-    <dgm:cxn modelId="{1949E950-86AB-4ABF-8F9A-C2E243477118}" srcId="{BE7C048B-5A85-4F32-9798-AA86469650A6}" destId="{650D3F43-4F5C-46AE-9113-AFBB00179D2E}" srcOrd="1" destOrd="0" parTransId="{3663C2CA-1970-450A-8D91-86CB11588442}" sibTransId="{B4588B80-0376-404B-9E2D-49E0411AFAD2}"/>
-    <dgm:cxn modelId="{DD33C151-EB31-42C2-B002-F19D827618EE}" type="presOf" srcId="{DFEFD1DD-92A9-474A-9153-6B06B33DB784}" destId="{09A640BD-A573-4F44-AB7C-19622369D53A}" srcOrd="0" destOrd="5" presId="urn:microsoft.com/office/officeart/2005/8/layout/hList1"/>
     <dgm:cxn modelId="{28635973-6552-4381-9803-3FAE5046AC6C}" type="presOf" srcId="{FE3579EC-C94E-45BC-B827-79E16667124B}" destId="{FE54913C-C571-42F2-8142-C3EFFE342160}" srcOrd="0" destOrd="4" presId="urn:microsoft.com/office/officeart/2005/8/layout/hList1"/>
-    <dgm:cxn modelId="{BBEEBA56-2E34-4A30-864F-3B40394DC437}" srcId="{75DB0362-E61B-4F2A-B048-A6555DF5E7E1}" destId="{C1378FF8-880D-4E9B-BD2A-EAEB5189EA92}" srcOrd="4" destOrd="0" parTransId="{FA57237E-4973-4153-A720-46F4B9B1D25E}" sibTransId="{EB1FAC66-F29F-448E-88C3-C87F8976FA56}"/>
     <dgm:cxn modelId="{396E1079-3570-4F3E-B1E3-037EE2A2CF3E}" srcId="{BE7C048B-5A85-4F32-9798-AA86469650A6}" destId="{05733680-0881-48A9-9522-D167727CB213}" srcOrd="6" destOrd="0" parTransId="{105470B5-C3A6-4B12-9CDD-09A11881D382}" sibTransId="{4A29D177-0F3B-403D-9542-E5EEE90C3B83}"/>
-    <dgm:cxn modelId="{AFE6355A-DC83-4CDF-B511-555540556E58}" srcId="{BE7C048B-5A85-4F32-9798-AA86469650A6}" destId="{F7242007-FC27-4D83-8C9F-35187A093FB2}" srcOrd="7" destOrd="0" parTransId="{70A84B41-6DBE-4161-9708-F3A65E701581}" sibTransId="{551FE38A-2125-4D18-9C6F-ACDFDF030B80}"/>
     <dgm:cxn modelId="{B6FF6D83-F751-4359-B938-016DB879CBE5}" srcId="{0EB549BA-B7DC-47B3-A16B-D0EEAC6CD60C}" destId="{869AB678-A487-4151-9205-138EBC840CC7}" srcOrd="0" destOrd="0" parTransId="{32475D2A-3379-4C38-8863-92DE1BC8117F}" sibTransId="{9D9B37E5-4552-4B02-AF5F-10CE05BEB49D}"/>
     <dgm:cxn modelId="{FC1EBD88-3036-4C0B-8507-D6393D5F7BE4}" srcId="{75DB0362-E61B-4F2A-B048-A6555DF5E7E1}" destId="{E0282E66-F178-427C-B7F8-911AC496225F}" srcOrd="0" destOrd="0" parTransId="{60738319-A295-4DFB-B1D5-F153207837F9}" sibTransId="{D560D94B-2E5A-4112-945A-833225F563DE}"/>
     <dgm:cxn modelId="{7C64368B-3BFF-440B-8AA8-E261A82BCF12}" type="presOf" srcId="{0EB549BA-B7DC-47B3-A16B-D0EEAC6CD60C}" destId="{F23C2260-7608-4CAE-BDE0-C997F66C3AFA}" srcOrd="0" destOrd="0" presId="urn:microsoft.com/office/officeart/2005/8/layout/hList1"/>
@@ -7845,7 +7844,7 @@
               <a:pPr>
                 <a:defRPr/>
               </a:pPr>
-              <a:t>8</a:t>
+              <a:t>7</a:t>
             </a:fld>
             <a:endParaRPr lang="en-US" dirty="0"/>
           </a:p>
@@ -7949,7 +7948,7 @@
               <a:pPr>
                 <a:defRPr/>
               </a:pPr>
-              <a:t>25</a:t>
+              <a:t>24</a:t>
             </a:fld>
             <a:endParaRPr lang="en-US" dirty="0"/>
           </a:p>
@@ -8053,7 +8052,7 @@
               <a:pPr>
                 <a:defRPr/>
               </a:pPr>
-              <a:t>26</a:t>
+              <a:t>25</a:t>
             </a:fld>
             <a:endParaRPr lang="en-US" dirty="0"/>
           </a:p>
@@ -8157,7 +8156,7 @@
               <a:pPr>
                 <a:defRPr/>
               </a:pPr>
-              <a:t>27</a:t>
+              <a:t>26</a:t>
             </a:fld>
             <a:endParaRPr lang="en-US" dirty="0"/>
           </a:p>
@@ -8261,7 +8260,7 @@
               <a:pPr>
                 <a:defRPr/>
               </a:pPr>
-              <a:t>28</a:t>
+              <a:t>27</a:t>
             </a:fld>
             <a:endParaRPr lang="en-US" dirty="0"/>
           </a:p>
@@ -8365,7 +8364,7 @@
               <a:pPr>
                 <a:defRPr/>
               </a:pPr>
-              <a:t>29</a:t>
+              <a:t>28</a:t>
             </a:fld>
             <a:endParaRPr lang="en-US" dirty="0"/>
           </a:p>
@@ -8469,7 +8468,7 @@
               <a:pPr>
                 <a:defRPr/>
               </a:pPr>
-              <a:t>30</a:t>
+              <a:t>29</a:t>
             </a:fld>
             <a:endParaRPr lang="en-US" dirty="0"/>
           </a:p>
@@ -8573,7 +8572,7 @@
               <a:pPr>
                 <a:defRPr/>
               </a:pPr>
-              <a:t>31</a:t>
+              <a:t>30</a:t>
             </a:fld>
             <a:endParaRPr lang="en-US" dirty="0"/>
           </a:p>
@@ -8677,7 +8676,7 @@
               <a:pPr>
                 <a:defRPr/>
               </a:pPr>
-              <a:t>9</a:t>
+              <a:t>8</a:t>
             </a:fld>
             <a:endParaRPr lang="en-US" dirty="0"/>
           </a:p>
@@ -8781,7 +8780,7 @@
               <a:pPr>
                 <a:defRPr/>
               </a:pPr>
-              <a:t>10</a:t>
+              <a:t>9</a:t>
             </a:fld>
             <a:endParaRPr lang="en-US" dirty="0"/>
           </a:p>
@@ -8885,7 +8884,7 @@
               <a:pPr>
                 <a:defRPr/>
               </a:pPr>
-              <a:t>11</a:t>
+              <a:t>10</a:t>
             </a:fld>
             <a:endParaRPr lang="en-US" dirty="0"/>
           </a:p>
@@ -8989,7 +8988,7 @@
               <a:pPr>
                 <a:defRPr/>
               </a:pPr>
-              <a:t>12</a:t>
+              <a:t>11</a:t>
             </a:fld>
             <a:endParaRPr lang="en-US" dirty="0"/>
           </a:p>
@@ -9093,7 +9092,7 @@
               <a:pPr>
                 <a:defRPr/>
               </a:pPr>
-              <a:t>14</a:t>
+              <a:t>13</a:t>
             </a:fld>
             <a:endParaRPr lang="en-US" dirty="0"/>
           </a:p>
@@ -9197,7 +9196,7 @@
               <a:pPr>
                 <a:defRPr/>
               </a:pPr>
-              <a:t>22</a:t>
+              <a:t>21</a:t>
             </a:fld>
             <a:endParaRPr lang="en-US" dirty="0"/>
           </a:p>
@@ -9301,7 +9300,7 @@
               <a:pPr>
                 <a:defRPr/>
               </a:pPr>
-              <a:t>23</a:t>
+              <a:t>22</a:t>
             </a:fld>
             <a:endParaRPr lang="en-US" dirty="0"/>
           </a:p>
@@ -9405,7 +9404,7 @@
               <a:pPr>
                 <a:defRPr/>
               </a:pPr>
-              <a:t>24</a:t>
+              <a:t>23</a:t>
             </a:fld>
             <a:endParaRPr lang="en-US" dirty="0"/>
           </a:p>
@@ -12204,425 +12203,6 @@
               <a:rPr lang="en-US" sz="2000" dirty="0">
                 <a:latin typeface="Arial" panose="020B0604020202020204" pitchFamily="34" charset="0"/>
               </a:rPr>
-              <a:t>What are the top 5 states with the highest increases and highest decrease in median house prices since 2008?</a:t>
-            </a:r>
-            <a:endParaRPr lang="en-US" sz="2000" dirty="0">
-              <a:latin typeface="+mn-lt"/>
-            </a:endParaRPr>
-          </a:p>
-        </p:txBody>
-      </p:sp>
-      <p:sp>
-        <p:nvSpPr>
-          <p:cNvPr id="4" name="Rectangle 3">
-            <a:extLst>
-              <a:ext uri="{FF2B5EF4-FFF2-40B4-BE49-F238E27FC236}">
-                <a16:creationId xmlns:a16="http://schemas.microsoft.com/office/drawing/2014/main" id="{DF954BB4-78CC-4958-9D36-57A30AC5C18B}"/>
-              </a:ext>
-            </a:extLst>
-          </p:cNvPr>
-          <p:cNvSpPr/>
-          <p:nvPr/>
-        </p:nvSpPr>
-        <p:spPr bwMode="auto">
-          <a:xfrm>
-            <a:off x="1324649" y="1726656"/>
-            <a:ext cx="6494702" cy="838199"/>
-          </a:xfrm>
-          <a:prstGeom prst="rect">
-            <a:avLst/>
-          </a:prstGeom>
-          <a:solidFill>
-            <a:schemeClr val="bg1"/>
-          </a:solidFill>
-          <a:ln w="9525" cap="flat" cmpd="sng" algn="ctr">
-            <a:noFill/>
-            <a:prstDash val="solid"/>
-            <a:round/>
-            <a:headEnd type="none" w="med" len="med"/>
-            <a:tailEnd type="none" w="med" len="med"/>
-          </a:ln>
-          <a:effectLst/>
-        </p:spPr>
-        <p:txBody>
-          <a:bodyPr vert="horz" wrap="square" lIns="91440" tIns="45720" rIns="91440" bIns="45720" numCol="1" rtlCol="0" anchor="t" anchorCtr="0" compatLnSpc="1">
-            <a:prstTxWarp prst="textNoShape">
-              <a:avLst/>
-            </a:prstTxWarp>
-          </a:bodyPr>
-          <a:lstStyle/>
-          <a:p>
-            <a:pPr lvl="0" algn="ctr" fontAlgn="ctr">
-              <a:buClr>
-                <a:srgbClr val="000000"/>
-              </a:buClr>
-              <a:buSzPts val="1100"/>
-            </a:pPr>
-            <a:r>
-              <a:rPr lang="en-US" sz="1600" dirty="0">
-                <a:solidFill>
-                  <a:srgbClr val="000000"/>
-                </a:solidFill>
-                <a:latin typeface="+mn-lt"/>
-              </a:rPr>
-              <a:t>DC, California, Colorado, Washington, and Massachusetts show median sales price increases starting around 2011-2012, which follows a consistent pattern with the national median sales price average.</a:t>
-            </a:r>
-          </a:p>
-        </p:txBody>
-      </p:sp>
-      <p:pic>
-        <p:nvPicPr>
-          <p:cNvPr id="8" name="Picture 7" descr="A close up of a map&#10;&#10;Description automatically generated">
-            <a:extLst>
-              <a:ext uri="{FF2B5EF4-FFF2-40B4-BE49-F238E27FC236}">
-                <a16:creationId xmlns:a16="http://schemas.microsoft.com/office/drawing/2014/main" id="{77FAB788-8BC6-400F-9834-A9DB50ADC846}"/>
-              </a:ext>
-            </a:extLst>
-          </p:cNvPr>
-          <p:cNvPicPr>
-            <a:picLocks noChangeAspect="1"/>
-          </p:cNvPicPr>
-          <p:nvPr/>
-        </p:nvPicPr>
-        <p:blipFill>
-          <a:blip r:embed="rId3">
-            <a:extLst>
-              <a:ext uri="{28A0092B-C50C-407E-A947-70E740481C1C}">
-                <a14:useLocalDpi xmlns:a14="http://schemas.microsoft.com/office/drawing/2010/main" val="0"/>
-              </a:ext>
-            </a:extLst>
-          </a:blip>
-          <a:stretch>
-            <a:fillRect/>
-          </a:stretch>
-        </p:blipFill>
-        <p:spPr>
-          <a:xfrm>
-            <a:off x="457200" y="2567723"/>
-            <a:ext cx="8229600" cy="4202349"/>
-          </a:xfrm>
-          <a:prstGeom prst="rect">
-            <a:avLst/>
-          </a:prstGeom>
-        </p:spPr>
-      </p:pic>
-      <p:sp>
-        <p:nvSpPr>
-          <p:cNvPr id="9" name="Rectangle 8">
-            <a:extLst>
-              <a:ext uri="{FF2B5EF4-FFF2-40B4-BE49-F238E27FC236}">
-                <a16:creationId xmlns:a16="http://schemas.microsoft.com/office/drawing/2014/main" id="{3733057B-66F9-469B-8614-23723F984546}"/>
-              </a:ext>
-            </a:extLst>
-          </p:cNvPr>
-          <p:cNvSpPr/>
-          <p:nvPr/>
-        </p:nvSpPr>
-        <p:spPr bwMode="auto">
-          <a:xfrm>
-            <a:off x="3" y="699797"/>
-            <a:ext cx="9143998" cy="760704"/>
-          </a:xfrm>
-          <a:prstGeom prst="rect">
-            <a:avLst/>
-          </a:prstGeom>
-          <a:solidFill>
-            <a:schemeClr val="bg1">
-              <a:lumMod val="95000"/>
-            </a:schemeClr>
-          </a:solidFill>
-          <a:ln w="9525" cap="flat" cmpd="sng" algn="ctr">
-            <a:noFill/>
-            <a:prstDash val="solid"/>
-            <a:round/>
-            <a:headEnd type="none" w="med" len="med"/>
-            <a:tailEnd type="none" w="med" len="med"/>
-          </a:ln>
-          <a:effectLst/>
-        </p:spPr>
-        <p:txBody>
-          <a:bodyPr vert="horz" wrap="square" lIns="91440" tIns="45720" rIns="91440" bIns="45720" numCol="1" rtlCol="0" anchor="t" anchorCtr="0" compatLnSpc="1">
-            <a:prstTxWarp prst="textNoShape">
-              <a:avLst/>
-            </a:prstTxWarp>
-          </a:bodyPr>
-          <a:lstStyle/>
-          <a:p>
-            <a:pPr lvl="0" algn="ctr" fontAlgn="ctr">
-              <a:buClr>
-                <a:srgbClr val="000000"/>
-              </a:buClr>
-              <a:buSzPts val="1100"/>
-            </a:pPr>
-            <a:endParaRPr lang="en-US" sz="1600" dirty="0">
-              <a:solidFill>
-                <a:srgbClr val="000000"/>
-              </a:solidFill>
-              <a:latin typeface="+mn-lt"/>
-            </a:endParaRPr>
-          </a:p>
-        </p:txBody>
-      </p:sp>
-      <p:sp>
-        <p:nvSpPr>
-          <p:cNvPr id="10" name="Arrow: Right 9">
-            <a:extLst>
-              <a:ext uri="{FF2B5EF4-FFF2-40B4-BE49-F238E27FC236}">
-                <a16:creationId xmlns:a16="http://schemas.microsoft.com/office/drawing/2014/main" id="{86D6001B-C836-4469-86D7-43A89BE5EBEF}"/>
-              </a:ext>
-            </a:extLst>
-          </p:cNvPr>
-          <p:cNvSpPr/>
-          <p:nvPr/>
-        </p:nvSpPr>
-        <p:spPr bwMode="auto">
-          <a:xfrm>
-            <a:off x="342900" y="699795"/>
-            <a:ext cx="4102100" cy="760705"/>
-          </a:xfrm>
-          <a:prstGeom prst="rightArrow">
-            <a:avLst/>
-          </a:prstGeom>
-          <a:solidFill>
-            <a:srgbClr val="04294A"/>
-          </a:solidFill>
-          <a:ln w="9525" cap="flat" cmpd="sng" algn="ctr">
-            <a:noFill/>
-            <a:prstDash val="solid"/>
-            <a:round/>
-            <a:headEnd type="none" w="med" len="med"/>
-            <a:tailEnd type="none" w="med" len="med"/>
-          </a:ln>
-          <a:effectLst/>
-        </p:spPr>
-        <p:txBody>
-          <a:bodyPr vert="horz" wrap="square" lIns="91440" tIns="45720" rIns="91440" bIns="45720" numCol="1" rtlCol="0" anchor="t" anchorCtr="0" compatLnSpc="1">
-            <a:prstTxWarp prst="textNoShape">
-              <a:avLst/>
-            </a:prstTxWarp>
-          </a:bodyPr>
-          <a:lstStyle/>
-          <a:p>
-            <a:pPr marL="0" marR="0" indent="0" algn="ctr" defTabSz="914400" rtl="0" eaLnBrk="0" fontAlgn="base" latinLnBrk="0" hangingPunct="0">
-              <a:lnSpc>
-                <a:spcPct val="100000"/>
-              </a:lnSpc>
-              <a:spcBef>
-                <a:spcPct val="0"/>
-              </a:spcBef>
-              <a:spcAft>
-                <a:spcPct val="0"/>
-              </a:spcAft>
-              <a:buClrTx/>
-              <a:buSzTx/>
-              <a:buFontTx/>
-              <a:buNone/>
-              <a:tabLst/>
-            </a:pPr>
-            <a:r>
-              <a:rPr kumimoji="0" lang="en-US" sz="1600" b="0" i="0" u="none" strike="noStrike" cap="none" normalizeH="0" baseline="0" dirty="0">
-                <a:ln>
-                  <a:noFill/>
-                </a:ln>
-                <a:solidFill>
-                  <a:schemeClr val="bg1"/>
-                </a:solidFill>
-                <a:effectLst/>
-              </a:rPr>
-              <a:t>Top </a:t>
-            </a:r>
-            <a:r>
-              <a:rPr lang="en-US" sz="1600" dirty="0">
-                <a:solidFill>
-                  <a:schemeClr val="bg1"/>
-                </a:solidFill>
-              </a:rPr>
-              <a:t>5 States with Highest Increases</a:t>
-            </a:r>
-            <a:endParaRPr kumimoji="0" lang="en-US" sz="1600" b="0" i="0" u="none" strike="noStrike" cap="none" normalizeH="0" baseline="0" dirty="0">
-              <a:ln>
-                <a:noFill/>
-              </a:ln>
-              <a:solidFill>
-                <a:schemeClr val="bg1"/>
-              </a:solidFill>
-              <a:effectLst/>
-            </a:endParaRPr>
-          </a:p>
-        </p:txBody>
-      </p:sp>
-      <p:sp>
-        <p:nvSpPr>
-          <p:cNvPr id="11" name="Arrow: Right 10">
-            <a:extLst>
-              <a:ext uri="{FF2B5EF4-FFF2-40B4-BE49-F238E27FC236}">
-                <a16:creationId xmlns:a16="http://schemas.microsoft.com/office/drawing/2014/main" id="{F920C91F-D197-47D4-9983-F88DA8D924CB}"/>
-              </a:ext>
-            </a:extLst>
-          </p:cNvPr>
-          <p:cNvSpPr/>
-          <p:nvPr/>
-        </p:nvSpPr>
-        <p:spPr bwMode="auto">
-          <a:xfrm>
-            <a:off x="4743450" y="699796"/>
-            <a:ext cx="4095750" cy="760704"/>
-          </a:xfrm>
-          <a:prstGeom prst="rightArrow">
-            <a:avLst/>
-          </a:prstGeom>
-          <a:solidFill>
-            <a:schemeClr val="bg1">
-              <a:lumMod val="75000"/>
-            </a:schemeClr>
-          </a:solidFill>
-          <a:ln w="9525" cap="flat" cmpd="sng" algn="ctr">
-            <a:noFill/>
-            <a:prstDash val="solid"/>
-            <a:round/>
-            <a:headEnd type="none" w="med" len="med"/>
-            <a:tailEnd type="none" w="med" len="med"/>
-          </a:ln>
-          <a:effectLst/>
-        </p:spPr>
-        <p:txBody>
-          <a:bodyPr vert="horz" wrap="square" lIns="91440" tIns="45720" rIns="91440" bIns="45720" numCol="1" rtlCol="0" anchor="t" anchorCtr="0" compatLnSpc="1">
-            <a:prstTxWarp prst="textNoShape">
-              <a:avLst/>
-            </a:prstTxWarp>
-          </a:bodyPr>
-          <a:lstStyle/>
-          <a:p>
-            <a:pPr marL="0" marR="0" indent="0" algn="ctr" defTabSz="914400" rtl="0" eaLnBrk="0" fontAlgn="base" latinLnBrk="0" hangingPunct="0">
-              <a:lnSpc>
-                <a:spcPct val="100000"/>
-              </a:lnSpc>
-              <a:spcBef>
-                <a:spcPct val="0"/>
-              </a:spcBef>
-              <a:spcAft>
-                <a:spcPct val="0"/>
-              </a:spcAft>
-              <a:buClrTx/>
-              <a:buSzTx/>
-              <a:buFontTx/>
-              <a:buNone/>
-              <a:tabLst/>
-            </a:pPr>
-            <a:r>
-              <a:rPr lang="en-US" sz="1600" dirty="0">
-                <a:solidFill>
-                  <a:schemeClr val="bg1"/>
-                </a:solidFill>
-              </a:rPr>
-              <a:t>Top 5 States with Highest Decreases</a:t>
-            </a:r>
-            <a:endParaRPr kumimoji="0" lang="en-US" sz="1400" b="0" i="0" u="none" strike="noStrike" cap="none" normalizeH="0" baseline="0" dirty="0">
-              <a:ln>
-                <a:noFill/>
-              </a:ln>
-              <a:solidFill>
-                <a:schemeClr val="bg1"/>
-              </a:solidFill>
-              <a:effectLst/>
-            </a:endParaRPr>
-          </a:p>
-        </p:txBody>
-      </p:sp>
-      <p:sp>
-        <p:nvSpPr>
-          <p:cNvPr id="3" name="Slide Number Placeholder 2">
-            <a:extLst>
-              <a:ext uri="{FF2B5EF4-FFF2-40B4-BE49-F238E27FC236}">
-                <a16:creationId xmlns:a16="http://schemas.microsoft.com/office/drawing/2014/main" id="{B038DDCE-306F-4686-98CF-50E1585FDA35}"/>
-              </a:ext>
-            </a:extLst>
-          </p:cNvPr>
-          <p:cNvSpPr>
-            <a:spLocks noGrp="1"/>
-          </p:cNvSpPr>
-          <p:nvPr>
-            <p:ph type="sldNum" sz="quarter" idx="10"/>
-          </p:nvPr>
-        </p:nvSpPr>
-        <p:spPr/>
-        <p:txBody>
-          <a:bodyPr/>
-          <a:lstStyle/>
-          <a:p>
-            <a:fld id="{D4325D4D-289E-48C1-B277-2BEB492A7D19}" type="slidenum">
-              <a:rPr lang="en-US" smtClean="0"/>
-              <a:pPr/>
-              <a:t>10</a:t>
-            </a:fld>
-            <a:endParaRPr lang="en-US" dirty="0"/>
-          </a:p>
-        </p:txBody>
-      </p:sp>
-    </p:spTree>
-    <p:extLst>
-      <p:ext uri="{BB962C8B-B14F-4D97-AF65-F5344CB8AC3E}">
-        <p14:creationId xmlns:p14="http://schemas.microsoft.com/office/powerpoint/2010/main" val="354157766"/>
-      </p:ext>
-    </p:extLst>
-  </p:cSld>
-  <p:clrMapOvr>
-    <a:masterClrMapping/>
-  </p:clrMapOvr>
-</p:sld>
-</file>
-
-<file path=ppt/slides/slide11.xml><?xml version="1.0" encoding="utf-8"?>
-<p:sld xmlns:a="http://schemas.openxmlformats.org/drawingml/2006/main" xmlns:r="http://schemas.openxmlformats.org/officeDocument/2006/relationships" xmlns:p="http://schemas.openxmlformats.org/presentationml/2006/main">
-  <p:cSld>
-    <p:spTree>
-      <p:nvGrpSpPr>
-        <p:cNvPr id="1" name=""/>
-        <p:cNvGrpSpPr/>
-        <p:nvPr/>
-      </p:nvGrpSpPr>
-      <p:grpSpPr>
-        <a:xfrm>
-          <a:off x="0" y="0"/>
-          <a:ext cx="0" cy="0"/>
-          <a:chOff x="0" y="0"/>
-          <a:chExt cx="0" cy="0"/>
-        </a:xfrm>
-      </p:grpSpPr>
-      <p:sp>
-        <p:nvSpPr>
-          <p:cNvPr id="2" name="Title 1">
-            <a:extLst>
-              <a:ext uri="{FF2B5EF4-FFF2-40B4-BE49-F238E27FC236}">
-                <a16:creationId xmlns:a16="http://schemas.microsoft.com/office/drawing/2014/main" id="{C8D4A959-0AA5-4C02-BA72-123A9AEABFEF}"/>
-              </a:ext>
-            </a:extLst>
-          </p:cNvPr>
-          <p:cNvSpPr>
-            <a:spLocks noGrp="1"/>
-          </p:cNvSpPr>
-          <p:nvPr>
-            <p:ph type="title"/>
-          </p:nvPr>
-        </p:nvSpPr>
-        <p:spPr>
-          <a:xfrm>
-            <a:off x="1" y="-2"/>
-            <a:ext cx="9144000" cy="699797"/>
-          </a:xfrm>
-        </p:spPr>
-        <p:txBody>
-          <a:bodyPr/>
-          <a:lstStyle/>
-          <a:p>
-            <a:pPr marL="457200" indent="-457200">
-              <a:buFont typeface="+mj-lt"/>
-              <a:buAutoNum type="arabicPeriod" startAt="2"/>
-            </a:pPr>
-            <a:r>
-              <a:rPr lang="en-US" sz="2000" dirty="0">
-                <a:latin typeface="Arial" panose="020B0604020202020204" pitchFamily="34" charset="0"/>
-              </a:rPr>
               <a:t>What consumer/market variables affected median housing prices since 2008?</a:t>
             </a:r>
             <a:endParaRPr lang="en-US" sz="2000" dirty="0">
@@ -12971,7 +12551,7 @@
             <a:fld id="{D4325D4D-289E-48C1-B277-2BEB492A7D19}" type="slidenum">
               <a:rPr lang="en-US" smtClean="0"/>
               <a:pPr/>
-              <a:t>11</a:t>
+              <a:t>10</a:t>
             </a:fld>
             <a:endParaRPr lang="en-US" dirty="0"/>
           </a:p>
@@ -12990,7 +12570,7 @@
 </p:sld>
 </file>
 
-<file path=ppt/slides/slide12.xml><?xml version="1.0" encoding="utf-8"?>
+<file path=ppt/slides/slide11.xml><?xml version="1.0" encoding="utf-8"?>
 <p:sld xmlns:a="http://schemas.openxmlformats.org/drawingml/2006/main" xmlns:r="http://schemas.openxmlformats.org/officeDocument/2006/relationships" xmlns:p="http://schemas.openxmlformats.org/presentationml/2006/main">
   <p:cSld>
     <p:spTree>
@@ -13201,7 +12781,7 @@
             <a:fld id="{D4325D4D-289E-48C1-B277-2BEB492A7D19}" type="slidenum">
               <a:rPr lang="en-US" smtClean="0"/>
               <a:pPr/>
-              <a:t>12</a:t>
+              <a:t>11</a:t>
             </a:fld>
             <a:endParaRPr lang="en-US" dirty="0"/>
           </a:p>
@@ -13220,7 +12800,7 @@
 </p:sld>
 </file>
 
-<file path=ppt/slides/slide13.xml><?xml version="1.0" encoding="utf-8"?>
+<file path=ppt/slides/slide12.xml><?xml version="1.0" encoding="utf-8"?>
 <p:sld xmlns:a="http://schemas.openxmlformats.org/drawingml/2006/main" xmlns:r="http://schemas.openxmlformats.org/officeDocument/2006/relationships" xmlns:p="http://schemas.openxmlformats.org/presentationml/2006/main">
   <p:cSld>
     <p:spTree>
@@ -13739,7 +13319,7 @@
             <a:fld id="{D4325D4D-289E-48C1-B277-2BEB492A7D19}" type="slidenum">
               <a:rPr lang="en-US" smtClean="0"/>
               <a:pPr/>
-              <a:t>13</a:t>
+              <a:t>12</a:t>
             </a:fld>
             <a:endParaRPr lang="en-US" dirty="0"/>
           </a:p>
@@ -13758,7 +13338,7 @@
 </p:sld>
 </file>
 
-<file path=ppt/slides/slide14.xml><?xml version="1.0" encoding="utf-8"?>
+<file path=ppt/slides/slide13.xml><?xml version="1.0" encoding="utf-8"?>
 <p:sld xmlns:a="http://schemas.openxmlformats.org/drawingml/2006/main" xmlns:r="http://schemas.openxmlformats.org/officeDocument/2006/relationships" xmlns:p="http://schemas.openxmlformats.org/presentationml/2006/main">
   <p:cSld>
     <p:spTree>
@@ -14100,7 +13680,7 @@
             <a:fld id="{D4325D4D-289E-48C1-B277-2BEB492A7D19}" type="slidenum">
               <a:rPr lang="en-US" smtClean="0"/>
               <a:pPr/>
-              <a:t>14</a:t>
+              <a:t>13</a:t>
             </a:fld>
             <a:endParaRPr lang="en-US" dirty="0"/>
           </a:p>
@@ -14119,7 +13699,7 @@
 </p:sld>
 </file>
 
-<file path=ppt/slides/slide15.xml><?xml version="1.0" encoding="utf-8"?>
+<file path=ppt/slides/slide14.xml><?xml version="1.0" encoding="utf-8"?>
 <p:sld xmlns:a="http://schemas.openxmlformats.org/drawingml/2006/main" xmlns:r="http://schemas.openxmlformats.org/officeDocument/2006/relationships" xmlns:p="http://schemas.openxmlformats.org/presentationml/2006/main">
   <p:cSld>
     <p:spTree>
@@ -14638,7 +14218,7 @@
             <a:fld id="{D4325D4D-289E-48C1-B277-2BEB492A7D19}" type="slidenum">
               <a:rPr lang="en-US" smtClean="0"/>
               <a:pPr/>
-              <a:t>15</a:t>
+              <a:t>14</a:t>
             </a:fld>
             <a:endParaRPr lang="en-US" dirty="0"/>
           </a:p>
@@ -14657,7 +14237,7 @@
 </p:sld>
 </file>
 
-<file path=ppt/slides/slide16.xml><?xml version="1.0" encoding="utf-8"?>
+<file path=ppt/slides/slide15.xml><?xml version="1.0" encoding="utf-8"?>
 <p:sld xmlns:a="http://schemas.openxmlformats.org/drawingml/2006/main" xmlns:r="http://schemas.openxmlformats.org/officeDocument/2006/relationships" xmlns:p="http://schemas.openxmlformats.org/presentationml/2006/main">
   <p:cSld>
     <p:spTree>
@@ -15176,7 +14756,7 @@
             <a:fld id="{D4325D4D-289E-48C1-B277-2BEB492A7D19}" type="slidenum">
               <a:rPr lang="en-US" smtClean="0"/>
               <a:pPr/>
-              <a:t>16</a:t>
+              <a:t>15</a:t>
             </a:fld>
             <a:endParaRPr lang="en-US" dirty="0"/>
           </a:p>
@@ -15195,7 +14775,7 @@
 </p:sld>
 </file>
 
-<file path=ppt/slides/slide17.xml><?xml version="1.0" encoding="utf-8"?>
+<file path=ppt/slides/slide16.xml><?xml version="1.0" encoding="utf-8"?>
 <p:sld xmlns:a="http://schemas.openxmlformats.org/drawingml/2006/main" xmlns:r="http://schemas.openxmlformats.org/officeDocument/2006/relationships" xmlns:p="http://schemas.openxmlformats.org/presentationml/2006/main">
   <p:cSld>
     <p:spTree>
@@ -15393,7 +14973,7 @@
             <a:fld id="{D4325D4D-289E-48C1-B277-2BEB492A7D19}" type="slidenum">
               <a:rPr lang="en-US" smtClean="0"/>
               <a:pPr/>
-              <a:t>17</a:t>
+              <a:t>16</a:t>
             </a:fld>
             <a:endParaRPr lang="en-US" dirty="0"/>
           </a:p>
@@ -15412,7 +14992,7 @@
 </p:sld>
 </file>
 
-<file path=ppt/slides/slide18.xml><?xml version="1.0" encoding="utf-8"?>
+<file path=ppt/slides/slide17.xml><?xml version="1.0" encoding="utf-8"?>
 <p:sld xmlns:a="http://schemas.openxmlformats.org/drawingml/2006/main" xmlns:r="http://schemas.openxmlformats.org/officeDocument/2006/relationships" xmlns:p="http://schemas.openxmlformats.org/presentationml/2006/main">
   <p:cSld>
     <p:spTree>
@@ -15575,7 +15155,7 @@
             <a:fld id="{D4325D4D-289E-48C1-B277-2BEB492A7D19}" type="slidenum">
               <a:rPr lang="en-US" smtClean="0"/>
               <a:pPr/>
-              <a:t>18</a:t>
+              <a:t>17</a:t>
             </a:fld>
             <a:endParaRPr lang="en-US" dirty="0"/>
           </a:p>
@@ -15594,7 +15174,7 @@
 </p:sld>
 </file>
 
-<file path=ppt/slides/slide19.xml><?xml version="1.0" encoding="utf-8"?>
+<file path=ppt/slides/slide18.xml><?xml version="1.0" encoding="utf-8"?>
 <p:sld xmlns:a="http://schemas.openxmlformats.org/drawingml/2006/main" xmlns:r="http://schemas.openxmlformats.org/officeDocument/2006/relationships" xmlns:p="http://schemas.openxmlformats.org/presentationml/2006/main">
   <p:cSld>
     <p:spTree>
@@ -15799,7 +15379,7 @@
             <a:fld id="{D4325D4D-289E-48C1-B277-2BEB492A7D19}" type="slidenum">
               <a:rPr lang="en-US" smtClean="0"/>
               <a:pPr/>
-              <a:t>19</a:t>
+              <a:t>18</a:t>
             </a:fld>
             <a:endParaRPr lang="en-US" dirty="0"/>
           </a:p>
@@ -15818,194 +15398,7 @@
 </p:sld>
 </file>
 
-<file path=ppt/slides/slide2.xml><?xml version="1.0" encoding="utf-8"?>
-<p:sld xmlns:a="http://schemas.openxmlformats.org/drawingml/2006/main" xmlns:r="http://schemas.openxmlformats.org/officeDocument/2006/relationships" xmlns:p="http://schemas.openxmlformats.org/presentationml/2006/main">
-  <p:cSld>
-    <p:spTree>
-      <p:nvGrpSpPr>
-        <p:cNvPr id="1" name=""/>
-        <p:cNvGrpSpPr/>
-        <p:nvPr/>
-      </p:nvGrpSpPr>
-      <p:grpSpPr>
-        <a:xfrm>
-          <a:off x="0" y="0"/>
-          <a:ext cx="0" cy="0"/>
-          <a:chOff x="0" y="0"/>
-          <a:chExt cx="0" cy="0"/>
-        </a:xfrm>
-      </p:grpSpPr>
-      <p:sp>
-        <p:nvSpPr>
-          <p:cNvPr id="2" name="Title 1">
-            <a:extLst>
-              <a:ext uri="{FF2B5EF4-FFF2-40B4-BE49-F238E27FC236}">
-                <a16:creationId xmlns:a16="http://schemas.microsoft.com/office/drawing/2014/main" id="{3C5C91A7-C65C-4043-96F3-E31A494B636F}"/>
-              </a:ext>
-            </a:extLst>
-          </p:cNvPr>
-          <p:cNvSpPr>
-            <a:spLocks noGrp="1"/>
-          </p:cNvSpPr>
-          <p:nvPr>
-            <p:ph type="title"/>
-          </p:nvPr>
-        </p:nvSpPr>
-        <p:spPr/>
-        <p:txBody>
-          <a:bodyPr/>
-          <a:lstStyle/>
-          <a:p>
-            <a:r>
-              <a:rPr lang="en-US" dirty="0"/>
-              <a:t>Agenda</a:t>
-            </a:r>
-          </a:p>
-        </p:txBody>
-      </p:sp>
-      <p:sp>
-        <p:nvSpPr>
-          <p:cNvPr id="3" name="Content Placeholder 2">
-            <a:extLst>
-              <a:ext uri="{FF2B5EF4-FFF2-40B4-BE49-F238E27FC236}">
-                <a16:creationId xmlns:a16="http://schemas.microsoft.com/office/drawing/2014/main" id="{84FDFB3A-14FD-49FB-87FF-0B32449D8D88}"/>
-              </a:ext>
-            </a:extLst>
-          </p:cNvPr>
-          <p:cNvSpPr>
-            <a:spLocks noGrp="1"/>
-          </p:cNvSpPr>
-          <p:nvPr>
-            <p:ph idx="1"/>
-          </p:nvPr>
-        </p:nvSpPr>
-        <p:spPr>
-          <a:xfrm>
-            <a:off x="457200" y="937418"/>
-            <a:ext cx="8229600" cy="4983163"/>
-          </a:xfrm>
-        </p:spPr>
-        <p:txBody>
-          <a:bodyPr/>
-          <a:lstStyle/>
-          <a:p>
-            <a:r>
-              <a:rPr lang="en-US" dirty="0"/>
-              <a:t>Project Overview</a:t>
-            </a:r>
-          </a:p>
-          <a:p>
-            <a:pPr marL="0" indent="0">
-              <a:buNone/>
-            </a:pPr>
-            <a:endParaRPr lang="en-US" dirty="0"/>
-          </a:p>
-          <a:p>
-            <a:r>
-              <a:rPr lang="en-US" dirty="0"/>
-              <a:t>Key Questions &amp; Data Sources/Data Used</a:t>
-            </a:r>
-          </a:p>
-          <a:p>
-            <a:pPr marL="0" indent="0">
-              <a:buNone/>
-            </a:pPr>
-            <a:endParaRPr lang="en-US" dirty="0"/>
-          </a:p>
-          <a:p>
-            <a:r>
-              <a:rPr lang="en-US" dirty="0"/>
-              <a:t>Data Cleanup &amp; Exploration</a:t>
-            </a:r>
-          </a:p>
-          <a:p>
-            <a:pPr marL="0" indent="0">
-              <a:buNone/>
-            </a:pPr>
-            <a:endParaRPr lang="en-US" dirty="0"/>
-          </a:p>
-          <a:p>
-            <a:r>
-              <a:rPr lang="en-US" dirty="0"/>
-              <a:t>Data Analysis Process + Answered Questions</a:t>
-            </a:r>
-          </a:p>
-          <a:p>
-            <a:pPr marL="0" indent="0">
-              <a:buNone/>
-            </a:pPr>
-            <a:endParaRPr lang="en-US" dirty="0"/>
-          </a:p>
-          <a:p>
-            <a:r>
-              <a:rPr lang="en-US" dirty="0"/>
-              <a:t>Discussion of Results</a:t>
-            </a:r>
-          </a:p>
-          <a:p>
-            <a:endParaRPr lang="en-US" dirty="0"/>
-          </a:p>
-          <a:p>
-            <a:r>
-              <a:rPr lang="en-US" dirty="0"/>
-              <a:t>Postmortem &amp; Future Research</a:t>
-            </a:r>
-          </a:p>
-          <a:p>
-            <a:endParaRPr lang="en-US" dirty="0"/>
-          </a:p>
-          <a:p>
-            <a:r>
-              <a:rPr lang="en-US" dirty="0"/>
-              <a:t>Questions</a:t>
-            </a:r>
-          </a:p>
-        </p:txBody>
-      </p:sp>
-      <p:sp>
-        <p:nvSpPr>
-          <p:cNvPr id="4" name="Slide Number Placeholder 3">
-            <a:extLst>
-              <a:ext uri="{FF2B5EF4-FFF2-40B4-BE49-F238E27FC236}">
-                <a16:creationId xmlns:a16="http://schemas.microsoft.com/office/drawing/2014/main" id="{40E1616E-4E85-49CA-9563-E5D07C792742}"/>
-              </a:ext>
-            </a:extLst>
-          </p:cNvPr>
-          <p:cNvSpPr>
-            <a:spLocks noGrp="1"/>
-          </p:cNvSpPr>
-          <p:nvPr>
-            <p:ph type="sldNum" sz="quarter" idx="10"/>
-          </p:nvPr>
-        </p:nvSpPr>
-        <p:spPr/>
-        <p:txBody>
-          <a:bodyPr/>
-          <a:lstStyle/>
-          <a:p>
-            <a:fld id="{D4325D4D-289E-48C1-B277-2BEB492A7D19}" type="slidenum">
-              <a:rPr lang="en-US" smtClean="0"/>
-              <a:pPr/>
-              <a:t>2</a:t>
-            </a:fld>
-            <a:endParaRPr lang="en-US" dirty="0"/>
-          </a:p>
-        </p:txBody>
-      </p:sp>
-    </p:spTree>
-    <p:extLst>
-      <p:ext uri="{BB962C8B-B14F-4D97-AF65-F5344CB8AC3E}">
-        <p14:creationId xmlns:p14="http://schemas.microsoft.com/office/powerpoint/2010/main" val="4106002739"/>
-      </p:ext>
-    </p:extLst>
-  </p:cSld>
-  <p:clrMapOvr>
-    <a:masterClrMapping/>
-  </p:clrMapOvr>
-</p:sld>
-</file>
-
-<file path=ppt/slides/slide20.xml><?xml version="1.0" encoding="utf-8"?>
+<file path=ppt/slides/slide19.xml><?xml version="1.0" encoding="utf-8"?>
 <p:sld xmlns:a="http://schemas.openxmlformats.org/drawingml/2006/main" xmlns:r="http://schemas.openxmlformats.org/officeDocument/2006/relationships" xmlns:p="http://schemas.openxmlformats.org/presentationml/2006/main">
   <p:cSld>
     <p:bg>
@@ -16108,7 +15501,7 @@
             <a:fld id="{D4325D4D-289E-48C1-B277-2BEB492A7D19}" type="slidenum">
               <a:rPr lang="en-US" smtClean="0"/>
               <a:pPr/>
-              <a:t>20</a:t>
+              <a:t>19</a:t>
             </a:fld>
             <a:endParaRPr lang="en-US" dirty="0"/>
           </a:p>
@@ -16127,7 +15520,194 @@
 </p:sld>
 </file>
 
-<file path=ppt/slides/slide21.xml><?xml version="1.0" encoding="utf-8"?>
+<file path=ppt/slides/slide2.xml><?xml version="1.0" encoding="utf-8"?>
+<p:sld xmlns:a="http://schemas.openxmlformats.org/drawingml/2006/main" xmlns:r="http://schemas.openxmlformats.org/officeDocument/2006/relationships" xmlns:p="http://schemas.openxmlformats.org/presentationml/2006/main">
+  <p:cSld>
+    <p:spTree>
+      <p:nvGrpSpPr>
+        <p:cNvPr id="1" name=""/>
+        <p:cNvGrpSpPr/>
+        <p:nvPr/>
+      </p:nvGrpSpPr>
+      <p:grpSpPr>
+        <a:xfrm>
+          <a:off x="0" y="0"/>
+          <a:ext cx="0" cy="0"/>
+          <a:chOff x="0" y="0"/>
+          <a:chExt cx="0" cy="0"/>
+        </a:xfrm>
+      </p:grpSpPr>
+      <p:sp>
+        <p:nvSpPr>
+          <p:cNvPr id="2" name="Title 1">
+            <a:extLst>
+              <a:ext uri="{FF2B5EF4-FFF2-40B4-BE49-F238E27FC236}">
+                <a16:creationId xmlns:a16="http://schemas.microsoft.com/office/drawing/2014/main" id="{3C5C91A7-C65C-4043-96F3-E31A494B636F}"/>
+              </a:ext>
+            </a:extLst>
+          </p:cNvPr>
+          <p:cNvSpPr>
+            <a:spLocks noGrp="1"/>
+          </p:cNvSpPr>
+          <p:nvPr>
+            <p:ph type="title"/>
+          </p:nvPr>
+        </p:nvSpPr>
+        <p:spPr/>
+        <p:txBody>
+          <a:bodyPr/>
+          <a:lstStyle/>
+          <a:p>
+            <a:r>
+              <a:rPr lang="en-US" dirty="0"/>
+              <a:t>Agenda</a:t>
+            </a:r>
+          </a:p>
+        </p:txBody>
+      </p:sp>
+      <p:sp>
+        <p:nvSpPr>
+          <p:cNvPr id="3" name="Content Placeholder 2">
+            <a:extLst>
+              <a:ext uri="{FF2B5EF4-FFF2-40B4-BE49-F238E27FC236}">
+                <a16:creationId xmlns:a16="http://schemas.microsoft.com/office/drawing/2014/main" id="{84FDFB3A-14FD-49FB-87FF-0B32449D8D88}"/>
+              </a:ext>
+            </a:extLst>
+          </p:cNvPr>
+          <p:cNvSpPr>
+            <a:spLocks noGrp="1"/>
+          </p:cNvSpPr>
+          <p:nvPr>
+            <p:ph idx="1"/>
+          </p:nvPr>
+        </p:nvSpPr>
+        <p:spPr>
+          <a:xfrm>
+            <a:off x="457200" y="937418"/>
+            <a:ext cx="8229600" cy="4983163"/>
+          </a:xfrm>
+        </p:spPr>
+        <p:txBody>
+          <a:bodyPr/>
+          <a:lstStyle/>
+          <a:p>
+            <a:r>
+              <a:rPr lang="en-US" dirty="0"/>
+              <a:t>Project Overview</a:t>
+            </a:r>
+          </a:p>
+          <a:p>
+            <a:pPr marL="0" indent="0">
+              <a:buNone/>
+            </a:pPr>
+            <a:endParaRPr lang="en-US" dirty="0"/>
+          </a:p>
+          <a:p>
+            <a:r>
+              <a:rPr lang="en-US" dirty="0"/>
+              <a:t>Key Questions &amp; Data Sources/Data Used</a:t>
+            </a:r>
+          </a:p>
+          <a:p>
+            <a:pPr marL="0" indent="0">
+              <a:buNone/>
+            </a:pPr>
+            <a:endParaRPr lang="en-US" dirty="0"/>
+          </a:p>
+          <a:p>
+            <a:r>
+              <a:rPr lang="en-US" dirty="0"/>
+              <a:t>Data Cleanup &amp; Exploration</a:t>
+            </a:r>
+          </a:p>
+          <a:p>
+            <a:pPr marL="0" indent="0">
+              <a:buNone/>
+            </a:pPr>
+            <a:endParaRPr lang="en-US" dirty="0"/>
+          </a:p>
+          <a:p>
+            <a:r>
+              <a:rPr lang="en-US" dirty="0"/>
+              <a:t>Data Analysis Process + Answered Questions</a:t>
+            </a:r>
+          </a:p>
+          <a:p>
+            <a:pPr marL="0" indent="0">
+              <a:buNone/>
+            </a:pPr>
+            <a:endParaRPr lang="en-US" dirty="0"/>
+          </a:p>
+          <a:p>
+            <a:r>
+              <a:rPr lang="en-US" dirty="0"/>
+              <a:t>Discussion of Results</a:t>
+            </a:r>
+          </a:p>
+          <a:p>
+            <a:endParaRPr lang="en-US" dirty="0"/>
+          </a:p>
+          <a:p>
+            <a:r>
+              <a:rPr lang="en-US" dirty="0"/>
+              <a:t>Postmortem &amp; Future Research</a:t>
+            </a:r>
+          </a:p>
+          <a:p>
+            <a:endParaRPr lang="en-US" dirty="0"/>
+          </a:p>
+          <a:p>
+            <a:r>
+              <a:rPr lang="en-US" dirty="0"/>
+              <a:t>Questions</a:t>
+            </a:r>
+          </a:p>
+        </p:txBody>
+      </p:sp>
+      <p:sp>
+        <p:nvSpPr>
+          <p:cNvPr id="4" name="Slide Number Placeholder 3">
+            <a:extLst>
+              <a:ext uri="{FF2B5EF4-FFF2-40B4-BE49-F238E27FC236}">
+                <a16:creationId xmlns:a16="http://schemas.microsoft.com/office/drawing/2014/main" id="{40E1616E-4E85-49CA-9563-E5D07C792742}"/>
+              </a:ext>
+            </a:extLst>
+          </p:cNvPr>
+          <p:cNvSpPr>
+            <a:spLocks noGrp="1"/>
+          </p:cNvSpPr>
+          <p:nvPr>
+            <p:ph type="sldNum" sz="quarter" idx="10"/>
+          </p:nvPr>
+        </p:nvSpPr>
+        <p:spPr/>
+        <p:txBody>
+          <a:bodyPr/>
+          <a:lstStyle/>
+          <a:p>
+            <a:fld id="{D4325D4D-289E-48C1-B277-2BEB492A7D19}" type="slidenum">
+              <a:rPr lang="en-US" smtClean="0"/>
+              <a:pPr/>
+              <a:t>2</a:t>
+            </a:fld>
+            <a:endParaRPr lang="en-US" dirty="0"/>
+          </a:p>
+        </p:txBody>
+      </p:sp>
+    </p:spTree>
+    <p:extLst>
+      <p:ext uri="{BB962C8B-B14F-4D97-AF65-F5344CB8AC3E}">
+        <p14:creationId xmlns:p14="http://schemas.microsoft.com/office/powerpoint/2010/main" val="4106002739"/>
+      </p:ext>
+    </p:extLst>
+  </p:cSld>
+  <p:clrMapOvr>
+    <a:masterClrMapping/>
+  </p:clrMapOvr>
+</p:sld>
+</file>
+
+<file path=ppt/slides/slide20.xml><?xml version="1.0" encoding="utf-8"?>
 <p:sld xmlns:a="http://schemas.openxmlformats.org/drawingml/2006/main" xmlns:r="http://schemas.openxmlformats.org/officeDocument/2006/relationships" xmlns:p="http://schemas.openxmlformats.org/presentationml/2006/main">
   <p:cSld>
     <p:spTree>
@@ -16196,7 +15776,7 @@
             <a:fld id="{D4325D4D-289E-48C1-B277-2BEB492A7D19}" type="slidenum">
               <a:rPr lang="en-US" smtClean="0"/>
               <a:pPr/>
-              <a:t>21</a:t>
+              <a:t>20</a:t>
             </a:fld>
             <a:endParaRPr lang="en-US" dirty="0"/>
           </a:p>
@@ -16215,7 +15795,7 @@
 </p:sld>
 </file>
 
-<file path=ppt/slides/slide22.xml><?xml version="1.0" encoding="utf-8"?>
+<file path=ppt/slides/slide21.xml><?xml version="1.0" encoding="utf-8"?>
 <p:sld xmlns:a="http://schemas.openxmlformats.org/drawingml/2006/main" xmlns:r="http://schemas.openxmlformats.org/officeDocument/2006/relationships" xmlns:p="http://schemas.openxmlformats.org/presentationml/2006/main">
   <p:cSld>
     <p:spTree>
@@ -16614,7 +16194,7 @@
             <a:fld id="{D4325D4D-289E-48C1-B277-2BEB492A7D19}" type="slidenum">
               <a:rPr lang="en-US" smtClean="0"/>
               <a:pPr/>
-              <a:t>22</a:t>
+              <a:t>21</a:t>
             </a:fld>
             <a:endParaRPr lang="en-US" dirty="0"/>
           </a:p>
@@ -16633,7 +16213,7 @@
 </p:sld>
 </file>
 
-<file path=ppt/slides/slide23.xml><?xml version="1.0" encoding="utf-8"?>
+<file path=ppt/slides/slide22.xml><?xml version="1.0" encoding="utf-8"?>
 <p:sld xmlns:a="http://schemas.openxmlformats.org/drawingml/2006/main" xmlns:r="http://schemas.openxmlformats.org/officeDocument/2006/relationships" xmlns:p="http://schemas.openxmlformats.org/presentationml/2006/main">
   <p:cSld>
     <p:spTree>
@@ -17033,7 +16613,7 @@
             <a:fld id="{D4325D4D-289E-48C1-B277-2BEB492A7D19}" type="slidenum">
               <a:rPr lang="en-US" smtClean="0"/>
               <a:pPr/>
-              <a:t>23</a:t>
+              <a:t>22</a:t>
             </a:fld>
             <a:endParaRPr lang="en-US" dirty="0"/>
           </a:p>
@@ -17052,7 +16632,7 @@
 </p:sld>
 </file>
 
-<file path=ppt/slides/slide24.xml><?xml version="1.0" encoding="utf-8"?>
+<file path=ppt/slides/slide23.xml><?xml version="1.0" encoding="utf-8"?>
 <p:sld xmlns:a="http://schemas.openxmlformats.org/drawingml/2006/main" xmlns:r="http://schemas.openxmlformats.org/officeDocument/2006/relationships" xmlns:p="http://schemas.openxmlformats.org/presentationml/2006/main">
   <p:cSld>
     <p:spTree>
@@ -17534,7 +17114,7 @@
             <a:fld id="{D4325D4D-289E-48C1-B277-2BEB492A7D19}" type="slidenum">
               <a:rPr lang="en-US" smtClean="0"/>
               <a:pPr/>
-              <a:t>24</a:t>
+              <a:t>23</a:t>
             </a:fld>
             <a:endParaRPr lang="en-US" dirty="0"/>
           </a:p>
@@ -17553,7 +17133,7 @@
 </p:sld>
 </file>
 
-<file path=ppt/slides/slide25.xml><?xml version="1.0" encoding="utf-8"?>
+<file path=ppt/slides/slide24.xml><?xml version="1.0" encoding="utf-8"?>
 <p:sld xmlns:a="http://schemas.openxmlformats.org/drawingml/2006/main" xmlns:r="http://schemas.openxmlformats.org/officeDocument/2006/relationships" xmlns:p="http://schemas.openxmlformats.org/presentationml/2006/main">
   <p:cSld>
     <p:spTree>
@@ -18035,7 +17615,7 @@
             <a:fld id="{D4325D4D-289E-48C1-B277-2BEB492A7D19}" type="slidenum">
               <a:rPr lang="en-US" smtClean="0"/>
               <a:pPr/>
-              <a:t>25</a:t>
+              <a:t>24</a:t>
             </a:fld>
             <a:endParaRPr lang="en-US" dirty="0"/>
           </a:p>
@@ -18054,7 +17634,7 @@
 </p:sld>
 </file>
 
-<file path=ppt/slides/slide26.xml><?xml version="1.0" encoding="utf-8"?>
+<file path=ppt/slides/slide25.xml><?xml version="1.0" encoding="utf-8"?>
 <p:sld xmlns:a="http://schemas.openxmlformats.org/drawingml/2006/main" xmlns:r="http://schemas.openxmlformats.org/officeDocument/2006/relationships" xmlns:p="http://schemas.openxmlformats.org/presentationml/2006/main">
   <p:cSld>
     <p:spTree>
@@ -18536,7 +18116,7 @@
             <a:fld id="{D4325D4D-289E-48C1-B277-2BEB492A7D19}" type="slidenum">
               <a:rPr lang="en-US" smtClean="0"/>
               <a:pPr/>
-              <a:t>26</a:t>
+              <a:t>25</a:t>
             </a:fld>
             <a:endParaRPr lang="en-US" dirty="0"/>
           </a:p>
@@ -18555,7 +18135,7 @@
 </p:sld>
 </file>
 
-<file path=ppt/slides/slide27.xml><?xml version="1.0" encoding="utf-8"?>
+<file path=ppt/slides/slide26.xml><?xml version="1.0" encoding="utf-8"?>
 <p:sld xmlns:a="http://schemas.openxmlformats.org/drawingml/2006/main" xmlns:r="http://schemas.openxmlformats.org/officeDocument/2006/relationships" xmlns:p="http://schemas.openxmlformats.org/presentationml/2006/main">
   <p:cSld>
     <p:spTree>
@@ -19037,7 +18617,7 @@
             <a:fld id="{D4325D4D-289E-48C1-B277-2BEB492A7D19}" type="slidenum">
               <a:rPr lang="en-US" smtClean="0"/>
               <a:pPr/>
-              <a:t>27</a:t>
+              <a:t>26</a:t>
             </a:fld>
             <a:endParaRPr lang="en-US" dirty="0"/>
           </a:p>
@@ -19056,7 +18636,7 @@
 </p:sld>
 </file>
 
-<file path=ppt/slides/slide28.xml><?xml version="1.0" encoding="utf-8"?>
+<file path=ppt/slides/slide27.xml><?xml version="1.0" encoding="utf-8"?>
 <p:sld xmlns:a="http://schemas.openxmlformats.org/drawingml/2006/main" xmlns:r="http://schemas.openxmlformats.org/officeDocument/2006/relationships" xmlns:p="http://schemas.openxmlformats.org/presentationml/2006/main">
   <p:cSld>
     <p:spTree>
@@ -19538,7 +19118,7 @@
             <a:fld id="{D4325D4D-289E-48C1-B277-2BEB492A7D19}" type="slidenum">
               <a:rPr lang="en-US" smtClean="0"/>
               <a:pPr/>
-              <a:t>28</a:t>
+              <a:t>27</a:t>
             </a:fld>
             <a:endParaRPr lang="en-US" dirty="0"/>
           </a:p>
@@ -19557,7 +19137,7 @@
 </p:sld>
 </file>
 
-<file path=ppt/slides/slide29.xml><?xml version="1.0" encoding="utf-8"?>
+<file path=ppt/slides/slide28.xml><?xml version="1.0" encoding="utf-8"?>
 <p:sld xmlns:a="http://schemas.openxmlformats.org/drawingml/2006/main" xmlns:r="http://schemas.openxmlformats.org/officeDocument/2006/relationships" xmlns:p="http://schemas.openxmlformats.org/presentationml/2006/main">
   <p:cSld>
     <p:spTree>
@@ -20039,7 +19619,7 @@
             <a:fld id="{D4325D4D-289E-48C1-B277-2BEB492A7D19}" type="slidenum">
               <a:rPr lang="en-US" smtClean="0"/>
               <a:pPr/>
-              <a:t>29</a:t>
+              <a:t>28</a:t>
             </a:fld>
             <a:endParaRPr lang="en-US" dirty="0"/>
           </a:p>
@@ -20058,126 +19638,7 @@
 </p:sld>
 </file>
 
-<file path=ppt/slides/slide3.xml><?xml version="1.0" encoding="utf-8"?>
-<p:sld xmlns:a="http://schemas.openxmlformats.org/drawingml/2006/main" xmlns:r="http://schemas.openxmlformats.org/officeDocument/2006/relationships" xmlns:p="http://schemas.openxmlformats.org/presentationml/2006/main">
-  <p:cSld>
-    <p:spTree>
-      <p:nvGrpSpPr>
-        <p:cNvPr id="1" name=""/>
-        <p:cNvGrpSpPr/>
-        <p:nvPr/>
-      </p:nvGrpSpPr>
-      <p:grpSpPr>
-        <a:xfrm>
-          <a:off x="0" y="0"/>
-          <a:ext cx="0" cy="0"/>
-          <a:chOff x="0" y="0"/>
-          <a:chExt cx="0" cy="0"/>
-        </a:xfrm>
-      </p:grpSpPr>
-      <p:sp>
-        <p:nvSpPr>
-          <p:cNvPr id="2" name="Title 1">
-            <a:extLst>
-              <a:ext uri="{FF2B5EF4-FFF2-40B4-BE49-F238E27FC236}">
-                <a16:creationId xmlns:a16="http://schemas.microsoft.com/office/drawing/2014/main" id="{78E7529F-1494-4581-9539-D7FA926C2DAA}"/>
-              </a:ext>
-            </a:extLst>
-          </p:cNvPr>
-          <p:cNvSpPr>
-            <a:spLocks noGrp="1"/>
-          </p:cNvSpPr>
-          <p:nvPr>
-            <p:ph type="title"/>
-          </p:nvPr>
-        </p:nvSpPr>
-        <p:spPr/>
-        <p:txBody>
-          <a:bodyPr/>
-          <a:lstStyle/>
-          <a:p>
-            <a:r>
-              <a:rPr lang="en-US" dirty="0"/>
-              <a:t>Project Overview</a:t>
-            </a:r>
-          </a:p>
-        </p:txBody>
-      </p:sp>
-      <p:graphicFrame>
-        <p:nvGraphicFramePr>
-          <p:cNvPr id="5" name="Content Placeholder 4">
-            <a:extLst>
-              <a:ext uri="{FF2B5EF4-FFF2-40B4-BE49-F238E27FC236}">
-                <a16:creationId xmlns:a16="http://schemas.microsoft.com/office/drawing/2014/main" id="{16543026-8419-4E36-BD42-71E60BFD2E2B}"/>
-              </a:ext>
-            </a:extLst>
-          </p:cNvPr>
-          <p:cNvGraphicFramePr>
-            <a:graphicFrameLocks noGrp="1"/>
-          </p:cNvGraphicFramePr>
-          <p:nvPr>
-            <p:ph idx="1"/>
-            <p:extLst>
-              <p:ext uri="{D42A27DB-BD31-4B8C-83A1-F6EECF244321}">
-                <p14:modId xmlns:p14="http://schemas.microsoft.com/office/powerpoint/2010/main" val="2535220701"/>
-              </p:ext>
-            </p:extLst>
-          </p:nvPr>
-        </p:nvGraphicFramePr>
-        <p:xfrm>
-          <a:off x="457200" y="1143000"/>
-          <a:ext cx="8229600" cy="4983163"/>
-        </p:xfrm>
-        <a:graphic>
-          <a:graphicData uri="http://schemas.openxmlformats.org/drawingml/2006/diagram">
-            <dgm:relIds xmlns:dgm="http://schemas.openxmlformats.org/drawingml/2006/diagram" xmlns:r="http://schemas.openxmlformats.org/officeDocument/2006/relationships" r:dm="rId2" r:lo="rId3" r:qs="rId4" r:cs="rId5"/>
-          </a:graphicData>
-        </a:graphic>
-      </p:graphicFrame>
-      <p:sp>
-        <p:nvSpPr>
-          <p:cNvPr id="3" name="Slide Number Placeholder 2">
-            <a:extLst>
-              <a:ext uri="{FF2B5EF4-FFF2-40B4-BE49-F238E27FC236}">
-                <a16:creationId xmlns:a16="http://schemas.microsoft.com/office/drawing/2014/main" id="{2E7AC391-C8EE-4FBF-BB63-4179B884FCB6}"/>
-              </a:ext>
-            </a:extLst>
-          </p:cNvPr>
-          <p:cNvSpPr>
-            <a:spLocks noGrp="1"/>
-          </p:cNvSpPr>
-          <p:nvPr>
-            <p:ph type="sldNum" sz="quarter" idx="10"/>
-          </p:nvPr>
-        </p:nvSpPr>
-        <p:spPr/>
-        <p:txBody>
-          <a:bodyPr/>
-          <a:lstStyle/>
-          <a:p>
-            <a:fld id="{D4325D4D-289E-48C1-B277-2BEB492A7D19}" type="slidenum">
-              <a:rPr lang="en-US" smtClean="0"/>
-              <a:pPr/>
-              <a:t>3</a:t>
-            </a:fld>
-            <a:endParaRPr lang="en-US" dirty="0"/>
-          </a:p>
-        </p:txBody>
-      </p:sp>
-    </p:spTree>
-    <p:extLst>
-      <p:ext uri="{BB962C8B-B14F-4D97-AF65-F5344CB8AC3E}">
-        <p14:creationId xmlns:p14="http://schemas.microsoft.com/office/powerpoint/2010/main" val="2363193411"/>
-      </p:ext>
-    </p:extLst>
-  </p:cSld>
-  <p:clrMapOvr>
-    <a:masterClrMapping/>
-  </p:clrMapOvr>
-</p:sld>
-</file>
-
-<file path=ppt/slides/slide30.xml><?xml version="1.0" encoding="utf-8"?>
+<file path=ppt/slides/slide29.xml><?xml version="1.0" encoding="utf-8"?>
 <p:sld xmlns:a="http://schemas.openxmlformats.org/drawingml/2006/main" xmlns:r="http://schemas.openxmlformats.org/officeDocument/2006/relationships" xmlns:p="http://schemas.openxmlformats.org/presentationml/2006/main">
   <p:cSld>
     <p:spTree>
@@ -20659,7 +20120,7 @@
             <a:fld id="{D4325D4D-289E-48C1-B277-2BEB492A7D19}" type="slidenum">
               <a:rPr lang="en-US" smtClean="0"/>
               <a:pPr/>
-              <a:t>30</a:t>
+              <a:t>29</a:t>
             </a:fld>
             <a:endParaRPr lang="en-US" dirty="0"/>
           </a:p>
@@ -20678,7 +20139,126 @@
 </p:sld>
 </file>
 
-<file path=ppt/slides/slide31.xml><?xml version="1.0" encoding="utf-8"?>
+<file path=ppt/slides/slide3.xml><?xml version="1.0" encoding="utf-8"?>
+<p:sld xmlns:a="http://schemas.openxmlformats.org/drawingml/2006/main" xmlns:r="http://schemas.openxmlformats.org/officeDocument/2006/relationships" xmlns:p="http://schemas.openxmlformats.org/presentationml/2006/main">
+  <p:cSld>
+    <p:spTree>
+      <p:nvGrpSpPr>
+        <p:cNvPr id="1" name=""/>
+        <p:cNvGrpSpPr/>
+        <p:nvPr/>
+      </p:nvGrpSpPr>
+      <p:grpSpPr>
+        <a:xfrm>
+          <a:off x="0" y="0"/>
+          <a:ext cx="0" cy="0"/>
+          <a:chOff x="0" y="0"/>
+          <a:chExt cx="0" cy="0"/>
+        </a:xfrm>
+      </p:grpSpPr>
+      <p:sp>
+        <p:nvSpPr>
+          <p:cNvPr id="2" name="Title 1">
+            <a:extLst>
+              <a:ext uri="{FF2B5EF4-FFF2-40B4-BE49-F238E27FC236}">
+                <a16:creationId xmlns:a16="http://schemas.microsoft.com/office/drawing/2014/main" id="{78E7529F-1494-4581-9539-D7FA926C2DAA}"/>
+              </a:ext>
+            </a:extLst>
+          </p:cNvPr>
+          <p:cNvSpPr>
+            <a:spLocks noGrp="1"/>
+          </p:cNvSpPr>
+          <p:nvPr>
+            <p:ph type="title"/>
+          </p:nvPr>
+        </p:nvSpPr>
+        <p:spPr/>
+        <p:txBody>
+          <a:bodyPr/>
+          <a:lstStyle/>
+          <a:p>
+            <a:r>
+              <a:rPr lang="en-US" dirty="0"/>
+              <a:t>Project Overview</a:t>
+            </a:r>
+          </a:p>
+        </p:txBody>
+      </p:sp>
+      <p:graphicFrame>
+        <p:nvGraphicFramePr>
+          <p:cNvPr id="5" name="Content Placeholder 4">
+            <a:extLst>
+              <a:ext uri="{FF2B5EF4-FFF2-40B4-BE49-F238E27FC236}">
+                <a16:creationId xmlns:a16="http://schemas.microsoft.com/office/drawing/2014/main" id="{16543026-8419-4E36-BD42-71E60BFD2E2B}"/>
+              </a:ext>
+            </a:extLst>
+          </p:cNvPr>
+          <p:cNvGraphicFramePr>
+            <a:graphicFrameLocks noGrp="1"/>
+          </p:cNvGraphicFramePr>
+          <p:nvPr>
+            <p:ph idx="1"/>
+            <p:extLst>
+              <p:ext uri="{D42A27DB-BD31-4B8C-83A1-F6EECF244321}">
+                <p14:modId xmlns:p14="http://schemas.microsoft.com/office/powerpoint/2010/main" val="2535220701"/>
+              </p:ext>
+            </p:extLst>
+          </p:nvPr>
+        </p:nvGraphicFramePr>
+        <p:xfrm>
+          <a:off x="457200" y="1143000"/>
+          <a:ext cx="8229600" cy="4983163"/>
+        </p:xfrm>
+        <a:graphic>
+          <a:graphicData uri="http://schemas.openxmlformats.org/drawingml/2006/diagram">
+            <dgm:relIds xmlns:dgm="http://schemas.openxmlformats.org/drawingml/2006/diagram" xmlns:r="http://schemas.openxmlformats.org/officeDocument/2006/relationships" r:dm="rId2" r:lo="rId3" r:qs="rId4" r:cs="rId5"/>
+          </a:graphicData>
+        </a:graphic>
+      </p:graphicFrame>
+      <p:sp>
+        <p:nvSpPr>
+          <p:cNvPr id="3" name="Slide Number Placeholder 2">
+            <a:extLst>
+              <a:ext uri="{FF2B5EF4-FFF2-40B4-BE49-F238E27FC236}">
+                <a16:creationId xmlns:a16="http://schemas.microsoft.com/office/drawing/2014/main" id="{2E7AC391-C8EE-4FBF-BB63-4179B884FCB6}"/>
+              </a:ext>
+            </a:extLst>
+          </p:cNvPr>
+          <p:cNvSpPr>
+            <a:spLocks noGrp="1"/>
+          </p:cNvSpPr>
+          <p:nvPr>
+            <p:ph type="sldNum" sz="quarter" idx="10"/>
+          </p:nvPr>
+        </p:nvSpPr>
+        <p:spPr/>
+        <p:txBody>
+          <a:bodyPr/>
+          <a:lstStyle/>
+          <a:p>
+            <a:fld id="{D4325D4D-289E-48C1-B277-2BEB492A7D19}" type="slidenum">
+              <a:rPr lang="en-US" smtClean="0"/>
+              <a:pPr/>
+              <a:t>3</a:t>
+            </a:fld>
+            <a:endParaRPr lang="en-US" dirty="0"/>
+          </a:p>
+        </p:txBody>
+      </p:sp>
+    </p:spTree>
+    <p:extLst>
+      <p:ext uri="{BB962C8B-B14F-4D97-AF65-F5344CB8AC3E}">
+        <p14:creationId xmlns:p14="http://schemas.microsoft.com/office/powerpoint/2010/main" val="2363193411"/>
+      </p:ext>
+    </p:extLst>
+  </p:cSld>
+  <p:clrMapOvr>
+    <a:masterClrMapping/>
+  </p:clrMapOvr>
+</p:sld>
+</file>
+
+<file path=ppt/slides/slide30.xml><?xml version="1.0" encoding="utf-8"?>
 <p:sld xmlns:a="http://schemas.openxmlformats.org/drawingml/2006/main" xmlns:r="http://schemas.openxmlformats.org/officeDocument/2006/relationships" xmlns:p="http://schemas.openxmlformats.org/presentationml/2006/main">
   <p:cSld>
     <p:spTree>
@@ -21160,7 +20740,7 @@
             <a:fld id="{D4325D4D-289E-48C1-B277-2BEB492A7D19}" type="slidenum">
               <a:rPr lang="en-US" smtClean="0"/>
               <a:pPr/>
-              <a:t>31</a:t>
+              <a:t>30</a:t>
             </a:fld>
             <a:endParaRPr lang="en-US" dirty="0"/>
           </a:p>
@@ -25115,248 +24695,6 @@
           <p:cNvPr id="2" name="Title 1">
             <a:extLst>
               <a:ext uri="{FF2B5EF4-FFF2-40B4-BE49-F238E27FC236}">
-                <a16:creationId xmlns:a16="http://schemas.microsoft.com/office/drawing/2014/main" id="{426B10B2-C8DA-4228-9B2D-73B6045E2F3D}"/>
-              </a:ext>
-            </a:extLst>
-          </p:cNvPr>
-          <p:cNvSpPr>
-            <a:spLocks noGrp="1"/>
-          </p:cNvSpPr>
-          <p:nvPr>
-            <p:ph type="title"/>
-          </p:nvPr>
-        </p:nvSpPr>
-        <p:spPr/>
-        <p:txBody>
-          <a:bodyPr/>
-          <a:lstStyle/>
-          <a:p>
-            <a:r>
-              <a:rPr lang="en-US" dirty="0"/>
-              <a:t>Data Cleanup &amp; Exploration</a:t>
-            </a:r>
-          </a:p>
-        </p:txBody>
-      </p:sp>
-      <p:sp>
-        <p:nvSpPr>
-          <p:cNvPr id="4" name="Content Placeholder 3">
-            <a:extLst>
-              <a:ext uri="{FF2B5EF4-FFF2-40B4-BE49-F238E27FC236}">
-                <a16:creationId xmlns:a16="http://schemas.microsoft.com/office/drawing/2014/main" id="{E9FE941E-3F10-4E9E-B804-F8DF6193ACD4}"/>
-              </a:ext>
-            </a:extLst>
-          </p:cNvPr>
-          <p:cNvSpPr>
-            <a:spLocks noGrp="1"/>
-          </p:cNvSpPr>
-          <p:nvPr>
-            <p:ph sz="half" idx="1"/>
-          </p:nvPr>
-        </p:nvSpPr>
-        <p:spPr>
-          <a:xfrm>
-            <a:off x="488947" y="1045667"/>
-            <a:ext cx="3327400" cy="5012233"/>
-          </a:xfrm>
-        </p:spPr>
-        <p:txBody>
-          <a:bodyPr/>
-          <a:lstStyle/>
-          <a:p>
-            <a:r>
-              <a:rPr lang="en-US" sz="1800" dirty="0"/>
-              <a:t>Cleanup was straightforward but lengthy</a:t>
-            </a:r>
-          </a:p>
-          <a:p>
-            <a:pPr marL="0" indent="0">
-              <a:buNone/>
-            </a:pPr>
-            <a:endParaRPr lang="en-US" sz="1800" dirty="0"/>
-          </a:p>
-          <a:p>
-            <a:r>
-              <a:rPr lang="en-US" sz="1800" dirty="0"/>
-              <a:t>Several data sources merged on state names/abbreviations</a:t>
-            </a:r>
-          </a:p>
-          <a:p>
-            <a:pPr marL="0" indent="0">
-              <a:buNone/>
-            </a:pPr>
-            <a:endParaRPr lang="en-US" sz="1800" dirty="0"/>
-          </a:p>
-          <a:p>
-            <a:r>
-              <a:rPr lang="en-US" sz="1800" dirty="0"/>
-              <a:t>Checked </a:t>
-            </a:r>
-            <a:r>
-              <a:rPr lang="en-US" sz="1800" dirty="0" err="1"/>
-              <a:t>dataframes</a:t>
-            </a:r>
-            <a:r>
-              <a:rPr lang="en-US" sz="1800" dirty="0"/>
-              <a:t> to ensure data was correct</a:t>
-            </a:r>
-          </a:p>
-          <a:p>
-            <a:endParaRPr lang="en-US" sz="1800" dirty="0"/>
-          </a:p>
-          <a:p>
-            <a:r>
-              <a:rPr lang="en-US" sz="1800" dirty="0"/>
-              <a:t>Ran into having too much data and APIs not working</a:t>
-            </a:r>
-          </a:p>
-          <a:p>
-            <a:endParaRPr lang="en-US" sz="1800" dirty="0"/>
-          </a:p>
-          <a:p>
-            <a:r>
-              <a:rPr lang="en-US" sz="1800" dirty="0"/>
-              <a:t>Shelved excess data to prevent scope creep and dropped APIs.</a:t>
-            </a:r>
-          </a:p>
-        </p:txBody>
-      </p:sp>
-      <p:pic>
-        <p:nvPicPr>
-          <p:cNvPr id="12" name="Content Placeholder 11" descr="A close up of a logo&#10;&#10;Description automatically generated">
-            <a:extLst>
-              <a:ext uri="{FF2B5EF4-FFF2-40B4-BE49-F238E27FC236}">
-                <a16:creationId xmlns:a16="http://schemas.microsoft.com/office/drawing/2014/main" id="{0B79AFE1-77A4-4E78-9049-C210C0E90368}"/>
-              </a:ext>
-            </a:extLst>
-          </p:cNvPr>
-          <p:cNvPicPr>
-            <a:picLocks noGrp="1" noChangeAspect="1"/>
-          </p:cNvPicPr>
-          <p:nvPr>
-            <p:ph sz="half" idx="2"/>
-          </p:nvPr>
-        </p:nvPicPr>
-        <p:blipFill>
-          <a:blip r:embed="rId2">
-            <a:extLst>
-              <a:ext uri="{28A0092B-C50C-407E-A947-70E740481C1C}">
-                <a14:useLocalDpi xmlns:a14="http://schemas.microsoft.com/office/drawing/2010/main" val="0"/>
-              </a:ext>
-            </a:extLst>
-          </a:blip>
-          <a:stretch>
-            <a:fillRect/>
-          </a:stretch>
-        </p:blipFill>
-        <p:spPr>
-          <a:xfrm>
-            <a:off x="4444997" y="1045667"/>
-            <a:ext cx="4550182" cy="2541084"/>
-          </a:xfrm>
-        </p:spPr>
-      </p:pic>
-      <p:pic>
-        <p:nvPicPr>
-          <p:cNvPr id="14" name="Picture 13" descr="A screenshot of a cell phone&#10;&#10;Description automatically generated">
-            <a:extLst>
-              <a:ext uri="{FF2B5EF4-FFF2-40B4-BE49-F238E27FC236}">
-                <a16:creationId xmlns:a16="http://schemas.microsoft.com/office/drawing/2014/main" id="{ED703EE4-7D61-4DBC-BA4E-5D7C7841E68A}"/>
-              </a:ext>
-            </a:extLst>
-          </p:cNvPr>
-          <p:cNvPicPr>
-            <a:picLocks noChangeAspect="1"/>
-          </p:cNvPicPr>
-          <p:nvPr/>
-        </p:nvPicPr>
-        <p:blipFill>
-          <a:blip r:embed="rId3">
-            <a:extLst>
-              <a:ext uri="{28A0092B-C50C-407E-A947-70E740481C1C}">
-                <a14:useLocalDpi xmlns:a14="http://schemas.microsoft.com/office/drawing/2010/main" val="0"/>
-              </a:ext>
-            </a:extLst>
-          </a:blip>
-          <a:stretch>
-            <a:fillRect/>
-          </a:stretch>
-        </p:blipFill>
-        <p:spPr>
-          <a:xfrm>
-            <a:off x="4444998" y="3985125"/>
-            <a:ext cx="4550182" cy="1827208"/>
-          </a:xfrm>
-          <a:prstGeom prst="rect">
-            <a:avLst/>
-          </a:prstGeom>
-        </p:spPr>
-      </p:pic>
-      <p:sp>
-        <p:nvSpPr>
-          <p:cNvPr id="3" name="Slide Number Placeholder 2">
-            <a:extLst>
-              <a:ext uri="{FF2B5EF4-FFF2-40B4-BE49-F238E27FC236}">
-                <a16:creationId xmlns:a16="http://schemas.microsoft.com/office/drawing/2014/main" id="{6B6E9921-50D6-4B39-AF29-8DFF6BC4BAE5}"/>
-              </a:ext>
-            </a:extLst>
-          </p:cNvPr>
-          <p:cNvSpPr>
-            <a:spLocks noGrp="1"/>
-          </p:cNvSpPr>
-          <p:nvPr>
-            <p:ph type="sldNum" sz="quarter" idx="10"/>
-          </p:nvPr>
-        </p:nvSpPr>
-        <p:spPr/>
-        <p:txBody>
-          <a:bodyPr/>
-          <a:lstStyle/>
-          <a:p>
-            <a:fld id="{D4325D4D-289E-48C1-B277-2BEB492A7D19}" type="slidenum">
-              <a:rPr lang="en-US" smtClean="0"/>
-              <a:pPr/>
-              <a:t>6</a:t>
-            </a:fld>
-            <a:endParaRPr lang="en-US" dirty="0"/>
-          </a:p>
-        </p:txBody>
-      </p:sp>
-    </p:spTree>
-    <p:extLst>
-      <p:ext uri="{BB962C8B-B14F-4D97-AF65-F5344CB8AC3E}">
-        <p14:creationId xmlns:p14="http://schemas.microsoft.com/office/powerpoint/2010/main" val="3182900675"/>
-      </p:ext>
-    </p:extLst>
-  </p:cSld>
-  <p:clrMapOvr>
-    <a:masterClrMapping/>
-  </p:clrMapOvr>
-</p:sld>
-</file>
-
-<file path=ppt/slides/slide7.xml><?xml version="1.0" encoding="utf-8"?>
-<p:sld xmlns:a="http://schemas.openxmlformats.org/drawingml/2006/main" xmlns:r="http://schemas.openxmlformats.org/officeDocument/2006/relationships" xmlns:p="http://schemas.openxmlformats.org/presentationml/2006/main">
-  <p:cSld>
-    <p:spTree>
-      <p:nvGrpSpPr>
-        <p:cNvPr id="1" name=""/>
-        <p:cNvGrpSpPr/>
-        <p:nvPr/>
-      </p:nvGrpSpPr>
-      <p:grpSpPr>
-        <a:xfrm>
-          <a:off x="0" y="0"/>
-          <a:ext cx="0" cy="0"/>
-          <a:chOff x="0" y="0"/>
-          <a:chExt cx="0" cy="0"/>
-        </a:xfrm>
-      </p:grpSpPr>
-      <p:sp>
-        <p:nvSpPr>
-          <p:cNvPr id="2" name="Title 1">
-            <a:extLst>
-              <a:ext uri="{FF2B5EF4-FFF2-40B4-BE49-F238E27FC236}">
                 <a16:creationId xmlns:a16="http://schemas.microsoft.com/office/drawing/2014/main" id="{F49F1F5E-C5A0-4D6C-A951-E1D5F5897892}"/>
               </a:ext>
             </a:extLst>
@@ -25435,7 +24773,7 @@
             <a:fld id="{D4325D4D-289E-48C1-B277-2BEB492A7D19}" type="slidenum">
               <a:rPr lang="en-US" smtClean="0"/>
               <a:pPr/>
-              <a:t>7</a:t>
+              <a:t>6</a:t>
             </a:fld>
             <a:endParaRPr lang="en-US" dirty="0"/>
           </a:p>
@@ -25454,7 +24792,7 @@
 </p:sld>
 </file>
 
-<file path=ppt/slides/slide8.xml><?xml version="1.0" encoding="utf-8"?>
+<file path=ppt/slides/slide7.xml><?xml version="1.0" encoding="utf-8"?>
 <p:sld xmlns:a="http://schemas.openxmlformats.org/drawingml/2006/main" xmlns:r="http://schemas.openxmlformats.org/officeDocument/2006/relationships" xmlns:p="http://schemas.openxmlformats.org/presentationml/2006/main">
   <p:cSld>
     <p:spTree>
@@ -25842,7 +25180,7 @@
             <a:fld id="{D4325D4D-289E-48C1-B277-2BEB492A7D19}" type="slidenum">
               <a:rPr lang="en-US" smtClean="0"/>
               <a:pPr/>
-              <a:t>8</a:t>
+              <a:t>7</a:t>
             </a:fld>
             <a:endParaRPr lang="en-US" dirty="0"/>
           </a:p>
@@ -25861,7 +25199,7 @@
 </p:sld>
 </file>
 
-<file path=ppt/slides/slide9.xml><?xml version="1.0" encoding="utf-8"?>
+<file path=ppt/slides/slide8.xml><?xml version="1.0" encoding="utf-8"?>
 <p:sld xmlns:a="http://schemas.openxmlformats.org/drawingml/2006/main" xmlns:r="http://schemas.openxmlformats.org/officeDocument/2006/relationships" xmlns:p="http://schemas.openxmlformats.org/presentationml/2006/main">
   <p:cSld>
     <p:spTree>
@@ -26249,7 +25587,7 @@
             <a:fld id="{D4325D4D-289E-48C1-B277-2BEB492A7D19}" type="slidenum">
               <a:rPr lang="en-US" smtClean="0"/>
               <a:pPr/>
-              <a:t>9</a:t>
+              <a:t>8</a:t>
             </a:fld>
             <a:endParaRPr lang="en-US" dirty="0"/>
           </a:p>
@@ -26259,6 +25597,425 @@
     <p:extLst>
       <p:ext uri="{BB962C8B-B14F-4D97-AF65-F5344CB8AC3E}">
         <p14:creationId xmlns:p14="http://schemas.microsoft.com/office/powerpoint/2010/main" val="3696144993"/>
+      </p:ext>
+    </p:extLst>
+  </p:cSld>
+  <p:clrMapOvr>
+    <a:masterClrMapping/>
+  </p:clrMapOvr>
+</p:sld>
+</file>
+
+<file path=ppt/slides/slide9.xml><?xml version="1.0" encoding="utf-8"?>
+<p:sld xmlns:a="http://schemas.openxmlformats.org/drawingml/2006/main" xmlns:r="http://schemas.openxmlformats.org/officeDocument/2006/relationships" xmlns:p="http://schemas.openxmlformats.org/presentationml/2006/main">
+  <p:cSld>
+    <p:spTree>
+      <p:nvGrpSpPr>
+        <p:cNvPr id="1" name=""/>
+        <p:cNvGrpSpPr/>
+        <p:nvPr/>
+      </p:nvGrpSpPr>
+      <p:grpSpPr>
+        <a:xfrm>
+          <a:off x="0" y="0"/>
+          <a:ext cx="0" cy="0"/>
+          <a:chOff x="0" y="0"/>
+          <a:chExt cx="0" cy="0"/>
+        </a:xfrm>
+      </p:grpSpPr>
+      <p:sp>
+        <p:nvSpPr>
+          <p:cNvPr id="2" name="Title 1">
+            <a:extLst>
+              <a:ext uri="{FF2B5EF4-FFF2-40B4-BE49-F238E27FC236}">
+                <a16:creationId xmlns:a16="http://schemas.microsoft.com/office/drawing/2014/main" id="{C8D4A959-0AA5-4C02-BA72-123A9AEABFEF}"/>
+              </a:ext>
+            </a:extLst>
+          </p:cNvPr>
+          <p:cNvSpPr>
+            <a:spLocks noGrp="1"/>
+          </p:cNvSpPr>
+          <p:nvPr>
+            <p:ph type="title"/>
+          </p:nvPr>
+        </p:nvSpPr>
+        <p:spPr>
+          <a:xfrm>
+            <a:off x="1" y="-2"/>
+            <a:ext cx="9144000" cy="699797"/>
+          </a:xfrm>
+        </p:spPr>
+        <p:txBody>
+          <a:bodyPr/>
+          <a:lstStyle/>
+          <a:p>
+            <a:pPr marL="457200" indent="-457200">
+              <a:buFont typeface="+mj-lt"/>
+              <a:buAutoNum type="arabicPeriod" startAt="2"/>
+            </a:pPr>
+            <a:r>
+              <a:rPr lang="en-US" sz="2000" dirty="0">
+                <a:latin typeface="Arial" panose="020B0604020202020204" pitchFamily="34" charset="0"/>
+              </a:rPr>
+              <a:t>What are the top 5 states with the highest increases and highest decrease in median house prices since 2008?</a:t>
+            </a:r>
+            <a:endParaRPr lang="en-US" sz="2000" dirty="0">
+              <a:latin typeface="+mn-lt"/>
+            </a:endParaRPr>
+          </a:p>
+        </p:txBody>
+      </p:sp>
+      <p:sp>
+        <p:nvSpPr>
+          <p:cNvPr id="4" name="Rectangle 3">
+            <a:extLst>
+              <a:ext uri="{FF2B5EF4-FFF2-40B4-BE49-F238E27FC236}">
+                <a16:creationId xmlns:a16="http://schemas.microsoft.com/office/drawing/2014/main" id="{DF954BB4-78CC-4958-9D36-57A30AC5C18B}"/>
+              </a:ext>
+            </a:extLst>
+          </p:cNvPr>
+          <p:cNvSpPr/>
+          <p:nvPr/>
+        </p:nvSpPr>
+        <p:spPr bwMode="auto">
+          <a:xfrm>
+            <a:off x="1324649" y="1726656"/>
+            <a:ext cx="6494702" cy="838199"/>
+          </a:xfrm>
+          <a:prstGeom prst="rect">
+            <a:avLst/>
+          </a:prstGeom>
+          <a:solidFill>
+            <a:schemeClr val="bg1"/>
+          </a:solidFill>
+          <a:ln w="9525" cap="flat" cmpd="sng" algn="ctr">
+            <a:noFill/>
+            <a:prstDash val="solid"/>
+            <a:round/>
+            <a:headEnd type="none" w="med" len="med"/>
+            <a:tailEnd type="none" w="med" len="med"/>
+          </a:ln>
+          <a:effectLst/>
+        </p:spPr>
+        <p:txBody>
+          <a:bodyPr vert="horz" wrap="square" lIns="91440" tIns="45720" rIns="91440" bIns="45720" numCol="1" rtlCol="0" anchor="t" anchorCtr="0" compatLnSpc="1">
+            <a:prstTxWarp prst="textNoShape">
+              <a:avLst/>
+            </a:prstTxWarp>
+          </a:bodyPr>
+          <a:lstStyle/>
+          <a:p>
+            <a:pPr lvl="0" algn="ctr" fontAlgn="ctr">
+              <a:buClr>
+                <a:srgbClr val="000000"/>
+              </a:buClr>
+              <a:buSzPts val="1100"/>
+            </a:pPr>
+            <a:r>
+              <a:rPr lang="en-US" sz="1600" dirty="0">
+                <a:solidFill>
+                  <a:srgbClr val="000000"/>
+                </a:solidFill>
+                <a:latin typeface="+mn-lt"/>
+              </a:rPr>
+              <a:t>DC, California, Colorado, Washington, and Massachusetts show median sales price increases starting around 2011-2012, which follows a consistent pattern with the national median sales price average.</a:t>
+            </a:r>
+          </a:p>
+        </p:txBody>
+      </p:sp>
+      <p:pic>
+        <p:nvPicPr>
+          <p:cNvPr id="8" name="Picture 7" descr="A close up of a map&#10;&#10;Description automatically generated">
+            <a:extLst>
+              <a:ext uri="{FF2B5EF4-FFF2-40B4-BE49-F238E27FC236}">
+                <a16:creationId xmlns:a16="http://schemas.microsoft.com/office/drawing/2014/main" id="{77FAB788-8BC6-400F-9834-A9DB50ADC846}"/>
+              </a:ext>
+            </a:extLst>
+          </p:cNvPr>
+          <p:cNvPicPr>
+            <a:picLocks noChangeAspect="1"/>
+          </p:cNvPicPr>
+          <p:nvPr/>
+        </p:nvPicPr>
+        <p:blipFill>
+          <a:blip r:embed="rId3">
+            <a:extLst>
+              <a:ext uri="{28A0092B-C50C-407E-A947-70E740481C1C}">
+                <a14:useLocalDpi xmlns:a14="http://schemas.microsoft.com/office/drawing/2010/main" val="0"/>
+              </a:ext>
+            </a:extLst>
+          </a:blip>
+          <a:stretch>
+            <a:fillRect/>
+          </a:stretch>
+        </p:blipFill>
+        <p:spPr>
+          <a:xfrm>
+            <a:off x="457200" y="2567723"/>
+            <a:ext cx="8229600" cy="4202349"/>
+          </a:xfrm>
+          <a:prstGeom prst="rect">
+            <a:avLst/>
+          </a:prstGeom>
+        </p:spPr>
+      </p:pic>
+      <p:sp>
+        <p:nvSpPr>
+          <p:cNvPr id="9" name="Rectangle 8">
+            <a:extLst>
+              <a:ext uri="{FF2B5EF4-FFF2-40B4-BE49-F238E27FC236}">
+                <a16:creationId xmlns:a16="http://schemas.microsoft.com/office/drawing/2014/main" id="{3733057B-66F9-469B-8614-23723F984546}"/>
+              </a:ext>
+            </a:extLst>
+          </p:cNvPr>
+          <p:cNvSpPr/>
+          <p:nvPr/>
+        </p:nvSpPr>
+        <p:spPr bwMode="auto">
+          <a:xfrm>
+            <a:off x="3" y="699797"/>
+            <a:ext cx="9143998" cy="760704"/>
+          </a:xfrm>
+          <a:prstGeom prst="rect">
+            <a:avLst/>
+          </a:prstGeom>
+          <a:solidFill>
+            <a:schemeClr val="bg1">
+              <a:lumMod val="95000"/>
+            </a:schemeClr>
+          </a:solidFill>
+          <a:ln w="9525" cap="flat" cmpd="sng" algn="ctr">
+            <a:noFill/>
+            <a:prstDash val="solid"/>
+            <a:round/>
+            <a:headEnd type="none" w="med" len="med"/>
+            <a:tailEnd type="none" w="med" len="med"/>
+          </a:ln>
+          <a:effectLst/>
+        </p:spPr>
+        <p:txBody>
+          <a:bodyPr vert="horz" wrap="square" lIns="91440" tIns="45720" rIns="91440" bIns="45720" numCol="1" rtlCol="0" anchor="t" anchorCtr="0" compatLnSpc="1">
+            <a:prstTxWarp prst="textNoShape">
+              <a:avLst/>
+            </a:prstTxWarp>
+          </a:bodyPr>
+          <a:lstStyle/>
+          <a:p>
+            <a:pPr lvl="0" algn="ctr" fontAlgn="ctr">
+              <a:buClr>
+                <a:srgbClr val="000000"/>
+              </a:buClr>
+              <a:buSzPts val="1100"/>
+            </a:pPr>
+            <a:endParaRPr lang="en-US" sz="1600" dirty="0">
+              <a:solidFill>
+                <a:srgbClr val="000000"/>
+              </a:solidFill>
+              <a:latin typeface="+mn-lt"/>
+            </a:endParaRPr>
+          </a:p>
+        </p:txBody>
+      </p:sp>
+      <p:sp>
+        <p:nvSpPr>
+          <p:cNvPr id="10" name="Arrow: Right 9">
+            <a:extLst>
+              <a:ext uri="{FF2B5EF4-FFF2-40B4-BE49-F238E27FC236}">
+                <a16:creationId xmlns:a16="http://schemas.microsoft.com/office/drawing/2014/main" id="{86D6001B-C836-4469-86D7-43A89BE5EBEF}"/>
+              </a:ext>
+            </a:extLst>
+          </p:cNvPr>
+          <p:cNvSpPr/>
+          <p:nvPr/>
+        </p:nvSpPr>
+        <p:spPr bwMode="auto">
+          <a:xfrm>
+            <a:off x="342900" y="699795"/>
+            <a:ext cx="4102100" cy="760705"/>
+          </a:xfrm>
+          <a:prstGeom prst="rightArrow">
+            <a:avLst/>
+          </a:prstGeom>
+          <a:solidFill>
+            <a:srgbClr val="04294A"/>
+          </a:solidFill>
+          <a:ln w="9525" cap="flat" cmpd="sng" algn="ctr">
+            <a:noFill/>
+            <a:prstDash val="solid"/>
+            <a:round/>
+            <a:headEnd type="none" w="med" len="med"/>
+            <a:tailEnd type="none" w="med" len="med"/>
+          </a:ln>
+          <a:effectLst/>
+        </p:spPr>
+        <p:txBody>
+          <a:bodyPr vert="horz" wrap="square" lIns="91440" tIns="45720" rIns="91440" bIns="45720" numCol="1" rtlCol="0" anchor="t" anchorCtr="0" compatLnSpc="1">
+            <a:prstTxWarp prst="textNoShape">
+              <a:avLst/>
+            </a:prstTxWarp>
+          </a:bodyPr>
+          <a:lstStyle/>
+          <a:p>
+            <a:pPr marL="0" marR="0" indent="0" algn="ctr" defTabSz="914400" rtl="0" eaLnBrk="0" fontAlgn="base" latinLnBrk="0" hangingPunct="0">
+              <a:lnSpc>
+                <a:spcPct val="100000"/>
+              </a:lnSpc>
+              <a:spcBef>
+                <a:spcPct val="0"/>
+              </a:spcBef>
+              <a:spcAft>
+                <a:spcPct val="0"/>
+              </a:spcAft>
+              <a:buClrTx/>
+              <a:buSzTx/>
+              <a:buFontTx/>
+              <a:buNone/>
+              <a:tabLst/>
+            </a:pPr>
+            <a:r>
+              <a:rPr kumimoji="0" lang="en-US" sz="1600" b="0" i="0" u="none" strike="noStrike" cap="none" normalizeH="0" baseline="0" dirty="0">
+                <a:ln>
+                  <a:noFill/>
+                </a:ln>
+                <a:solidFill>
+                  <a:schemeClr val="bg1"/>
+                </a:solidFill>
+                <a:effectLst/>
+              </a:rPr>
+              <a:t>Top </a:t>
+            </a:r>
+            <a:r>
+              <a:rPr lang="en-US" sz="1600" dirty="0">
+                <a:solidFill>
+                  <a:schemeClr val="bg1"/>
+                </a:solidFill>
+              </a:rPr>
+              <a:t>5 States with Highest Increases</a:t>
+            </a:r>
+            <a:endParaRPr kumimoji="0" lang="en-US" sz="1600" b="0" i="0" u="none" strike="noStrike" cap="none" normalizeH="0" baseline="0" dirty="0">
+              <a:ln>
+                <a:noFill/>
+              </a:ln>
+              <a:solidFill>
+                <a:schemeClr val="bg1"/>
+              </a:solidFill>
+              <a:effectLst/>
+            </a:endParaRPr>
+          </a:p>
+        </p:txBody>
+      </p:sp>
+      <p:sp>
+        <p:nvSpPr>
+          <p:cNvPr id="11" name="Arrow: Right 10">
+            <a:extLst>
+              <a:ext uri="{FF2B5EF4-FFF2-40B4-BE49-F238E27FC236}">
+                <a16:creationId xmlns:a16="http://schemas.microsoft.com/office/drawing/2014/main" id="{F920C91F-D197-47D4-9983-F88DA8D924CB}"/>
+              </a:ext>
+            </a:extLst>
+          </p:cNvPr>
+          <p:cNvSpPr/>
+          <p:nvPr/>
+        </p:nvSpPr>
+        <p:spPr bwMode="auto">
+          <a:xfrm>
+            <a:off x="4743450" y="699796"/>
+            <a:ext cx="4095750" cy="760704"/>
+          </a:xfrm>
+          <a:prstGeom prst="rightArrow">
+            <a:avLst/>
+          </a:prstGeom>
+          <a:solidFill>
+            <a:schemeClr val="bg1">
+              <a:lumMod val="75000"/>
+            </a:schemeClr>
+          </a:solidFill>
+          <a:ln w="9525" cap="flat" cmpd="sng" algn="ctr">
+            <a:noFill/>
+            <a:prstDash val="solid"/>
+            <a:round/>
+            <a:headEnd type="none" w="med" len="med"/>
+            <a:tailEnd type="none" w="med" len="med"/>
+          </a:ln>
+          <a:effectLst/>
+        </p:spPr>
+        <p:txBody>
+          <a:bodyPr vert="horz" wrap="square" lIns="91440" tIns="45720" rIns="91440" bIns="45720" numCol="1" rtlCol="0" anchor="t" anchorCtr="0" compatLnSpc="1">
+            <a:prstTxWarp prst="textNoShape">
+              <a:avLst/>
+            </a:prstTxWarp>
+          </a:bodyPr>
+          <a:lstStyle/>
+          <a:p>
+            <a:pPr marL="0" marR="0" indent="0" algn="ctr" defTabSz="914400" rtl="0" eaLnBrk="0" fontAlgn="base" latinLnBrk="0" hangingPunct="0">
+              <a:lnSpc>
+                <a:spcPct val="100000"/>
+              </a:lnSpc>
+              <a:spcBef>
+                <a:spcPct val="0"/>
+              </a:spcBef>
+              <a:spcAft>
+                <a:spcPct val="0"/>
+              </a:spcAft>
+              <a:buClrTx/>
+              <a:buSzTx/>
+              <a:buFontTx/>
+              <a:buNone/>
+              <a:tabLst/>
+            </a:pPr>
+            <a:r>
+              <a:rPr lang="en-US" sz="1600" dirty="0">
+                <a:solidFill>
+                  <a:schemeClr val="bg1"/>
+                </a:solidFill>
+              </a:rPr>
+              <a:t>Top 5 States with Highest Decreases</a:t>
+            </a:r>
+            <a:endParaRPr kumimoji="0" lang="en-US" sz="1400" b="0" i="0" u="none" strike="noStrike" cap="none" normalizeH="0" baseline="0" dirty="0">
+              <a:ln>
+                <a:noFill/>
+              </a:ln>
+              <a:solidFill>
+                <a:schemeClr val="bg1"/>
+              </a:solidFill>
+              <a:effectLst/>
+            </a:endParaRPr>
+          </a:p>
+        </p:txBody>
+      </p:sp>
+      <p:sp>
+        <p:nvSpPr>
+          <p:cNvPr id="3" name="Slide Number Placeholder 2">
+            <a:extLst>
+              <a:ext uri="{FF2B5EF4-FFF2-40B4-BE49-F238E27FC236}">
+                <a16:creationId xmlns:a16="http://schemas.microsoft.com/office/drawing/2014/main" id="{B038DDCE-306F-4686-98CF-50E1585FDA35}"/>
+              </a:ext>
+            </a:extLst>
+          </p:cNvPr>
+          <p:cNvSpPr>
+            <a:spLocks noGrp="1"/>
+          </p:cNvSpPr>
+          <p:nvPr>
+            <p:ph type="sldNum" sz="quarter" idx="10"/>
+          </p:nvPr>
+        </p:nvSpPr>
+        <p:spPr/>
+        <p:txBody>
+          <a:bodyPr/>
+          <a:lstStyle/>
+          <a:p>
+            <a:fld id="{D4325D4D-289E-48C1-B277-2BEB492A7D19}" type="slidenum">
+              <a:rPr lang="en-US" smtClean="0"/>
+              <a:pPr/>
+              <a:t>9</a:t>
+            </a:fld>
+            <a:endParaRPr lang="en-US" dirty="0"/>
+          </a:p>
+        </p:txBody>
+      </p:sp>
+    </p:spTree>
+    <p:extLst>
+      <p:ext uri="{BB962C8B-B14F-4D97-AF65-F5344CB8AC3E}">
+        <p14:creationId xmlns:p14="http://schemas.microsoft.com/office/powerpoint/2010/main" val="354157766"/>
       </p:ext>
     </p:extLst>
   </p:cSld>

--- a/US Housing Market Analysis_Final_1-20-2020.pptx
+++ b/US Housing Market Analysis_Final_1-20-2020.pptx
@@ -14877,12 +14877,42 @@
           </a:p>
         </p:txBody>
       </p:sp>
+      <p:sp>
+        <p:nvSpPr>
+          <p:cNvPr id="11" name="Slide Number Placeholder 10">
+            <a:extLst>
+              <a:ext uri="{FF2B5EF4-FFF2-40B4-BE49-F238E27FC236}">
+                <a16:creationId xmlns:a16="http://schemas.microsoft.com/office/drawing/2014/main" id="{DA22B72D-90A8-4AB8-8571-7D8EB197A300}"/>
+              </a:ext>
+            </a:extLst>
+          </p:cNvPr>
+          <p:cNvSpPr>
+            <a:spLocks noGrp="1"/>
+          </p:cNvSpPr>
+          <p:nvPr>
+            <p:ph type="sldNum" sz="quarter" idx="10"/>
+          </p:nvPr>
+        </p:nvSpPr>
+        <p:spPr/>
+        <p:txBody>
+          <a:bodyPr/>
+          <a:lstStyle/>
+          <a:p>
+            <a:fld id="{D4325D4D-289E-48C1-B277-2BEB492A7D19}" type="slidenum">
+              <a:rPr lang="en-US" smtClean="0"/>
+              <a:pPr/>
+              <a:t>16</a:t>
+            </a:fld>
+            <a:endParaRPr lang="en-US" dirty="0"/>
+          </a:p>
+        </p:txBody>
+      </p:sp>
       <p:pic>
         <p:nvPicPr>
-          <p:cNvPr id="8" name="Picture 7" descr="A screenshot of a cell phone&#10;&#10;Description automatically generated">
+          <p:cNvPr id="3" name="Picture 2" descr="A screenshot of a cell phone&#10;&#10;Description automatically generated">
             <a:extLst>
               <a:ext uri="{FF2B5EF4-FFF2-40B4-BE49-F238E27FC236}">
-                <a16:creationId xmlns:a16="http://schemas.microsoft.com/office/drawing/2014/main" id="{F0D65CB4-8BBD-474A-B419-7BDB94DEC5BC}"/>
+                <a16:creationId xmlns:a16="http://schemas.microsoft.com/office/drawing/2014/main" id="{948A4BB5-0BF0-2E4C-8244-4C883FD38EAF}"/>
               </a:ext>
             </a:extLst>
           </p:cNvPr>
@@ -14905,8 +14935,8 @@
         </p:blipFill>
         <p:spPr>
           <a:xfrm>
-            <a:off x="1891682" y="2302761"/>
-            <a:ext cx="5601318" cy="1993224"/>
+            <a:off x="1282700" y="2298700"/>
+            <a:ext cx="5872480" cy="2017956"/>
           </a:xfrm>
           <a:prstGeom prst="rect">
             <a:avLst/>
@@ -14915,10 +14945,10 @@
       </p:pic>
       <p:pic>
         <p:nvPicPr>
-          <p:cNvPr id="10" name="Picture 9" descr="A screenshot of a cell phone&#10;&#10;Description automatically generated">
+          <p:cNvPr id="7" name="Picture 6" descr="A screenshot of a cell phone&#10;&#10;Description automatically generated">
             <a:extLst>
               <a:ext uri="{FF2B5EF4-FFF2-40B4-BE49-F238E27FC236}">
-                <a16:creationId xmlns:a16="http://schemas.microsoft.com/office/drawing/2014/main" id="{5E3B8F4F-B90D-4C15-9E7C-D369C8A42687}"/>
+                <a16:creationId xmlns:a16="http://schemas.microsoft.com/office/drawing/2014/main" id="{6104DC35-C14C-2B4B-A4FA-2993CBF931C0}"/>
               </a:ext>
             </a:extLst>
           </p:cNvPr>
@@ -14941,44 +14971,14 @@
         </p:blipFill>
         <p:spPr>
           <a:xfrm>
-            <a:off x="1891682" y="4515188"/>
-            <a:ext cx="4994254" cy="1993223"/>
+            <a:off x="1282700" y="4316656"/>
+            <a:ext cx="6223000" cy="2247900"/>
           </a:xfrm>
           <a:prstGeom prst="rect">
             <a:avLst/>
           </a:prstGeom>
         </p:spPr>
       </p:pic>
-      <p:sp>
-        <p:nvSpPr>
-          <p:cNvPr id="11" name="Slide Number Placeholder 10">
-            <a:extLst>
-              <a:ext uri="{FF2B5EF4-FFF2-40B4-BE49-F238E27FC236}">
-                <a16:creationId xmlns:a16="http://schemas.microsoft.com/office/drawing/2014/main" id="{DA22B72D-90A8-4AB8-8571-7D8EB197A300}"/>
-              </a:ext>
-            </a:extLst>
-          </p:cNvPr>
-          <p:cNvSpPr>
-            <a:spLocks noGrp="1"/>
-          </p:cNvSpPr>
-          <p:nvPr>
-            <p:ph type="sldNum" sz="quarter" idx="10"/>
-          </p:nvPr>
-        </p:nvSpPr>
-        <p:spPr/>
-        <p:txBody>
-          <a:bodyPr/>
-          <a:lstStyle/>
-          <a:p>
-            <a:fld id="{D4325D4D-289E-48C1-B277-2BEB492A7D19}" type="slidenum">
-              <a:rPr lang="en-US" smtClean="0"/>
-              <a:pPr/>
-              <a:t>16</a:t>
-            </a:fld>
-            <a:endParaRPr lang="en-US" dirty="0"/>
-          </a:p>
-        </p:txBody>
-      </p:sp>
     </p:spTree>
     <p:extLst>
       <p:ext uri="{BB962C8B-B14F-4D97-AF65-F5344CB8AC3E}">

--- a/US Housing Market Analysis_Final_1-20-2020.pptx
+++ b/US Housing Market Analysis_Final_1-20-2020.pptx
@@ -13355,42 +13355,6 @@
           <a:chExt cx="0" cy="0"/>
         </a:xfrm>
       </p:grpSpPr>
-      <p:pic>
-        <p:nvPicPr>
-          <p:cNvPr id="3" name="Picture 2" descr="A close up of a map&#10;&#10;Description automatically generated">
-            <a:extLst>
-              <a:ext uri="{FF2B5EF4-FFF2-40B4-BE49-F238E27FC236}">
-                <a16:creationId xmlns:a16="http://schemas.microsoft.com/office/drawing/2014/main" id="{2C89B1DA-4F02-405A-8D13-C7CB143ADB6D}"/>
-              </a:ext>
-            </a:extLst>
-          </p:cNvPr>
-          <p:cNvPicPr>
-            <a:picLocks noChangeAspect="1"/>
-          </p:cNvPicPr>
-          <p:nvPr/>
-        </p:nvPicPr>
-        <p:blipFill>
-          <a:blip r:embed="rId3">
-            <a:extLst>
-              <a:ext uri="{28A0092B-C50C-407E-A947-70E740481C1C}">
-                <a14:useLocalDpi xmlns:a14="http://schemas.microsoft.com/office/drawing/2010/main" val="0"/>
-              </a:ext>
-            </a:extLst>
-          </a:blip>
-          <a:stretch>
-            <a:fillRect/>
-          </a:stretch>
-        </p:blipFill>
-        <p:spPr>
-          <a:xfrm>
-            <a:off x="247651" y="820291"/>
-            <a:ext cx="8648697" cy="6486523"/>
-          </a:xfrm>
-          <a:prstGeom prst="rect">
-            <a:avLst/>
-          </a:prstGeom>
-        </p:spPr>
-      </p:pic>
       <p:sp>
         <p:nvSpPr>
           <p:cNvPr id="13" name="Title 1">
@@ -13686,6 +13650,42 @@
           </a:p>
         </p:txBody>
       </p:sp>
+      <p:pic>
+        <p:nvPicPr>
+          <p:cNvPr id="4" name="Picture 3" descr="A close up of a map&#10;&#10;Description automatically generated">
+            <a:extLst>
+              <a:ext uri="{FF2B5EF4-FFF2-40B4-BE49-F238E27FC236}">
+                <a16:creationId xmlns:a16="http://schemas.microsoft.com/office/drawing/2014/main" id="{F3A01216-0EA2-4F42-9852-8DE7E370406F}"/>
+              </a:ext>
+            </a:extLst>
+          </p:cNvPr>
+          <p:cNvPicPr>
+            <a:picLocks noChangeAspect="1"/>
+          </p:cNvPicPr>
+          <p:nvPr/>
+        </p:nvPicPr>
+        <p:blipFill>
+          <a:blip r:embed="rId3">
+            <a:extLst>
+              <a:ext uri="{28A0092B-C50C-407E-A947-70E740481C1C}">
+                <a14:useLocalDpi xmlns:a14="http://schemas.microsoft.com/office/drawing/2010/main" val="0"/>
+              </a:ext>
+            </a:extLst>
+          </a:blip>
+          <a:stretch>
+            <a:fillRect/>
+          </a:stretch>
+        </p:blipFill>
+        <p:spPr>
+          <a:xfrm>
+            <a:off x="469021" y="1373479"/>
+            <a:ext cx="8787782" cy="5905862"/>
+          </a:xfrm>
+          <a:prstGeom prst="rect">
+            <a:avLst/>
+          </a:prstGeom>
+        </p:spPr>
+      </p:pic>
     </p:spTree>
     <p:extLst>
       <p:ext uri="{BB962C8B-B14F-4D97-AF65-F5344CB8AC3E}">
@@ -14284,8 +14284,8 @@
         </p:blipFill>
         <p:spPr>
           <a:xfrm>
-            <a:off x="171451" y="773529"/>
-            <a:ext cx="8801097" cy="6600826"/>
+            <a:off x="171450" y="773529"/>
+            <a:ext cx="8802620" cy="6601968"/>
           </a:xfrm>
         </p:spPr>
       </p:pic>

--- a/US Housing Market Analysis_Final_1-20-2020.pptx
+++ b/US Housing Market Analysis_Final_1-20-2020.pptx
@@ -12086,23 +12086,15 @@
                   <a:schemeClr val="bg1"/>
                 </a:solidFill>
               </a:rPr>
-              <a:t>, and </a:t>
+              <a:t>, </a:t>
             </a:r>
             <a:r>
-              <a:rPr lang="en-US" dirty="0" err="1">
+              <a:rPr lang="en-US">
                 <a:solidFill>
                   <a:schemeClr val="bg1"/>
                 </a:solidFill>
               </a:rPr>
-              <a:t>Tolo</a:t>
-            </a:r>
-            <a:r>
-              <a:rPr lang="en-US" dirty="0">
-                <a:solidFill>
-                  <a:schemeClr val="bg1"/>
-                </a:solidFill>
-              </a:rPr>
-              <a:t> </a:t>
+              <a:t>and Tolu </a:t>
             </a:r>
             <a:r>
               <a:rPr lang="en-US" dirty="0" err="1">

--- a/US Housing Market Analysis_Final_1-20-2020.pptx
+++ b/US Housing Market Analysis_Final_1-20-2020.pptx
@@ -14937,10 +14937,10 @@
       </p:pic>
       <p:pic>
         <p:nvPicPr>
-          <p:cNvPr id="7" name="Picture 6" descr="A screenshot of a cell phone&#10;&#10;Description automatically generated">
+          <p:cNvPr id="4" name="Picture 3">
             <a:extLst>
               <a:ext uri="{FF2B5EF4-FFF2-40B4-BE49-F238E27FC236}">
-                <a16:creationId xmlns:a16="http://schemas.microsoft.com/office/drawing/2014/main" id="{6104DC35-C14C-2B4B-A4FA-2993CBF931C0}"/>
+                <a16:creationId xmlns:a16="http://schemas.microsoft.com/office/drawing/2014/main" id="{6F9571A7-448D-894E-A1E5-22828FBE7EAB}"/>
               </a:ext>
             </a:extLst>
           </p:cNvPr>
@@ -14963,8 +14963,8 @@
         </p:blipFill>
         <p:spPr>
           <a:xfrm>
-            <a:off x="1282700" y="4316656"/>
-            <a:ext cx="6223000" cy="2247900"/>
+            <a:off x="1365250" y="4316656"/>
+            <a:ext cx="5789930" cy="2273300"/>
           </a:xfrm>
           <a:prstGeom prst="rect">
             <a:avLst/>

--- a/US Housing Market Analysis_Final_1-20-2020.pptx
+++ b/US Housing Market Analysis_Final_1-20-2020.pptx
@@ -5,10 +5,10 @@
     <p:sldMasterId id="2147483978" r:id="rId1"/>
   </p:sldMasterIdLst>
   <p:notesMasterIdLst>
-    <p:notesMasterId r:id="rId32"/>
+    <p:notesMasterId r:id="rId33"/>
   </p:notesMasterIdLst>
   <p:handoutMasterIdLst>
-    <p:handoutMasterId r:id="rId33"/>
+    <p:handoutMasterId r:id="rId34"/>
   </p:handoutMasterIdLst>
   <p:sldIdLst>
     <p:sldId id="650" r:id="rId2"/>
@@ -16,31 +16,32 @@
     <p:sldId id="653" r:id="rId4"/>
     <p:sldId id="665" r:id="rId5"/>
     <p:sldId id="654" r:id="rId6"/>
-    <p:sldId id="656" r:id="rId7"/>
-    <p:sldId id="657" r:id="rId8"/>
-    <p:sldId id="668" r:id="rId9"/>
-    <p:sldId id="658" r:id="rId10"/>
-    <p:sldId id="661" r:id="rId11"/>
-    <p:sldId id="663" r:id="rId12"/>
-    <p:sldId id="688" r:id="rId13"/>
-    <p:sldId id="659" r:id="rId14"/>
-    <p:sldId id="689" r:id="rId15"/>
-    <p:sldId id="662" r:id="rId16"/>
-    <p:sldId id="690" r:id="rId17"/>
-    <p:sldId id="669" r:id="rId18"/>
-    <p:sldId id="670" r:id="rId19"/>
-    <p:sldId id="673" r:id="rId20"/>
-    <p:sldId id="676" r:id="rId21"/>
-    <p:sldId id="664" r:id="rId22"/>
-    <p:sldId id="667" r:id="rId23"/>
-    <p:sldId id="678" r:id="rId24"/>
-    <p:sldId id="679" r:id="rId25"/>
-    <p:sldId id="680" r:id="rId26"/>
-    <p:sldId id="681" r:id="rId27"/>
-    <p:sldId id="682" r:id="rId28"/>
-    <p:sldId id="683" r:id="rId29"/>
-    <p:sldId id="684" r:id="rId30"/>
-    <p:sldId id="685" r:id="rId31"/>
+    <p:sldId id="686" r:id="rId7"/>
+    <p:sldId id="656" r:id="rId8"/>
+    <p:sldId id="657" r:id="rId9"/>
+    <p:sldId id="668" r:id="rId10"/>
+    <p:sldId id="658" r:id="rId11"/>
+    <p:sldId id="661" r:id="rId12"/>
+    <p:sldId id="663" r:id="rId13"/>
+    <p:sldId id="688" r:id="rId14"/>
+    <p:sldId id="659" r:id="rId15"/>
+    <p:sldId id="689" r:id="rId16"/>
+    <p:sldId id="662" r:id="rId17"/>
+    <p:sldId id="690" r:id="rId18"/>
+    <p:sldId id="669" r:id="rId19"/>
+    <p:sldId id="670" r:id="rId20"/>
+    <p:sldId id="673" r:id="rId21"/>
+    <p:sldId id="676" r:id="rId22"/>
+    <p:sldId id="664" r:id="rId23"/>
+    <p:sldId id="667" r:id="rId24"/>
+    <p:sldId id="678" r:id="rId25"/>
+    <p:sldId id="679" r:id="rId26"/>
+    <p:sldId id="680" r:id="rId27"/>
+    <p:sldId id="681" r:id="rId28"/>
+    <p:sldId id="682" r:id="rId29"/>
+    <p:sldId id="683" r:id="rId30"/>
+    <p:sldId id="684" r:id="rId31"/>
+    <p:sldId id="685" r:id="rId32"/>
   </p:sldIdLst>
   <p:sldSz cx="9144000" cy="6858000" type="screen4x3"/>
   <p:notesSz cx="7010400" cy="9296400"/>
@@ -2821,24 +2822,24 @@
     <dgm:cxn modelId="{379FD438-83AE-48DB-A704-C4085AD9D61F}" srcId="{869AB678-A487-4151-9205-138EBC840CC7}" destId="{DFEFD1DD-92A9-474A-9153-6B06B33DB784}" srcOrd="5" destOrd="0" parTransId="{A035482D-DCD8-4A46-ACDD-9F42CABAE15A}" sibTransId="{6813629D-9B19-4DF7-BB67-9347B5998448}"/>
     <dgm:cxn modelId="{6703F93B-DB07-4879-A6B7-68D767B2E1B7}" srcId="{BE7C048B-5A85-4F32-9798-AA86469650A6}" destId="{7C8E73E8-1E64-4D47-BB1E-79F6E346CB6E}" srcOrd="3" destOrd="0" parTransId="{394D88C1-4BB8-4B91-8D0F-6B109781DC29}" sibTransId="{9716383D-E820-458E-A3D3-3326189A47D7}"/>
     <dgm:cxn modelId="{BD077C3C-BD46-4169-87DC-EF30663BC49C}" type="presOf" srcId="{05733680-0881-48A9-9522-D167727CB213}" destId="{FE54913C-C571-42F2-8142-C3EFFE342160}" srcOrd="0" destOrd="6" presId="urn:microsoft.com/office/officeart/2005/8/layout/hList1"/>
+    <dgm:cxn modelId="{8387375B-DF2E-4706-8F27-8F85FBA880F3}" srcId="{869AB678-A487-4151-9205-138EBC840CC7}" destId="{DFBFDF67-B8B3-408C-8E4E-FA3824C075DF}" srcOrd="1" destOrd="0" parTransId="{E3714AE7-921A-40C4-A8B3-A4ED830CE986}" sibTransId="{A782139B-322D-4BAD-BCE6-8BE73ACA9512}"/>
+    <dgm:cxn modelId="{7D1A965E-743F-4A5E-B1DE-7C42466C7587}" type="presOf" srcId="{E0282E66-F178-427C-B7F8-911AC496225F}" destId="{B66373AC-ACB9-47A9-A109-F9056C68EB87}" srcOrd="0" destOrd="0" presId="urn:microsoft.com/office/officeart/2005/8/layout/hList1"/>
+    <dgm:cxn modelId="{57F17C5F-6312-4C8B-9DA3-D2628E55739D}" srcId="{75DB0362-E61B-4F2A-B048-A6555DF5E7E1}" destId="{7D6786E2-9D56-4182-934C-93E53856CE13}" srcOrd="6" destOrd="0" parTransId="{887BE500-0287-4471-B914-4D5AD4C96AA1}" sibTransId="{A445D442-8DC9-4A45-852B-C4F8274536AD}"/>
     <dgm:cxn modelId="{D4EC8443-EEF1-47D2-B319-439F41BD61B6}" srcId="{BE7C048B-5A85-4F32-9798-AA86469650A6}" destId="{44F59B5B-2475-4462-9031-41DED64B63BE}" srcOrd="5" destOrd="0" parTransId="{765B66D2-636F-4106-A3A8-89FFA89C45B8}" sibTransId="{C5577E32-6E29-4F20-A4A3-AC868E81128E}"/>
+    <dgm:cxn modelId="{15C90864-0A51-45B7-A8EF-3A31CB777417}" type="presOf" srcId="{60F24591-1980-474B-BDD7-E6F02BABFD42}" destId="{B66373AC-ACB9-47A9-A109-F9056C68EB87}" srcOrd="0" destOrd="1" presId="urn:microsoft.com/office/officeart/2005/8/layout/hList1"/>
+    <dgm:cxn modelId="{8A53F964-4DC0-4051-BAAB-FC27AB02CADC}" type="presOf" srcId="{7C8E73E8-1E64-4D47-BB1E-79F6E346CB6E}" destId="{FE54913C-C571-42F2-8142-C3EFFE342160}" srcOrd="0" destOrd="3" presId="urn:microsoft.com/office/officeart/2005/8/layout/hList1"/>
     <dgm:cxn modelId="{1DD52D45-8F2A-4AB0-8140-BCAD369C476C}" type="presOf" srcId="{C1378FF8-880D-4E9B-BD2A-EAEB5189EA92}" destId="{B66373AC-ACB9-47A9-A109-F9056C68EB87}" srcOrd="0" destOrd="4" presId="urn:microsoft.com/office/officeart/2005/8/layout/hList1"/>
     <dgm:cxn modelId="{1D047745-E6E5-4801-A233-E0F2A4169456}" type="presOf" srcId="{7D6786E2-9D56-4182-934C-93E53856CE13}" destId="{B66373AC-ACB9-47A9-A109-F9056C68EB87}" srcOrd="0" destOrd="6" presId="urn:microsoft.com/office/officeart/2005/8/layout/hList1"/>
+    <dgm:cxn modelId="{EE638E67-2DEE-4268-8FC7-B941D16E90E7}" type="presOf" srcId="{75DB0362-E61B-4F2A-B048-A6555DF5E7E1}" destId="{359E9D15-390E-4D3E-AB23-767579E2CBDE}" srcOrd="0" destOrd="0" presId="urn:microsoft.com/office/officeart/2005/8/layout/hList1"/>
     <dgm:cxn modelId="{2B4FA94D-8041-45DC-B426-580F2EA87157}" srcId="{869AB678-A487-4151-9205-138EBC840CC7}" destId="{AC652A51-D086-43C2-BDF7-8782913C8267}" srcOrd="0" destOrd="0" parTransId="{668A148E-FBC8-4212-A402-0B48C2E98248}" sibTransId="{1A42B328-F55E-455E-8DCF-500E5F63EB3E}"/>
+    <dgm:cxn modelId="{8B77166E-8DE4-430B-9FFD-F045D19EAC28}" type="presOf" srcId="{95474F76-92AC-4979-B532-53EE5209A9EC}" destId="{FE54913C-C571-42F2-8142-C3EFFE342160}" srcOrd="0" destOrd="2" presId="urn:microsoft.com/office/officeart/2005/8/layout/hList1"/>
     <dgm:cxn modelId="{4E82864E-0EC1-445D-AB2B-737478DA5A0A}" srcId="{BE7C048B-5A85-4F32-9798-AA86469650A6}" destId="{2915AF59-52D4-4AC3-A92C-B6FF651891EF}" srcOrd="0" destOrd="0" parTransId="{F7810B92-DD60-46BB-9FDF-0466F4C06495}" sibTransId="{C598C153-B55F-4CC4-BBEE-BA35B13B3177}"/>
     <dgm:cxn modelId="{1949E950-86AB-4ABF-8F9A-C2E243477118}" srcId="{BE7C048B-5A85-4F32-9798-AA86469650A6}" destId="{650D3F43-4F5C-46AE-9113-AFBB00179D2E}" srcOrd="1" destOrd="0" parTransId="{3663C2CA-1970-450A-8D91-86CB11588442}" sibTransId="{B4588B80-0376-404B-9E2D-49E0411AFAD2}"/>
     <dgm:cxn modelId="{DD33C151-EB31-42C2-B002-F19D827618EE}" type="presOf" srcId="{DFEFD1DD-92A9-474A-9153-6B06B33DB784}" destId="{09A640BD-A573-4F44-AB7C-19622369D53A}" srcOrd="0" destOrd="5" presId="urn:microsoft.com/office/officeart/2005/8/layout/hList1"/>
+    <dgm:cxn modelId="{28635973-6552-4381-9803-3FAE5046AC6C}" type="presOf" srcId="{FE3579EC-C94E-45BC-B827-79E16667124B}" destId="{FE54913C-C571-42F2-8142-C3EFFE342160}" srcOrd="0" destOrd="4" presId="urn:microsoft.com/office/officeart/2005/8/layout/hList1"/>
     <dgm:cxn modelId="{BBEEBA56-2E34-4A30-864F-3B40394DC437}" srcId="{75DB0362-E61B-4F2A-B048-A6555DF5E7E1}" destId="{C1378FF8-880D-4E9B-BD2A-EAEB5189EA92}" srcOrd="4" destOrd="0" parTransId="{FA57237E-4973-4153-A720-46F4B9B1D25E}" sibTransId="{EB1FAC66-F29F-448E-88C3-C87F8976FA56}"/>
+    <dgm:cxn modelId="{396E1079-3570-4F3E-B1E3-037EE2A2CF3E}" srcId="{BE7C048B-5A85-4F32-9798-AA86469650A6}" destId="{05733680-0881-48A9-9522-D167727CB213}" srcOrd="6" destOrd="0" parTransId="{105470B5-C3A6-4B12-9CDD-09A11881D382}" sibTransId="{4A29D177-0F3B-403D-9542-E5EEE90C3B83}"/>
     <dgm:cxn modelId="{AFE6355A-DC83-4CDF-B511-555540556E58}" srcId="{BE7C048B-5A85-4F32-9798-AA86469650A6}" destId="{F7242007-FC27-4D83-8C9F-35187A093FB2}" srcOrd="7" destOrd="0" parTransId="{70A84B41-6DBE-4161-9708-F3A65E701581}" sibTransId="{551FE38A-2125-4D18-9C6F-ACDFDF030B80}"/>
-    <dgm:cxn modelId="{8387375B-DF2E-4706-8F27-8F85FBA880F3}" srcId="{869AB678-A487-4151-9205-138EBC840CC7}" destId="{DFBFDF67-B8B3-408C-8E4E-FA3824C075DF}" srcOrd="1" destOrd="0" parTransId="{E3714AE7-921A-40C4-A8B3-A4ED830CE986}" sibTransId="{A782139B-322D-4BAD-BCE6-8BE73ACA9512}"/>
-    <dgm:cxn modelId="{7D1A965E-743F-4A5E-B1DE-7C42466C7587}" type="presOf" srcId="{E0282E66-F178-427C-B7F8-911AC496225F}" destId="{B66373AC-ACB9-47A9-A109-F9056C68EB87}" srcOrd="0" destOrd="0" presId="urn:microsoft.com/office/officeart/2005/8/layout/hList1"/>
-    <dgm:cxn modelId="{57F17C5F-6312-4C8B-9DA3-D2628E55739D}" srcId="{75DB0362-E61B-4F2A-B048-A6555DF5E7E1}" destId="{7D6786E2-9D56-4182-934C-93E53856CE13}" srcOrd="6" destOrd="0" parTransId="{887BE500-0287-4471-B914-4D5AD4C96AA1}" sibTransId="{A445D442-8DC9-4A45-852B-C4F8274536AD}"/>
-    <dgm:cxn modelId="{15C90864-0A51-45B7-A8EF-3A31CB777417}" type="presOf" srcId="{60F24591-1980-474B-BDD7-E6F02BABFD42}" destId="{B66373AC-ACB9-47A9-A109-F9056C68EB87}" srcOrd="0" destOrd="1" presId="urn:microsoft.com/office/officeart/2005/8/layout/hList1"/>
-    <dgm:cxn modelId="{8A53F964-4DC0-4051-BAAB-FC27AB02CADC}" type="presOf" srcId="{7C8E73E8-1E64-4D47-BB1E-79F6E346CB6E}" destId="{FE54913C-C571-42F2-8142-C3EFFE342160}" srcOrd="0" destOrd="3" presId="urn:microsoft.com/office/officeart/2005/8/layout/hList1"/>
-    <dgm:cxn modelId="{EE638E67-2DEE-4268-8FC7-B941D16E90E7}" type="presOf" srcId="{75DB0362-E61B-4F2A-B048-A6555DF5E7E1}" destId="{359E9D15-390E-4D3E-AB23-767579E2CBDE}" srcOrd="0" destOrd="0" presId="urn:microsoft.com/office/officeart/2005/8/layout/hList1"/>
-    <dgm:cxn modelId="{8B77166E-8DE4-430B-9FFD-F045D19EAC28}" type="presOf" srcId="{95474F76-92AC-4979-B532-53EE5209A9EC}" destId="{FE54913C-C571-42F2-8142-C3EFFE342160}" srcOrd="0" destOrd="2" presId="urn:microsoft.com/office/officeart/2005/8/layout/hList1"/>
-    <dgm:cxn modelId="{28635973-6552-4381-9803-3FAE5046AC6C}" type="presOf" srcId="{FE3579EC-C94E-45BC-B827-79E16667124B}" destId="{FE54913C-C571-42F2-8142-C3EFFE342160}" srcOrd="0" destOrd="4" presId="urn:microsoft.com/office/officeart/2005/8/layout/hList1"/>
-    <dgm:cxn modelId="{396E1079-3570-4F3E-B1E3-037EE2A2CF3E}" srcId="{BE7C048B-5A85-4F32-9798-AA86469650A6}" destId="{05733680-0881-48A9-9522-D167727CB213}" srcOrd="6" destOrd="0" parTransId="{105470B5-C3A6-4B12-9CDD-09A11881D382}" sibTransId="{4A29D177-0F3B-403D-9542-E5EEE90C3B83}"/>
     <dgm:cxn modelId="{B6FF6D83-F751-4359-B938-016DB879CBE5}" srcId="{0EB549BA-B7DC-47B3-A16B-D0EEAC6CD60C}" destId="{869AB678-A487-4151-9205-138EBC840CC7}" srcOrd="0" destOrd="0" parTransId="{32475D2A-3379-4C38-8863-92DE1BC8117F}" sibTransId="{9D9B37E5-4552-4B02-AF5F-10CE05BEB49D}"/>
     <dgm:cxn modelId="{FC1EBD88-3036-4C0B-8507-D6393D5F7BE4}" srcId="{75DB0362-E61B-4F2A-B048-A6555DF5E7E1}" destId="{E0282E66-F178-427C-B7F8-911AC496225F}" srcOrd="0" destOrd="0" parTransId="{60738319-A295-4DFB-B1D5-F153207837F9}" sibTransId="{D560D94B-2E5A-4112-945A-833225F563DE}"/>
     <dgm:cxn modelId="{7C64368B-3BFF-440B-8AA8-E261A82BCF12}" type="presOf" srcId="{0EB549BA-B7DC-47B3-A16B-D0EEAC6CD60C}" destId="{F23C2260-7608-4CAE-BDE0-C997F66C3AFA}" srcOrd="0" destOrd="0" presId="urn:microsoft.com/office/officeart/2005/8/layout/hList1"/>
@@ -7844,7 +7845,7 @@
               <a:pPr>
                 <a:defRPr/>
               </a:pPr>
-              <a:t>7</a:t>
+              <a:t>8</a:t>
             </a:fld>
             <a:endParaRPr lang="en-US" dirty="0"/>
           </a:p>
@@ -7948,7 +7949,7 @@
               <a:pPr>
                 <a:defRPr/>
               </a:pPr>
-              <a:t>24</a:t>
+              <a:t>25</a:t>
             </a:fld>
             <a:endParaRPr lang="en-US" dirty="0"/>
           </a:p>
@@ -8052,7 +8053,7 @@
               <a:pPr>
                 <a:defRPr/>
               </a:pPr>
-              <a:t>25</a:t>
+              <a:t>26</a:t>
             </a:fld>
             <a:endParaRPr lang="en-US" dirty="0"/>
           </a:p>
@@ -8156,7 +8157,7 @@
               <a:pPr>
                 <a:defRPr/>
               </a:pPr>
-              <a:t>26</a:t>
+              <a:t>27</a:t>
             </a:fld>
             <a:endParaRPr lang="en-US" dirty="0"/>
           </a:p>
@@ -8260,7 +8261,7 @@
               <a:pPr>
                 <a:defRPr/>
               </a:pPr>
-              <a:t>27</a:t>
+              <a:t>28</a:t>
             </a:fld>
             <a:endParaRPr lang="en-US" dirty="0"/>
           </a:p>
@@ -8364,7 +8365,7 @@
               <a:pPr>
                 <a:defRPr/>
               </a:pPr>
-              <a:t>28</a:t>
+              <a:t>29</a:t>
             </a:fld>
             <a:endParaRPr lang="en-US" dirty="0"/>
           </a:p>
@@ -8468,7 +8469,7 @@
               <a:pPr>
                 <a:defRPr/>
               </a:pPr>
-              <a:t>29</a:t>
+              <a:t>30</a:t>
             </a:fld>
             <a:endParaRPr lang="en-US" dirty="0"/>
           </a:p>
@@ -8572,7 +8573,7 @@
               <a:pPr>
                 <a:defRPr/>
               </a:pPr>
-              <a:t>30</a:t>
+              <a:t>31</a:t>
             </a:fld>
             <a:endParaRPr lang="en-US" dirty="0"/>
           </a:p>
@@ -8676,7 +8677,7 @@
               <a:pPr>
                 <a:defRPr/>
               </a:pPr>
-              <a:t>8</a:t>
+              <a:t>9</a:t>
             </a:fld>
             <a:endParaRPr lang="en-US" dirty="0"/>
           </a:p>
@@ -8780,7 +8781,7 @@
               <a:pPr>
                 <a:defRPr/>
               </a:pPr>
-              <a:t>9</a:t>
+              <a:t>10</a:t>
             </a:fld>
             <a:endParaRPr lang="en-US" dirty="0"/>
           </a:p>
@@ -8884,7 +8885,7 @@
               <a:pPr>
                 <a:defRPr/>
               </a:pPr>
-              <a:t>10</a:t>
+              <a:t>11</a:t>
             </a:fld>
             <a:endParaRPr lang="en-US" dirty="0"/>
           </a:p>
@@ -8988,7 +8989,7 @@
               <a:pPr>
                 <a:defRPr/>
               </a:pPr>
-              <a:t>11</a:t>
+              <a:t>12</a:t>
             </a:fld>
             <a:endParaRPr lang="en-US" dirty="0"/>
           </a:p>
@@ -9092,7 +9093,7 @@
               <a:pPr>
                 <a:defRPr/>
               </a:pPr>
-              <a:t>13</a:t>
+              <a:t>14</a:t>
             </a:fld>
             <a:endParaRPr lang="en-US" dirty="0"/>
           </a:p>
@@ -9196,7 +9197,7 @@
               <a:pPr>
                 <a:defRPr/>
               </a:pPr>
-              <a:t>21</a:t>
+              <a:t>22</a:t>
             </a:fld>
             <a:endParaRPr lang="en-US" dirty="0"/>
           </a:p>
@@ -9300,7 +9301,7 @@
               <a:pPr>
                 <a:defRPr/>
               </a:pPr>
-              <a:t>22</a:t>
+              <a:t>23</a:t>
             </a:fld>
             <a:endParaRPr lang="en-US" dirty="0"/>
           </a:p>
@@ -9404,7 +9405,7 @@
               <a:pPr>
                 <a:defRPr/>
               </a:pPr>
-              <a:t>23</a:t>
+              <a:t>24</a:t>
             </a:fld>
             <a:endParaRPr lang="en-US" dirty="0"/>
           </a:p>
@@ -12195,6 +12196,425 @@
               <a:rPr lang="en-US" sz="2000" dirty="0">
                 <a:latin typeface="Arial" panose="020B0604020202020204" pitchFamily="34" charset="0"/>
               </a:rPr>
+              <a:t>What are the top 5 states with the highest increases and highest decrease in median house prices since 2008?</a:t>
+            </a:r>
+            <a:endParaRPr lang="en-US" sz="2000" dirty="0">
+              <a:latin typeface="+mn-lt"/>
+            </a:endParaRPr>
+          </a:p>
+        </p:txBody>
+      </p:sp>
+      <p:sp>
+        <p:nvSpPr>
+          <p:cNvPr id="4" name="Rectangle 3">
+            <a:extLst>
+              <a:ext uri="{FF2B5EF4-FFF2-40B4-BE49-F238E27FC236}">
+                <a16:creationId xmlns:a16="http://schemas.microsoft.com/office/drawing/2014/main" id="{DF954BB4-78CC-4958-9D36-57A30AC5C18B}"/>
+              </a:ext>
+            </a:extLst>
+          </p:cNvPr>
+          <p:cNvSpPr/>
+          <p:nvPr/>
+        </p:nvSpPr>
+        <p:spPr bwMode="auto">
+          <a:xfrm>
+            <a:off x="1324649" y="1726656"/>
+            <a:ext cx="6494702" cy="838199"/>
+          </a:xfrm>
+          <a:prstGeom prst="rect">
+            <a:avLst/>
+          </a:prstGeom>
+          <a:solidFill>
+            <a:schemeClr val="bg1"/>
+          </a:solidFill>
+          <a:ln w="9525" cap="flat" cmpd="sng" algn="ctr">
+            <a:noFill/>
+            <a:prstDash val="solid"/>
+            <a:round/>
+            <a:headEnd type="none" w="med" len="med"/>
+            <a:tailEnd type="none" w="med" len="med"/>
+          </a:ln>
+          <a:effectLst/>
+        </p:spPr>
+        <p:txBody>
+          <a:bodyPr vert="horz" wrap="square" lIns="91440" tIns="45720" rIns="91440" bIns="45720" numCol="1" rtlCol="0" anchor="t" anchorCtr="0" compatLnSpc="1">
+            <a:prstTxWarp prst="textNoShape">
+              <a:avLst/>
+            </a:prstTxWarp>
+          </a:bodyPr>
+          <a:lstStyle/>
+          <a:p>
+            <a:pPr lvl="0" algn="ctr" fontAlgn="ctr">
+              <a:buClr>
+                <a:srgbClr val="000000"/>
+              </a:buClr>
+              <a:buSzPts val="1100"/>
+            </a:pPr>
+            <a:r>
+              <a:rPr lang="en-US" sz="1600" dirty="0">
+                <a:solidFill>
+                  <a:srgbClr val="000000"/>
+                </a:solidFill>
+                <a:latin typeface="+mn-lt"/>
+              </a:rPr>
+              <a:t>DC, California, Colorado, Washington, and Massachusetts show median sales price increases starting around 2011-2012, which follows a consistent pattern with the national median sales price average.</a:t>
+            </a:r>
+          </a:p>
+        </p:txBody>
+      </p:sp>
+      <p:pic>
+        <p:nvPicPr>
+          <p:cNvPr id="8" name="Picture 7" descr="A close up of a map&#10;&#10;Description automatically generated">
+            <a:extLst>
+              <a:ext uri="{FF2B5EF4-FFF2-40B4-BE49-F238E27FC236}">
+                <a16:creationId xmlns:a16="http://schemas.microsoft.com/office/drawing/2014/main" id="{77FAB788-8BC6-400F-9834-A9DB50ADC846}"/>
+              </a:ext>
+            </a:extLst>
+          </p:cNvPr>
+          <p:cNvPicPr>
+            <a:picLocks noChangeAspect="1"/>
+          </p:cNvPicPr>
+          <p:nvPr/>
+        </p:nvPicPr>
+        <p:blipFill>
+          <a:blip r:embed="rId3">
+            <a:extLst>
+              <a:ext uri="{28A0092B-C50C-407E-A947-70E740481C1C}">
+                <a14:useLocalDpi xmlns:a14="http://schemas.microsoft.com/office/drawing/2010/main" val="0"/>
+              </a:ext>
+            </a:extLst>
+          </a:blip>
+          <a:stretch>
+            <a:fillRect/>
+          </a:stretch>
+        </p:blipFill>
+        <p:spPr>
+          <a:xfrm>
+            <a:off x="457200" y="2567723"/>
+            <a:ext cx="8229600" cy="4202349"/>
+          </a:xfrm>
+          <a:prstGeom prst="rect">
+            <a:avLst/>
+          </a:prstGeom>
+        </p:spPr>
+      </p:pic>
+      <p:sp>
+        <p:nvSpPr>
+          <p:cNvPr id="9" name="Rectangle 8">
+            <a:extLst>
+              <a:ext uri="{FF2B5EF4-FFF2-40B4-BE49-F238E27FC236}">
+                <a16:creationId xmlns:a16="http://schemas.microsoft.com/office/drawing/2014/main" id="{3733057B-66F9-469B-8614-23723F984546}"/>
+              </a:ext>
+            </a:extLst>
+          </p:cNvPr>
+          <p:cNvSpPr/>
+          <p:nvPr/>
+        </p:nvSpPr>
+        <p:spPr bwMode="auto">
+          <a:xfrm>
+            <a:off x="3" y="699797"/>
+            <a:ext cx="9143998" cy="760704"/>
+          </a:xfrm>
+          <a:prstGeom prst="rect">
+            <a:avLst/>
+          </a:prstGeom>
+          <a:solidFill>
+            <a:schemeClr val="bg1">
+              <a:lumMod val="95000"/>
+            </a:schemeClr>
+          </a:solidFill>
+          <a:ln w="9525" cap="flat" cmpd="sng" algn="ctr">
+            <a:noFill/>
+            <a:prstDash val="solid"/>
+            <a:round/>
+            <a:headEnd type="none" w="med" len="med"/>
+            <a:tailEnd type="none" w="med" len="med"/>
+          </a:ln>
+          <a:effectLst/>
+        </p:spPr>
+        <p:txBody>
+          <a:bodyPr vert="horz" wrap="square" lIns="91440" tIns="45720" rIns="91440" bIns="45720" numCol="1" rtlCol="0" anchor="t" anchorCtr="0" compatLnSpc="1">
+            <a:prstTxWarp prst="textNoShape">
+              <a:avLst/>
+            </a:prstTxWarp>
+          </a:bodyPr>
+          <a:lstStyle/>
+          <a:p>
+            <a:pPr lvl="0" algn="ctr" fontAlgn="ctr">
+              <a:buClr>
+                <a:srgbClr val="000000"/>
+              </a:buClr>
+              <a:buSzPts val="1100"/>
+            </a:pPr>
+            <a:endParaRPr lang="en-US" sz="1600" dirty="0">
+              <a:solidFill>
+                <a:srgbClr val="000000"/>
+              </a:solidFill>
+              <a:latin typeface="+mn-lt"/>
+            </a:endParaRPr>
+          </a:p>
+        </p:txBody>
+      </p:sp>
+      <p:sp>
+        <p:nvSpPr>
+          <p:cNvPr id="10" name="Arrow: Right 9">
+            <a:extLst>
+              <a:ext uri="{FF2B5EF4-FFF2-40B4-BE49-F238E27FC236}">
+                <a16:creationId xmlns:a16="http://schemas.microsoft.com/office/drawing/2014/main" id="{86D6001B-C836-4469-86D7-43A89BE5EBEF}"/>
+              </a:ext>
+            </a:extLst>
+          </p:cNvPr>
+          <p:cNvSpPr/>
+          <p:nvPr/>
+        </p:nvSpPr>
+        <p:spPr bwMode="auto">
+          <a:xfrm>
+            <a:off x="342900" y="699795"/>
+            <a:ext cx="4102100" cy="760705"/>
+          </a:xfrm>
+          <a:prstGeom prst="rightArrow">
+            <a:avLst/>
+          </a:prstGeom>
+          <a:solidFill>
+            <a:srgbClr val="04294A"/>
+          </a:solidFill>
+          <a:ln w="9525" cap="flat" cmpd="sng" algn="ctr">
+            <a:noFill/>
+            <a:prstDash val="solid"/>
+            <a:round/>
+            <a:headEnd type="none" w="med" len="med"/>
+            <a:tailEnd type="none" w="med" len="med"/>
+          </a:ln>
+          <a:effectLst/>
+        </p:spPr>
+        <p:txBody>
+          <a:bodyPr vert="horz" wrap="square" lIns="91440" tIns="45720" rIns="91440" bIns="45720" numCol="1" rtlCol="0" anchor="t" anchorCtr="0" compatLnSpc="1">
+            <a:prstTxWarp prst="textNoShape">
+              <a:avLst/>
+            </a:prstTxWarp>
+          </a:bodyPr>
+          <a:lstStyle/>
+          <a:p>
+            <a:pPr marL="0" marR="0" indent="0" algn="ctr" defTabSz="914400" rtl="0" eaLnBrk="0" fontAlgn="base" latinLnBrk="0" hangingPunct="0">
+              <a:lnSpc>
+                <a:spcPct val="100000"/>
+              </a:lnSpc>
+              <a:spcBef>
+                <a:spcPct val="0"/>
+              </a:spcBef>
+              <a:spcAft>
+                <a:spcPct val="0"/>
+              </a:spcAft>
+              <a:buClrTx/>
+              <a:buSzTx/>
+              <a:buFontTx/>
+              <a:buNone/>
+              <a:tabLst/>
+            </a:pPr>
+            <a:r>
+              <a:rPr kumimoji="0" lang="en-US" sz="1600" b="0" i="0" u="none" strike="noStrike" cap="none" normalizeH="0" baseline="0" dirty="0">
+                <a:ln>
+                  <a:noFill/>
+                </a:ln>
+                <a:solidFill>
+                  <a:schemeClr val="bg1"/>
+                </a:solidFill>
+                <a:effectLst/>
+              </a:rPr>
+              <a:t>Top </a:t>
+            </a:r>
+            <a:r>
+              <a:rPr lang="en-US" sz="1600" dirty="0">
+                <a:solidFill>
+                  <a:schemeClr val="bg1"/>
+                </a:solidFill>
+              </a:rPr>
+              <a:t>5 States with Highest Increases</a:t>
+            </a:r>
+            <a:endParaRPr kumimoji="0" lang="en-US" sz="1600" b="0" i="0" u="none" strike="noStrike" cap="none" normalizeH="0" baseline="0" dirty="0">
+              <a:ln>
+                <a:noFill/>
+              </a:ln>
+              <a:solidFill>
+                <a:schemeClr val="bg1"/>
+              </a:solidFill>
+              <a:effectLst/>
+            </a:endParaRPr>
+          </a:p>
+        </p:txBody>
+      </p:sp>
+      <p:sp>
+        <p:nvSpPr>
+          <p:cNvPr id="11" name="Arrow: Right 10">
+            <a:extLst>
+              <a:ext uri="{FF2B5EF4-FFF2-40B4-BE49-F238E27FC236}">
+                <a16:creationId xmlns:a16="http://schemas.microsoft.com/office/drawing/2014/main" id="{F920C91F-D197-47D4-9983-F88DA8D924CB}"/>
+              </a:ext>
+            </a:extLst>
+          </p:cNvPr>
+          <p:cNvSpPr/>
+          <p:nvPr/>
+        </p:nvSpPr>
+        <p:spPr bwMode="auto">
+          <a:xfrm>
+            <a:off x="4743450" y="699796"/>
+            <a:ext cx="4095750" cy="760704"/>
+          </a:xfrm>
+          <a:prstGeom prst="rightArrow">
+            <a:avLst/>
+          </a:prstGeom>
+          <a:solidFill>
+            <a:schemeClr val="bg1">
+              <a:lumMod val="75000"/>
+            </a:schemeClr>
+          </a:solidFill>
+          <a:ln w="9525" cap="flat" cmpd="sng" algn="ctr">
+            <a:noFill/>
+            <a:prstDash val="solid"/>
+            <a:round/>
+            <a:headEnd type="none" w="med" len="med"/>
+            <a:tailEnd type="none" w="med" len="med"/>
+          </a:ln>
+          <a:effectLst/>
+        </p:spPr>
+        <p:txBody>
+          <a:bodyPr vert="horz" wrap="square" lIns="91440" tIns="45720" rIns="91440" bIns="45720" numCol="1" rtlCol="0" anchor="t" anchorCtr="0" compatLnSpc="1">
+            <a:prstTxWarp prst="textNoShape">
+              <a:avLst/>
+            </a:prstTxWarp>
+          </a:bodyPr>
+          <a:lstStyle/>
+          <a:p>
+            <a:pPr marL="0" marR="0" indent="0" algn="ctr" defTabSz="914400" rtl="0" eaLnBrk="0" fontAlgn="base" latinLnBrk="0" hangingPunct="0">
+              <a:lnSpc>
+                <a:spcPct val="100000"/>
+              </a:lnSpc>
+              <a:spcBef>
+                <a:spcPct val="0"/>
+              </a:spcBef>
+              <a:spcAft>
+                <a:spcPct val="0"/>
+              </a:spcAft>
+              <a:buClrTx/>
+              <a:buSzTx/>
+              <a:buFontTx/>
+              <a:buNone/>
+              <a:tabLst/>
+            </a:pPr>
+            <a:r>
+              <a:rPr lang="en-US" sz="1600" dirty="0">
+                <a:solidFill>
+                  <a:schemeClr val="bg1"/>
+                </a:solidFill>
+              </a:rPr>
+              <a:t>Top 5 States with Highest Decreases</a:t>
+            </a:r>
+            <a:endParaRPr kumimoji="0" lang="en-US" sz="1400" b="0" i="0" u="none" strike="noStrike" cap="none" normalizeH="0" baseline="0" dirty="0">
+              <a:ln>
+                <a:noFill/>
+              </a:ln>
+              <a:solidFill>
+                <a:schemeClr val="bg1"/>
+              </a:solidFill>
+              <a:effectLst/>
+            </a:endParaRPr>
+          </a:p>
+        </p:txBody>
+      </p:sp>
+      <p:sp>
+        <p:nvSpPr>
+          <p:cNvPr id="3" name="Slide Number Placeholder 2">
+            <a:extLst>
+              <a:ext uri="{FF2B5EF4-FFF2-40B4-BE49-F238E27FC236}">
+                <a16:creationId xmlns:a16="http://schemas.microsoft.com/office/drawing/2014/main" id="{B038DDCE-306F-4686-98CF-50E1585FDA35}"/>
+              </a:ext>
+            </a:extLst>
+          </p:cNvPr>
+          <p:cNvSpPr>
+            <a:spLocks noGrp="1"/>
+          </p:cNvSpPr>
+          <p:nvPr>
+            <p:ph type="sldNum" sz="quarter" idx="10"/>
+          </p:nvPr>
+        </p:nvSpPr>
+        <p:spPr/>
+        <p:txBody>
+          <a:bodyPr/>
+          <a:lstStyle/>
+          <a:p>
+            <a:fld id="{D4325D4D-289E-48C1-B277-2BEB492A7D19}" type="slidenum">
+              <a:rPr lang="en-US" smtClean="0"/>
+              <a:pPr/>
+              <a:t>10</a:t>
+            </a:fld>
+            <a:endParaRPr lang="en-US" dirty="0"/>
+          </a:p>
+        </p:txBody>
+      </p:sp>
+    </p:spTree>
+    <p:extLst>
+      <p:ext uri="{BB962C8B-B14F-4D97-AF65-F5344CB8AC3E}">
+        <p14:creationId xmlns:p14="http://schemas.microsoft.com/office/powerpoint/2010/main" val="354157766"/>
+      </p:ext>
+    </p:extLst>
+  </p:cSld>
+  <p:clrMapOvr>
+    <a:masterClrMapping/>
+  </p:clrMapOvr>
+</p:sld>
+</file>
+
+<file path=ppt/slides/slide11.xml><?xml version="1.0" encoding="utf-8"?>
+<p:sld xmlns:a="http://schemas.openxmlformats.org/drawingml/2006/main" xmlns:r="http://schemas.openxmlformats.org/officeDocument/2006/relationships" xmlns:p="http://schemas.openxmlformats.org/presentationml/2006/main">
+  <p:cSld>
+    <p:spTree>
+      <p:nvGrpSpPr>
+        <p:cNvPr id="1" name=""/>
+        <p:cNvGrpSpPr/>
+        <p:nvPr/>
+      </p:nvGrpSpPr>
+      <p:grpSpPr>
+        <a:xfrm>
+          <a:off x="0" y="0"/>
+          <a:ext cx="0" cy="0"/>
+          <a:chOff x="0" y="0"/>
+          <a:chExt cx="0" cy="0"/>
+        </a:xfrm>
+      </p:grpSpPr>
+      <p:sp>
+        <p:nvSpPr>
+          <p:cNvPr id="2" name="Title 1">
+            <a:extLst>
+              <a:ext uri="{FF2B5EF4-FFF2-40B4-BE49-F238E27FC236}">
+                <a16:creationId xmlns:a16="http://schemas.microsoft.com/office/drawing/2014/main" id="{C8D4A959-0AA5-4C02-BA72-123A9AEABFEF}"/>
+              </a:ext>
+            </a:extLst>
+          </p:cNvPr>
+          <p:cNvSpPr>
+            <a:spLocks noGrp="1"/>
+          </p:cNvSpPr>
+          <p:nvPr>
+            <p:ph type="title"/>
+          </p:nvPr>
+        </p:nvSpPr>
+        <p:spPr>
+          <a:xfrm>
+            <a:off x="1" y="-2"/>
+            <a:ext cx="9144000" cy="699797"/>
+          </a:xfrm>
+        </p:spPr>
+        <p:txBody>
+          <a:bodyPr/>
+          <a:lstStyle/>
+          <a:p>
+            <a:pPr marL="457200" indent="-457200">
+              <a:buFont typeface="+mj-lt"/>
+              <a:buAutoNum type="arabicPeriod" startAt="2"/>
+            </a:pPr>
+            <a:r>
+              <a:rPr lang="en-US" sz="2000" dirty="0">
+                <a:latin typeface="Arial" panose="020B0604020202020204" pitchFamily="34" charset="0"/>
+              </a:rPr>
               <a:t>What consumer/market variables affected median housing prices since 2008?</a:t>
             </a:r>
             <a:endParaRPr lang="en-US" sz="2000" dirty="0">
@@ -12543,7 +12963,7 @@
             <a:fld id="{D4325D4D-289E-48C1-B277-2BEB492A7D19}" type="slidenum">
               <a:rPr lang="en-US" smtClean="0"/>
               <a:pPr/>
-              <a:t>10</a:t>
+              <a:t>11</a:t>
             </a:fld>
             <a:endParaRPr lang="en-US" dirty="0"/>
           </a:p>
@@ -12562,7 +12982,7 @@
 </p:sld>
 </file>
 
-<file path=ppt/slides/slide11.xml><?xml version="1.0" encoding="utf-8"?>
+<file path=ppt/slides/slide12.xml><?xml version="1.0" encoding="utf-8"?>
 <p:sld xmlns:a="http://schemas.openxmlformats.org/drawingml/2006/main" xmlns:r="http://schemas.openxmlformats.org/officeDocument/2006/relationships" xmlns:p="http://schemas.openxmlformats.org/presentationml/2006/main">
   <p:cSld>
     <p:spTree>
@@ -12773,7 +13193,7 @@
             <a:fld id="{D4325D4D-289E-48C1-B277-2BEB492A7D19}" type="slidenum">
               <a:rPr lang="en-US" smtClean="0"/>
               <a:pPr/>
-              <a:t>11</a:t>
+              <a:t>12</a:t>
             </a:fld>
             <a:endParaRPr lang="en-US" dirty="0"/>
           </a:p>
@@ -12792,7 +13212,7 @@
 </p:sld>
 </file>
 
-<file path=ppt/slides/slide12.xml><?xml version="1.0" encoding="utf-8"?>
+<file path=ppt/slides/slide13.xml><?xml version="1.0" encoding="utf-8"?>
 <p:sld xmlns:a="http://schemas.openxmlformats.org/drawingml/2006/main" xmlns:r="http://schemas.openxmlformats.org/officeDocument/2006/relationships" xmlns:p="http://schemas.openxmlformats.org/presentationml/2006/main">
   <p:cSld>
     <p:spTree>
@@ -13311,7 +13731,7 @@
             <a:fld id="{D4325D4D-289E-48C1-B277-2BEB492A7D19}" type="slidenum">
               <a:rPr lang="en-US" smtClean="0"/>
               <a:pPr/>
-              <a:t>12</a:t>
+              <a:t>13</a:t>
             </a:fld>
             <a:endParaRPr lang="en-US" dirty="0"/>
           </a:p>
@@ -13330,7 +13750,7 @@
 </p:sld>
 </file>
 
-<file path=ppt/slides/slide13.xml><?xml version="1.0" encoding="utf-8"?>
+<file path=ppt/slides/slide14.xml><?xml version="1.0" encoding="utf-8"?>
 <p:sld xmlns:a="http://schemas.openxmlformats.org/drawingml/2006/main" xmlns:r="http://schemas.openxmlformats.org/officeDocument/2006/relationships" xmlns:p="http://schemas.openxmlformats.org/presentationml/2006/main">
   <p:cSld>
     <p:spTree>
@@ -13347,6 +13767,42 @@
           <a:chExt cx="0" cy="0"/>
         </a:xfrm>
       </p:grpSpPr>
+      <p:pic>
+        <p:nvPicPr>
+          <p:cNvPr id="4" name="Picture 3" descr="A close up of a map&#10;&#10;Description automatically generated">
+            <a:extLst>
+              <a:ext uri="{FF2B5EF4-FFF2-40B4-BE49-F238E27FC236}">
+                <a16:creationId xmlns:a16="http://schemas.microsoft.com/office/drawing/2014/main" id="{F3A01216-0EA2-4F42-9852-8DE7E370406F}"/>
+              </a:ext>
+            </a:extLst>
+          </p:cNvPr>
+          <p:cNvPicPr>
+            <a:picLocks noChangeAspect="1"/>
+          </p:cNvPicPr>
+          <p:nvPr/>
+        </p:nvPicPr>
+        <p:blipFill>
+          <a:blip r:embed="rId3">
+            <a:extLst>
+              <a:ext uri="{28A0092B-C50C-407E-A947-70E740481C1C}">
+                <a14:useLocalDpi xmlns:a14="http://schemas.microsoft.com/office/drawing/2010/main" val="0"/>
+              </a:ext>
+            </a:extLst>
+          </a:blip>
+          <a:stretch>
+            <a:fillRect/>
+          </a:stretch>
+        </p:blipFill>
+        <p:spPr>
+          <a:xfrm>
+            <a:off x="-1" y="889993"/>
+            <a:ext cx="9144002" cy="6336429"/>
+          </a:xfrm>
+          <a:prstGeom prst="rect">
+            <a:avLst/>
+          </a:prstGeom>
+        </p:spPr>
+      </p:pic>
       <p:sp>
         <p:nvSpPr>
           <p:cNvPr id="13" name="Title 1">
@@ -13636,48 +14092,12 @@
             <a:fld id="{D4325D4D-289E-48C1-B277-2BEB492A7D19}" type="slidenum">
               <a:rPr lang="en-US" smtClean="0"/>
               <a:pPr/>
-              <a:t>13</a:t>
+              <a:t>14</a:t>
             </a:fld>
             <a:endParaRPr lang="en-US" dirty="0"/>
           </a:p>
         </p:txBody>
       </p:sp>
-      <p:pic>
-        <p:nvPicPr>
-          <p:cNvPr id="4" name="Picture 3" descr="A close up of a map&#10;&#10;Description automatically generated">
-            <a:extLst>
-              <a:ext uri="{FF2B5EF4-FFF2-40B4-BE49-F238E27FC236}">
-                <a16:creationId xmlns:a16="http://schemas.microsoft.com/office/drawing/2014/main" id="{F3A01216-0EA2-4F42-9852-8DE7E370406F}"/>
-              </a:ext>
-            </a:extLst>
-          </p:cNvPr>
-          <p:cNvPicPr>
-            <a:picLocks noChangeAspect="1"/>
-          </p:cNvPicPr>
-          <p:nvPr/>
-        </p:nvPicPr>
-        <p:blipFill>
-          <a:blip r:embed="rId3">
-            <a:extLst>
-              <a:ext uri="{28A0092B-C50C-407E-A947-70E740481C1C}">
-                <a14:useLocalDpi xmlns:a14="http://schemas.microsoft.com/office/drawing/2010/main" val="0"/>
-              </a:ext>
-            </a:extLst>
-          </a:blip>
-          <a:stretch>
-            <a:fillRect/>
-          </a:stretch>
-        </p:blipFill>
-        <p:spPr>
-          <a:xfrm>
-            <a:off x="469021" y="1373479"/>
-            <a:ext cx="8787782" cy="5905862"/>
-          </a:xfrm>
-          <a:prstGeom prst="rect">
-            <a:avLst/>
-          </a:prstGeom>
-        </p:spPr>
-      </p:pic>
     </p:spTree>
     <p:extLst>
       <p:ext uri="{BB962C8B-B14F-4D97-AF65-F5344CB8AC3E}">
@@ -13691,7 +14111,7 @@
 </p:sld>
 </file>
 
-<file path=ppt/slides/slide14.xml><?xml version="1.0" encoding="utf-8"?>
+<file path=ppt/slides/slide15.xml><?xml version="1.0" encoding="utf-8"?>
 <p:sld xmlns:a="http://schemas.openxmlformats.org/drawingml/2006/main" xmlns:r="http://schemas.openxmlformats.org/officeDocument/2006/relationships" xmlns:p="http://schemas.openxmlformats.org/presentationml/2006/main">
   <p:cSld>
     <p:spTree>
@@ -14210,7 +14630,7 @@
             <a:fld id="{D4325D4D-289E-48C1-B277-2BEB492A7D19}" type="slidenum">
               <a:rPr lang="en-US" smtClean="0"/>
               <a:pPr/>
-              <a:t>14</a:t>
+              <a:t>15</a:t>
             </a:fld>
             <a:endParaRPr lang="en-US" dirty="0"/>
           </a:p>
@@ -14229,7 +14649,7 @@
 </p:sld>
 </file>
 
-<file path=ppt/slides/slide15.xml><?xml version="1.0" encoding="utf-8"?>
+<file path=ppt/slides/slide16.xml><?xml version="1.0" encoding="utf-8"?>
 <p:sld xmlns:a="http://schemas.openxmlformats.org/drawingml/2006/main" xmlns:r="http://schemas.openxmlformats.org/officeDocument/2006/relationships" xmlns:p="http://schemas.openxmlformats.org/presentationml/2006/main">
   <p:cSld>
     <p:spTree>
@@ -14748,7 +15168,7 @@
             <a:fld id="{D4325D4D-289E-48C1-B277-2BEB492A7D19}" type="slidenum">
               <a:rPr lang="en-US" smtClean="0"/>
               <a:pPr/>
-              <a:t>15</a:t>
+              <a:t>16</a:t>
             </a:fld>
             <a:endParaRPr lang="en-US" dirty="0"/>
           </a:p>
@@ -14767,7 +15187,7 @@
 </p:sld>
 </file>
 
-<file path=ppt/slides/slide16.xml><?xml version="1.0" encoding="utf-8"?>
+<file path=ppt/slides/slide17.xml><?xml version="1.0" encoding="utf-8"?>
 <p:sld xmlns:a="http://schemas.openxmlformats.org/drawingml/2006/main" xmlns:r="http://schemas.openxmlformats.org/officeDocument/2006/relationships" xmlns:p="http://schemas.openxmlformats.org/presentationml/2006/main">
   <p:cSld>
     <p:spTree>
@@ -14893,7 +15313,7 @@
             <a:fld id="{D4325D4D-289E-48C1-B277-2BEB492A7D19}" type="slidenum">
               <a:rPr lang="en-US" smtClean="0"/>
               <a:pPr/>
-              <a:t>16</a:t>
+              <a:t>17</a:t>
             </a:fld>
             <a:endParaRPr lang="en-US" dirty="0"/>
           </a:p>
@@ -14984,7 +15404,7 @@
 </p:sld>
 </file>
 
-<file path=ppt/slides/slide17.xml><?xml version="1.0" encoding="utf-8"?>
+<file path=ppt/slides/slide18.xml><?xml version="1.0" encoding="utf-8"?>
 <p:sld xmlns:a="http://schemas.openxmlformats.org/drawingml/2006/main" xmlns:r="http://schemas.openxmlformats.org/officeDocument/2006/relationships" xmlns:p="http://schemas.openxmlformats.org/presentationml/2006/main">
   <p:cSld>
     <p:spTree>
@@ -15147,7 +15567,7 @@
             <a:fld id="{D4325D4D-289E-48C1-B277-2BEB492A7D19}" type="slidenum">
               <a:rPr lang="en-US" smtClean="0"/>
               <a:pPr/>
-              <a:t>17</a:t>
+              <a:t>18</a:t>
             </a:fld>
             <a:endParaRPr lang="en-US" dirty="0"/>
           </a:p>
@@ -15166,7 +15586,7 @@
 </p:sld>
 </file>
 
-<file path=ppt/slides/slide18.xml><?xml version="1.0" encoding="utf-8"?>
+<file path=ppt/slides/slide19.xml><?xml version="1.0" encoding="utf-8"?>
 <p:sld xmlns:a="http://schemas.openxmlformats.org/drawingml/2006/main" xmlns:r="http://schemas.openxmlformats.org/officeDocument/2006/relationships" xmlns:p="http://schemas.openxmlformats.org/presentationml/2006/main">
   <p:cSld>
     <p:spTree>
@@ -15371,7 +15791,7 @@
             <a:fld id="{D4325D4D-289E-48C1-B277-2BEB492A7D19}" type="slidenum">
               <a:rPr lang="en-US" smtClean="0"/>
               <a:pPr/>
-              <a:t>18</a:t>
+              <a:t>19</a:t>
             </a:fld>
             <a:endParaRPr lang="en-US" dirty="0"/>
           </a:p>
@@ -15390,7 +15810,194 @@
 </p:sld>
 </file>
 
-<file path=ppt/slides/slide19.xml><?xml version="1.0" encoding="utf-8"?>
+<file path=ppt/slides/slide2.xml><?xml version="1.0" encoding="utf-8"?>
+<p:sld xmlns:a="http://schemas.openxmlformats.org/drawingml/2006/main" xmlns:r="http://schemas.openxmlformats.org/officeDocument/2006/relationships" xmlns:p="http://schemas.openxmlformats.org/presentationml/2006/main">
+  <p:cSld>
+    <p:spTree>
+      <p:nvGrpSpPr>
+        <p:cNvPr id="1" name=""/>
+        <p:cNvGrpSpPr/>
+        <p:nvPr/>
+      </p:nvGrpSpPr>
+      <p:grpSpPr>
+        <a:xfrm>
+          <a:off x="0" y="0"/>
+          <a:ext cx="0" cy="0"/>
+          <a:chOff x="0" y="0"/>
+          <a:chExt cx="0" cy="0"/>
+        </a:xfrm>
+      </p:grpSpPr>
+      <p:sp>
+        <p:nvSpPr>
+          <p:cNvPr id="2" name="Title 1">
+            <a:extLst>
+              <a:ext uri="{FF2B5EF4-FFF2-40B4-BE49-F238E27FC236}">
+                <a16:creationId xmlns:a16="http://schemas.microsoft.com/office/drawing/2014/main" id="{3C5C91A7-C65C-4043-96F3-E31A494B636F}"/>
+              </a:ext>
+            </a:extLst>
+          </p:cNvPr>
+          <p:cNvSpPr>
+            <a:spLocks noGrp="1"/>
+          </p:cNvSpPr>
+          <p:nvPr>
+            <p:ph type="title"/>
+          </p:nvPr>
+        </p:nvSpPr>
+        <p:spPr/>
+        <p:txBody>
+          <a:bodyPr/>
+          <a:lstStyle/>
+          <a:p>
+            <a:r>
+              <a:rPr lang="en-US" dirty="0"/>
+              <a:t>Agenda</a:t>
+            </a:r>
+          </a:p>
+        </p:txBody>
+      </p:sp>
+      <p:sp>
+        <p:nvSpPr>
+          <p:cNvPr id="3" name="Content Placeholder 2">
+            <a:extLst>
+              <a:ext uri="{FF2B5EF4-FFF2-40B4-BE49-F238E27FC236}">
+                <a16:creationId xmlns:a16="http://schemas.microsoft.com/office/drawing/2014/main" id="{84FDFB3A-14FD-49FB-87FF-0B32449D8D88}"/>
+              </a:ext>
+            </a:extLst>
+          </p:cNvPr>
+          <p:cNvSpPr>
+            <a:spLocks noGrp="1"/>
+          </p:cNvSpPr>
+          <p:nvPr>
+            <p:ph idx="1"/>
+          </p:nvPr>
+        </p:nvSpPr>
+        <p:spPr>
+          <a:xfrm>
+            <a:off x="457200" y="937418"/>
+            <a:ext cx="8229600" cy="4983163"/>
+          </a:xfrm>
+        </p:spPr>
+        <p:txBody>
+          <a:bodyPr/>
+          <a:lstStyle/>
+          <a:p>
+            <a:r>
+              <a:rPr lang="en-US" dirty="0"/>
+              <a:t>Project Overview</a:t>
+            </a:r>
+          </a:p>
+          <a:p>
+            <a:pPr marL="0" indent="0">
+              <a:buNone/>
+            </a:pPr>
+            <a:endParaRPr lang="en-US" dirty="0"/>
+          </a:p>
+          <a:p>
+            <a:r>
+              <a:rPr lang="en-US" dirty="0"/>
+              <a:t>Key Questions &amp; Data Sources/Data Used</a:t>
+            </a:r>
+          </a:p>
+          <a:p>
+            <a:pPr marL="0" indent="0">
+              <a:buNone/>
+            </a:pPr>
+            <a:endParaRPr lang="en-US" dirty="0"/>
+          </a:p>
+          <a:p>
+            <a:r>
+              <a:rPr lang="en-US" dirty="0"/>
+              <a:t>Data Cleanup &amp; Exploration</a:t>
+            </a:r>
+          </a:p>
+          <a:p>
+            <a:pPr marL="0" indent="0">
+              <a:buNone/>
+            </a:pPr>
+            <a:endParaRPr lang="en-US" dirty="0"/>
+          </a:p>
+          <a:p>
+            <a:r>
+              <a:rPr lang="en-US" dirty="0"/>
+              <a:t>Data Analysis Process + Answered Questions</a:t>
+            </a:r>
+          </a:p>
+          <a:p>
+            <a:pPr marL="0" indent="0">
+              <a:buNone/>
+            </a:pPr>
+            <a:endParaRPr lang="en-US" dirty="0"/>
+          </a:p>
+          <a:p>
+            <a:r>
+              <a:rPr lang="en-US" dirty="0"/>
+              <a:t>Discussion of Results</a:t>
+            </a:r>
+          </a:p>
+          <a:p>
+            <a:endParaRPr lang="en-US" dirty="0"/>
+          </a:p>
+          <a:p>
+            <a:r>
+              <a:rPr lang="en-US" dirty="0"/>
+              <a:t>Postmortem &amp; Future Research</a:t>
+            </a:r>
+          </a:p>
+          <a:p>
+            <a:endParaRPr lang="en-US" dirty="0"/>
+          </a:p>
+          <a:p>
+            <a:r>
+              <a:rPr lang="en-US" dirty="0"/>
+              <a:t>Questions</a:t>
+            </a:r>
+          </a:p>
+        </p:txBody>
+      </p:sp>
+      <p:sp>
+        <p:nvSpPr>
+          <p:cNvPr id="4" name="Slide Number Placeholder 3">
+            <a:extLst>
+              <a:ext uri="{FF2B5EF4-FFF2-40B4-BE49-F238E27FC236}">
+                <a16:creationId xmlns:a16="http://schemas.microsoft.com/office/drawing/2014/main" id="{40E1616E-4E85-49CA-9563-E5D07C792742}"/>
+              </a:ext>
+            </a:extLst>
+          </p:cNvPr>
+          <p:cNvSpPr>
+            <a:spLocks noGrp="1"/>
+          </p:cNvSpPr>
+          <p:nvPr>
+            <p:ph type="sldNum" sz="quarter" idx="10"/>
+          </p:nvPr>
+        </p:nvSpPr>
+        <p:spPr/>
+        <p:txBody>
+          <a:bodyPr/>
+          <a:lstStyle/>
+          <a:p>
+            <a:fld id="{D4325D4D-289E-48C1-B277-2BEB492A7D19}" type="slidenum">
+              <a:rPr lang="en-US" smtClean="0"/>
+              <a:pPr/>
+              <a:t>2</a:t>
+            </a:fld>
+            <a:endParaRPr lang="en-US" dirty="0"/>
+          </a:p>
+        </p:txBody>
+      </p:sp>
+    </p:spTree>
+    <p:extLst>
+      <p:ext uri="{BB962C8B-B14F-4D97-AF65-F5344CB8AC3E}">
+        <p14:creationId xmlns:p14="http://schemas.microsoft.com/office/powerpoint/2010/main" val="4106002739"/>
+      </p:ext>
+    </p:extLst>
+  </p:cSld>
+  <p:clrMapOvr>
+    <a:masterClrMapping/>
+  </p:clrMapOvr>
+</p:sld>
+</file>
+
+<file path=ppt/slides/slide20.xml><?xml version="1.0" encoding="utf-8"?>
 <p:sld xmlns:a="http://schemas.openxmlformats.org/drawingml/2006/main" xmlns:r="http://schemas.openxmlformats.org/officeDocument/2006/relationships" xmlns:p="http://schemas.openxmlformats.org/presentationml/2006/main">
   <p:cSld>
     <p:bg>
@@ -15493,7 +16100,7 @@
             <a:fld id="{D4325D4D-289E-48C1-B277-2BEB492A7D19}" type="slidenum">
               <a:rPr lang="en-US" smtClean="0"/>
               <a:pPr/>
-              <a:t>19</a:t>
+              <a:t>20</a:t>
             </a:fld>
             <a:endParaRPr lang="en-US" dirty="0"/>
           </a:p>
@@ -15512,194 +16119,7 @@
 </p:sld>
 </file>
 
-<file path=ppt/slides/slide2.xml><?xml version="1.0" encoding="utf-8"?>
-<p:sld xmlns:a="http://schemas.openxmlformats.org/drawingml/2006/main" xmlns:r="http://schemas.openxmlformats.org/officeDocument/2006/relationships" xmlns:p="http://schemas.openxmlformats.org/presentationml/2006/main">
-  <p:cSld>
-    <p:spTree>
-      <p:nvGrpSpPr>
-        <p:cNvPr id="1" name=""/>
-        <p:cNvGrpSpPr/>
-        <p:nvPr/>
-      </p:nvGrpSpPr>
-      <p:grpSpPr>
-        <a:xfrm>
-          <a:off x="0" y="0"/>
-          <a:ext cx="0" cy="0"/>
-          <a:chOff x="0" y="0"/>
-          <a:chExt cx="0" cy="0"/>
-        </a:xfrm>
-      </p:grpSpPr>
-      <p:sp>
-        <p:nvSpPr>
-          <p:cNvPr id="2" name="Title 1">
-            <a:extLst>
-              <a:ext uri="{FF2B5EF4-FFF2-40B4-BE49-F238E27FC236}">
-                <a16:creationId xmlns:a16="http://schemas.microsoft.com/office/drawing/2014/main" id="{3C5C91A7-C65C-4043-96F3-E31A494B636F}"/>
-              </a:ext>
-            </a:extLst>
-          </p:cNvPr>
-          <p:cNvSpPr>
-            <a:spLocks noGrp="1"/>
-          </p:cNvSpPr>
-          <p:nvPr>
-            <p:ph type="title"/>
-          </p:nvPr>
-        </p:nvSpPr>
-        <p:spPr/>
-        <p:txBody>
-          <a:bodyPr/>
-          <a:lstStyle/>
-          <a:p>
-            <a:r>
-              <a:rPr lang="en-US" dirty="0"/>
-              <a:t>Agenda</a:t>
-            </a:r>
-          </a:p>
-        </p:txBody>
-      </p:sp>
-      <p:sp>
-        <p:nvSpPr>
-          <p:cNvPr id="3" name="Content Placeholder 2">
-            <a:extLst>
-              <a:ext uri="{FF2B5EF4-FFF2-40B4-BE49-F238E27FC236}">
-                <a16:creationId xmlns:a16="http://schemas.microsoft.com/office/drawing/2014/main" id="{84FDFB3A-14FD-49FB-87FF-0B32449D8D88}"/>
-              </a:ext>
-            </a:extLst>
-          </p:cNvPr>
-          <p:cNvSpPr>
-            <a:spLocks noGrp="1"/>
-          </p:cNvSpPr>
-          <p:nvPr>
-            <p:ph idx="1"/>
-          </p:nvPr>
-        </p:nvSpPr>
-        <p:spPr>
-          <a:xfrm>
-            <a:off x="457200" y="937418"/>
-            <a:ext cx="8229600" cy="4983163"/>
-          </a:xfrm>
-        </p:spPr>
-        <p:txBody>
-          <a:bodyPr/>
-          <a:lstStyle/>
-          <a:p>
-            <a:r>
-              <a:rPr lang="en-US" dirty="0"/>
-              <a:t>Project Overview</a:t>
-            </a:r>
-          </a:p>
-          <a:p>
-            <a:pPr marL="0" indent="0">
-              <a:buNone/>
-            </a:pPr>
-            <a:endParaRPr lang="en-US" dirty="0"/>
-          </a:p>
-          <a:p>
-            <a:r>
-              <a:rPr lang="en-US" dirty="0"/>
-              <a:t>Key Questions &amp; Data Sources/Data Used</a:t>
-            </a:r>
-          </a:p>
-          <a:p>
-            <a:pPr marL="0" indent="0">
-              <a:buNone/>
-            </a:pPr>
-            <a:endParaRPr lang="en-US" dirty="0"/>
-          </a:p>
-          <a:p>
-            <a:r>
-              <a:rPr lang="en-US" dirty="0"/>
-              <a:t>Data Cleanup &amp; Exploration</a:t>
-            </a:r>
-          </a:p>
-          <a:p>
-            <a:pPr marL="0" indent="0">
-              <a:buNone/>
-            </a:pPr>
-            <a:endParaRPr lang="en-US" dirty="0"/>
-          </a:p>
-          <a:p>
-            <a:r>
-              <a:rPr lang="en-US" dirty="0"/>
-              <a:t>Data Analysis Process + Answered Questions</a:t>
-            </a:r>
-          </a:p>
-          <a:p>
-            <a:pPr marL="0" indent="0">
-              <a:buNone/>
-            </a:pPr>
-            <a:endParaRPr lang="en-US" dirty="0"/>
-          </a:p>
-          <a:p>
-            <a:r>
-              <a:rPr lang="en-US" dirty="0"/>
-              <a:t>Discussion of Results</a:t>
-            </a:r>
-          </a:p>
-          <a:p>
-            <a:endParaRPr lang="en-US" dirty="0"/>
-          </a:p>
-          <a:p>
-            <a:r>
-              <a:rPr lang="en-US" dirty="0"/>
-              <a:t>Postmortem &amp; Future Research</a:t>
-            </a:r>
-          </a:p>
-          <a:p>
-            <a:endParaRPr lang="en-US" dirty="0"/>
-          </a:p>
-          <a:p>
-            <a:r>
-              <a:rPr lang="en-US" dirty="0"/>
-              <a:t>Questions</a:t>
-            </a:r>
-          </a:p>
-        </p:txBody>
-      </p:sp>
-      <p:sp>
-        <p:nvSpPr>
-          <p:cNvPr id="4" name="Slide Number Placeholder 3">
-            <a:extLst>
-              <a:ext uri="{FF2B5EF4-FFF2-40B4-BE49-F238E27FC236}">
-                <a16:creationId xmlns:a16="http://schemas.microsoft.com/office/drawing/2014/main" id="{40E1616E-4E85-49CA-9563-E5D07C792742}"/>
-              </a:ext>
-            </a:extLst>
-          </p:cNvPr>
-          <p:cNvSpPr>
-            <a:spLocks noGrp="1"/>
-          </p:cNvSpPr>
-          <p:nvPr>
-            <p:ph type="sldNum" sz="quarter" idx="10"/>
-          </p:nvPr>
-        </p:nvSpPr>
-        <p:spPr/>
-        <p:txBody>
-          <a:bodyPr/>
-          <a:lstStyle/>
-          <a:p>
-            <a:fld id="{D4325D4D-289E-48C1-B277-2BEB492A7D19}" type="slidenum">
-              <a:rPr lang="en-US" smtClean="0"/>
-              <a:pPr/>
-              <a:t>2</a:t>
-            </a:fld>
-            <a:endParaRPr lang="en-US" dirty="0"/>
-          </a:p>
-        </p:txBody>
-      </p:sp>
-    </p:spTree>
-    <p:extLst>
-      <p:ext uri="{BB962C8B-B14F-4D97-AF65-F5344CB8AC3E}">
-        <p14:creationId xmlns:p14="http://schemas.microsoft.com/office/powerpoint/2010/main" val="4106002739"/>
-      </p:ext>
-    </p:extLst>
-  </p:cSld>
-  <p:clrMapOvr>
-    <a:masterClrMapping/>
-  </p:clrMapOvr>
-</p:sld>
-</file>
-
-<file path=ppt/slides/slide20.xml><?xml version="1.0" encoding="utf-8"?>
+<file path=ppt/slides/slide21.xml><?xml version="1.0" encoding="utf-8"?>
 <p:sld xmlns:a="http://schemas.openxmlformats.org/drawingml/2006/main" xmlns:r="http://schemas.openxmlformats.org/officeDocument/2006/relationships" xmlns:p="http://schemas.openxmlformats.org/presentationml/2006/main">
   <p:cSld>
     <p:spTree>
@@ -15768,7 +16188,7 @@
             <a:fld id="{D4325D4D-289E-48C1-B277-2BEB492A7D19}" type="slidenum">
               <a:rPr lang="en-US" smtClean="0"/>
               <a:pPr/>
-              <a:t>20</a:t>
+              <a:t>21</a:t>
             </a:fld>
             <a:endParaRPr lang="en-US" dirty="0"/>
           </a:p>
@@ -15787,7 +16207,7 @@
 </p:sld>
 </file>
 
-<file path=ppt/slides/slide21.xml><?xml version="1.0" encoding="utf-8"?>
+<file path=ppt/slides/slide22.xml><?xml version="1.0" encoding="utf-8"?>
 <p:sld xmlns:a="http://schemas.openxmlformats.org/drawingml/2006/main" xmlns:r="http://schemas.openxmlformats.org/officeDocument/2006/relationships" xmlns:p="http://schemas.openxmlformats.org/presentationml/2006/main">
   <p:cSld>
     <p:spTree>
@@ -16186,7 +16606,7 @@
             <a:fld id="{D4325D4D-289E-48C1-B277-2BEB492A7D19}" type="slidenum">
               <a:rPr lang="en-US" smtClean="0"/>
               <a:pPr/>
-              <a:t>21</a:t>
+              <a:t>22</a:t>
             </a:fld>
             <a:endParaRPr lang="en-US" dirty="0"/>
           </a:p>
@@ -16205,7 +16625,7 @@
 </p:sld>
 </file>
 
-<file path=ppt/slides/slide22.xml><?xml version="1.0" encoding="utf-8"?>
+<file path=ppt/slides/slide23.xml><?xml version="1.0" encoding="utf-8"?>
 <p:sld xmlns:a="http://schemas.openxmlformats.org/drawingml/2006/main" xmlns:r="http://schemas.openxmlformats.org/officeDocument/2006/relationships" xmlns:p="http://schemas.openxmlformats.org/presentationml/2006/main">
   <p:cSld>
     <p:spTree>
@@ -16605,7 +17025,7 @@
             <a:fld id="{D4325D4D-289E-48C1-B277-2BEB492A7D19}" type="slidenum">
               <a:rPr lang="en-US" smtClean="0"/>
               <a:pPr/>
-              <a:t>22</a:t>
+              <a:t>23</a:t>
             </a:fld>
             <a:endParaRPr lang="en-US" dirty="0"/>
           </a:p>
@@ -16624,7 +17044,7 @@
 </p:sld>
 </file>
 
-<file path=ppt/slides/slide23.xml><?xml version="1.0" encoding="utf-8"?>
+<file path=ppt/slides/slide24.xml><?xml version="1.0" encoding="utf-8"?>
 <p:sld xmlns:a="http://schemas.openxmlformats.org/drawingml/2006/main" xmlns:r="http://schemas.openxmlformats.org/officeDocument/2006/relationships" xmlns:p="http://schemas.openxmlformats.org/presentationml/2006/main">
   <p:cSld>
     <p:spTree>
@@ -17106,7 +17526,7 @@
             <a:fld id="{D4325D4D-289E-48C1-B277-2BEB492A7D19}" type="slidenum">
               <a:rPr lang="en-US" smtClean="0"/>
               <a:pPr/>
-              <a:t>23</a:t>
+              <a:t>24</a:t>
             </a:fld>
             <a:endParaRPr lang="en-US" dirty="0"/>
           </a:p>
@@ -17125,7 +17545,7 @@
 </p:sld>
 </file>
 
-<file path=ppt/slides/slide24.xml><?xml version="1.0" encoding="utf-8"?>
+<file path=ppt/slides/slide25.xml><?xml version="1.0" encoding="utf-8"?>
 <p:sld xmlns:a="http://schemas.openxmlformats.org/drawingml/2006/main" xmlns:r="http://schemas.openxmlformats.org/officeDocument/2006/relationships" xmlns:p="http://schemas.openxmlformats.org/presentationml/2006/main">
   <p:cSld>
     <p:spTree>
@@ -17607,7 +18027,7 @@
             <a:fld id="{D4325D4D-289E-48C1-B277-2BEB492A7D19}" type="slidenum">
               <a:rPr lang="en-US" smtClean="0"/>
               <a:pPr/>
-              <a:t>24</a:t>
+              <a:t>25</a:t>
             </a:fld>
             <a:endParaRPr lang="en-US" dirty="0"/>
           </a:p>
@@ -17626,7 +18046,7 @@
 </p:sld>
 </file>
 
-<file path=ppt/slides/slide25.xml><?xml version="1.0" encoding="utf-8"?>
+<file path=ppt/slides/slide26.xml><?xml version="1.0" encoding="utf-8"?>
 <p:sld xmlns:a="http://schemas.openxmlformats.org/drawingml/2006/main" xmlns:r="http://schemas.openxmlformats.org/officeDocument/2006/relationships" xmlns:p="http://schemas.openxmlformats.org/presentationml/2006/main">
   <p:cSld>
     <p:spTree>
@@ -18108,7 +18528,7 @@
             <a:fld id="{D4325D4D-289E-48C1-B277-2BEB492A7D19}" type="slidenum">
               <a:rPr lang="en-US" smtClean="0"/>
               <a:pPr/>
-              <a:t>25</a:t>
+              <a:t>26</a:t>
             </a:fld>
             <a:endParaRPr lang="en-US" dirty="0"/>
           </a:p>
@@ -18127,7 +18547,7 @@
 </p:sld>
 </file>
 
-<file path=ppt/slides/slide26.xml><?xml version="1.0" encoding="utf-8"?>
+<file path=ppt/slides/slide27.xml><?xml version="1.0" encoding="utf-8"?>
 <p:sld xmlns:a="http://schemas.openxmlformats.org/drawingml/2006/main" xmlns:r="http://schemas.openxmlformats.org/officeDocument/2006/relationships" xmlns:p="http://schemas.openxmlformats.org/presentationml/2006/main">
   <p:cSld>
     <p:spTree>
@@ -18609,7 +19029,7 @@
             <a:fld id="{D4325D4D-289E-48C1-B277-2BEB492A7D19}" type="slidenum">
               <a:rPr lang="en-US" smtClean="0"/>
               <a:pPr/>
-              <a:t>26</a:t>
+              <a:t>27</a:t>
             </a:fld>
             <a:endParaRPr lang="en-US" dirty="0"/>
           </a:p>
@@ -18628,7 +19048,7 @@
 </p:sld>
 </file>
 
-<file path=ppt/slides/slide27.xml><?xml version="1.0" encoding="utf-8"?>
+<file path=ppt/slides/slide28.xml><?xml version="1.0" encoding="utf-8"?>
 <p:sld xmlns:a="http://schemas.openxmlformats.org/drawingml/2006/main" xmlns:r="http://schemas.openxmlformats.org/officeDocument/2006/relationships" xmlns:p="http://schemas.openxmlformats.org/presentationml/2006/main">
   <p:cSld>
     <p:spTree>
@@ -19110,7 +19530,7 @@
             <a:fld id="{D4325D4D-289E-48C1-B277-2BEB492A7D19}" type="slidenum">
               <a:rPr lang="en-US" smtClean="0"/>
               <a:pPr/>
-              <a:t>27</a:t>
+              <a:t>28</a:t>
             </a:fld>
             <a:endParaRPr lang="en-US" dirty="0"/>
           </a:p>
@@ -19129,7 +19549,7 @@
 </p:sld>
 </file>
 
-<file path=ppt/slides/slide28.xml><?xml version="1.0" encoding="utf-8"?>
+<file path=ppt/slides/slide29.xml><?xml version="1.0" encoding="utf-8"?>
 <p:sld xmlns:a="http://schemas.openxmlformats.org/drawingml/2006/main" xmlns:r="http://schemas.openxmlformats.org/officeDocument/2006/relationships" xmlns:p="http://schemas.openxmlformats.org/presentationml/2006/main">
   <p:cSld>
     <p:spTree>
@@ -19611,7 +20031,7 @@
             <a:fld id="{D4325D4D-289E-48C1-B277-2BEB492A7D19}" type="slidenum">
               <a:rPr lang="en-US" smtClean="0"/>
               <a:pPr/>
-              <a:t>28</a:t>
+              <a:t>29</a:t>
             </a:fld>
             <a:endParaRPr lang="en-US" dirty="0"/>
           </a:p>
@@ -19630,7 +20050,126 @@
 </p:sld>
 </file>
 
-<file path=ppt/slides/slide29.xml><?xml version="1.0" encoding="utf-8"?>
+<file path=ppt/slides/slide3.xml><?xml version="1.0" encoding="utf-8"?>
+<p:sld xmlns:a="http://schemas.openxmlformats.org/drawingml/2006/main" xmlns:r="http://schemas.openxmlformats.org/officeDocument/2006/relationships" xmlns:p="http://schemas.openxmlformats.org/presentationml/2006/main">
+  <p:cSld>
+    <p:spTree>
+      <p:nvGrpSpPr>
+        <p:cNvPr id="1" name=""/>
+        <p:cNvGrpSpPr/>
+        <p:nvPr/>
+      </p:nvGrpSpPr>
+      <p:grpSpPr>
+        <a:xfrm>
+          <a:off x="0" y="0"/>
+          <a:ext cx="0" cy="0"/>
+          <a:chOff x="0" y="0"/>
+          <a:chExt cx="0" cy="0"/>
+        </a:xfrm>
+      </p:grpSpPr>
+      <p:sp>
+        <p:nvSpPr>
+          <p:cNvPr id="2" name="Title 1">
+            <a:extLst>
+              <a:ext uri="{FF2B5EF4-FFF2-40B4-BE49-F238E27FC236}">
+                <a16:creationId xmlns:a16="http://schemas.microsoft.com/office/drawing/2014/main" id="{78E7529F-1494-4581-9539-D7FA926C2DAA}"/>
+              </a:ext>
+            </a:extLst>
+          </p:cNvPr>
+          <p:cNvSpPr>
+            <a:spLocks noGrp="1"/>
+          </p:cNvSpPr>
+          <p:nvPr>
+            <p:ph type="title"/>
+          </p:nvPr>
+        </p:nvSpPr>
+        <p:spPr/>
+        <p:txBody>
+          <a:bodyPr/>
+          <a:lstStyle/>
+          <a:p>
+            <a:r>
+              <a:rPr lang="en-US" dirty="0"/>
+              <a:t>Project Overview</a:t>
+            </a:r>
+          </a:p>
+        </p:txBody>
+      </p:sp>
+      <p:graphicFrame>
+        <p:nvGraphicFramePr>
+          <p:cNvPr id="5" name="Content Placeholder 4">
+            <a:extLst>
+              <a:ext uri="{FF2B5EF4-FFF2-40B4-BE49-F238E27FC236}">
+                <a16:creationId xmlns:a16="http://schemas.microsoft.com/office/drawing/2014/main" id="{16543026-8419-4E36-BD42-71E60BFD2E2B}"/>
+              </a:ext>
+            </a:extLst>
+          </p:cNvPr>
+          <p:cNvGraphicFramePr>
+            <a:graphicFrameLocks noGrp="1"/>
+          </p:cNvGraphicFramePr>
+          <p:nvPr>
+            <p:ph idx="1"/>
+            <p:extLst>
+              <p:ext uri="{D42A27DB-BD31-4B8C-83A1-F6EECF244321}">
+                <p14:modId xmlns:p14="http://schemas.microsoft.com/office/powerpoint/2010/main" val="2535220701"/>
+              </p:ext>
+            </p:extLst>
+          </p:nvPr>
+        </p:nvGraphicFramePr>
+        <p:xfrm>
+          <a:off x="457200" y="1143000"/>
+          <a:ext cx="8229600" cy="4983163"/>
+        </p:xfrm>
+        <a:graphic>
+          <a:graphicData uri="http://schemas.openxmlformats.org/drawingml/2006/diagram">
+            <dgm:relIds xmlns:dgm="http://schemas.openxmlformats.org/drawingml/2006/diagram" xmlns:r="http://schemas.openxmlformats.org/officeDocument/2006/relationships" r:dm="rId2" r:lo="rId3" r:qs="rId4" r:cs="rId5"/>
+          </a:graphicData>
+        </a:graphic>
+      </p:graphicFrame>
+      <p:sp>
+        <p:nvSpPr>
+          <p:cNvPr id="3" name="Slide Number Placeholder 2">
+            <a:extLst>
+              <a:ext uri="{FF2B5EF4-FFF2-40B4-BE49-F238E27FC236}">
+                <a16:creationId xmlns:a16="http://schemas.microsoft.com/office/drawing/2014/main" id="{2E7AC391-C8EE-4FBF-BB63-4179B884FCB6}"/>
+              </a:ext>
+            </a:extLst>
+          </p:cNvPr>
+          <p:cNvSpPr>
+            <a:spLocks noGrp="1"/>
+          </p:cNvSpPr>
+          <p:nvPr>
+            <p:ph type="sldNum" sz="quarter" idx="10"/>
+          </p:nvPr>
+        </p:nvSpPr>
+        <p:spPr/>
+        <p:txBody>
+          <a:bodyPr/>
+          <a:lstStyle/>
+          <a:p>
+            <a:fld id="{D4325D4D-289E-48C1-B277-2BEB492A7D19}" type="slidenum">
+              <a:rPr lang="en-US" smtClean="0"/>
+              <a:pPr/>
+              <a:t>3</a:t>
+            </a:fld>
+            <a:endParaRPr lang="en-US" dirty="0"/>
+          </a:p>
+        </p:txBody>
+      </p:sp>
+    </p:spTree>
+    <p:extLst>
+      <p:ext uri="{BB962C8B-B14F-4D97-AF65-F5344CB8AC3E}">
+        <p14:creationId xmlns:p14="http://schemas.microsoft.com/office/powerpoint/2010/main" val="2363193411"/>
+      </p:ext>
+    </p:extLst>
+  </p:cSld>
+  <p:clrMapOvr>
+    <a:masterClrMapping/>
+  </p:clrMapOvr>
+</p:sld>
+</file>
+
+<file path=ppt/slides/slide30.xml><?xml version="1.0" encoding="utf-8"?>
 <p:sld xmlns:a="http://schemas.openxmlformats.org/drawingml/2006/main" xmlns:r="http://schemas.openxmlformats.org/officeDocument/2006/relationships" xmlns:p="http://schemas.openxmlformats.org/presentationml/2006/main">
   <p:cSld>
     <p:spTree>
@@ -20112,7 +20651,7 @@
             <a:fld id="{D4325D4D-289E-48C1-B277-2BEB492A7D19}" type="slidenum">
               <a:rPr lang="en-US" smtClean="0"/>
               <a:pPr/>
-              <a:t>29</a:t>
+              <a:t>30</a:t>
             </a:fld>
             <a:endParaRPr lang="en-US" dirty="0"/>
           </a:p>
@@ -20131,126 +20670,7 @@
 </p:sld>
 </file>
 
-<file path=ppt/slides/slide3.xml><?xml version="1.0" encoding="utf-8"?>
-<p:sld xmlns:a="http://schemas.openxmlformats.org/drawingml/2006/main" xmlns:r="http://schemas.openxmlformats.org/officeDocument/2006/relationships" xmlns:p="http://schemas.openxmlformats.org/presentationml/2006/main">
-  <p:cSld>
-    <p:spTree>
-      <p:nvGrpSpPr>
-        <p:cNvPr id="1" name=""/>
-        <p:cNvGrpSpPr/>
-        <p:nvPr/>
-      </p:nvGrpSpPr>
-      <p:grpSpPr>
-        <a:xfrm>
-          <a:off x="0" y="0"/>
-          <a:ext cx="0" cy="0"/>
-          <a:chOff x="0" y="0"/>
-          <a:chExt cx="0" cy="0"/>
-        </a:xfrm>
-      </p:grpSpPr>
-      <p:sp>
-        <p:nvSpPr>
-          <p:cNvPr id="2" name="Title 1">
-            <a:extLst>
-              <a:ext uri="{FF2B5EF4-FFF2-40B4-BE49-F238E27FC236}">
-                <a16:creationId xmlns:a16="http://schemas.microsoft.com/office/drawing/2014/main" id="{78E7529F-1494-4581-9539-D7FA926C2DAA}"/>
-              </a:ext>
-            </a:extLst>
-          </p:cNvPr>
-          <p:cNvSpPr>
-            <a:spLocks noGrp="1"/>
-          </p:cNvSpPr>
-          <p:nvPr>
-            <p:ph type="title"/>
-          </p:nvPr>
-        </p:nvSpPr>
-        <p:spPr/>
-        <p:txBody>
-          <a:bodyPr/>
-          <a:lstStyle/>
-          <a:p>
-            <a:r>
-              <a:rPr lang="en-US" dirty="0"/>
-              <a:t>Project Overview</a:t>
-            </a:r>
-          </a:p>
-        </p:txBody>
-      </p:sp>
-      <p:graphicFrame>
-        <p:nvGraphicFramePr>
-          <p:cNvPr id="5" name="Content Placeholder 4">
-            <a:extLst>
-              <a:ext uri="{FF2B5EF4-FFF2-40B4-BE49-F238E27FC236}">
-                <a16:creationId xmlns:a16="http://schemas.microsoft.com/office/drawing/2014/main" id="{16543026-8419-4E36-BD42-71E60BFD2E2B}"/>
-              </a:ext>
-            </a:extLst>
-          </p:cNvPr>
-          <p:cNvGraphicFramePr>
-            <a:graphicFrameLocks noGrp="1"/>
-          </p:cNvGraphicFramePr>
-          <p:nvPr>
-            <p:ph idx="1"/>
-            <p:extLst>
-              <p:ext uri="{D42A27DB-BD31-4B8C-83A1-F6EECF244321}">
-                <p14:modId xmlns:p14="http://schemas.microsoft.com/office/powerpoint/2010/main" val="2535220701"/>
-              </p:ext>
-            </p:extLst>
-          </p:nvPr>
-        </p:nvGraphicFramePr>
-        <p:xfrm>
-          <a:off x="457200" y="1143000"/>
-          <a:ext cx="8229600" cy="4983163"/>
-        </p:xfrm>
-        <a:graphic>
-          <a:graphicData uri="http://schemas.openxmlformats.org/drawingml/2006/diagram">
-            <dgm:relIds xmlns:dgm="http://schemas.openxmlformats.org/drawingml/2006/diagram" xmlns:r="http://schemas.openxmlformats.org/officeDocument/2006/relationships" r:dm="rId2" r:lo="rId3" r:qs="rId4" r:cs="rId5"/>
-          </a:graphicData>
-        </a:graphic>
-      </p:graphicFrame>
-      <p:sp>
-        <p:nvSpPr>
-          <p:cNvPr id="3" name="Slide Number Placeholder 2">
-            <a:extLst>
-              <a:ext uri="{FF2B5EF4-FFF2-40B4-BE49-F238E27FC236}">
-                <a16:creationId xmlns:a16="http://schemas.microsoft.com/office/drawing/2014/main" id="{2E7AC391-C8EE-4FBF-BB63-4179B884FCB6}"/>
-              </a:ext>
-            </a:extLst>
-          </p:cNvPr>
-          <p:cNvSpPr>
-            <a:spLocks noGrp="1"/>
-          </p:cNvSpPr>
-          <p:nvPr>
-            <p:ph type="sldNum" sz="quarter" idx="10"/>
-          </p:nvPr>
-        </p:nvSpPr>
-        <p:spPr/>
-        <p:txBody>
-          <a:bodyPr/>
-          <a:lstStyle/>
-          <a:p>
-            <a:fld id="{D4325D4D-289E-48C1-B277-2BEB492A7D19}" type="slidenum">
-              <a:rPr lang="en-US" smtClean="0"/>
-              <a:pPr/>
-              <a:t>3</a:t>
-            </a:fld>
-            <a:endParaRPr lang="en-US" dirty="0"/>
-          </a:p>
-        </p:txBody>
-      </p:sp>
-    </p:spTree>
-    <p:extLst>
-      <p:ext uri="{BB962C8B-B14F-4D97-AF65-F5344CB8AC3E}">
-        <p14:creationId xmlns:p14="http://schemas.microsoft.com/office/powerpoint/2010/main" val="2363193411"/>
-      </p:ext>
-    </p:extLst>
-  </p:cSld>
-  <p:clrMapOvr>
-    <a:masterClrMapping/>
-  </p:clrMapOvr>
-</p:sld>
-</file>
-
-<file path=ppt/slides/slide30.xml><?xml version="1.0" encoding="utf-8"?>
+<file path=ppt/slides/slide31.xml><?xml version="1.0" encoding="utf-8"?>
 <p:sld xmlns:a="http://schemas.openxmlformats.org/drawingml/2006/main" xmlns:r="http://schemas.openxmlformats.org/officeDocument/2006/relationships" xmlns:p="http://schemas.openxmlformats.org/presentationml/2006/main">
   <p:cSld>
     <p:spTree>
@@ -20732,7 +21152,7 @@
             <a:fld id="{D4325D4D-289E-48C1-B277-2BEB492A7D19}" type="slidenum">
               <a:rPr lang="en-US" smtClean="0"/>
               <a:pPr/>
-              <a:t>30</a:t>
+              <a:t>31</a:t>
             </a:fld>
             <a:endParaRPr lang="en-US" dirty="0"/>
           </a:p>
@@ -24687,6 +25107,248 @@
           <p:cNvPr id="2" name="Title 1">
             <a:extLst>
               <a:ext uri="{FF2B5EF4-FFF2-40B4-BE49-F238E27FC236}">
+                <a16:creationId xmlns:a16="http://schemas.microsoft.com/office/drawing/2014/main" id="{426B10B2-C8DA-4228-9B2D-73B6045E2F3D}"/>
+              </a:ext>
+            </a:extLst>
+          </p:cNvPr>
+          <p:cNvSpPr>
+            <a:spLocks noGrp="1"/>
+          </p:cNvSpPr>
+          <p:nvPr>
+            <p:ph type="title"/>
+          </p:nvPr>
+        </p:nvSpPr>
+        <p:spPr/>
+        <p:txBody>
+          <a:bodyPr/>
+          <a:lstStyle/>
+          <a:p>
+            <a:r>
+              <a:rPr lang="en-US" dirty="0"/>
+              <a:t>Data Cleanup &amp; Exploration</a:t>
+            </a:r>
+          </a:p>
+        </p:txBody>
+      </p:sp>
+      <p:sp>
+        <p:nvSpPr>
+          <p:cNvPr id="4" name="Content Placeholder 3">
+            <a:extLst>
+              <a:ext uri="{FF2B5EF4-FFF2-40B4-BE49-F238E27FC236}">
+                <a16:creationId xmlns:a16="http://schemas.microsoft.com/office/drawing/2014/main" id="{E9FE941E-3F10-4E9E-B804-F8DF6193ACD4}"/>
+              </a:ext>
+            </a:extLst>
+          </p:cNvPr>
+          <p:cNvSpPr>
+            <a:spLocks noGrp="1"/>
+          </p:cNvSpPr>
+          <p:nvPr>
+            <p:ph sz="half" idx="1"/>
+          </p:nvPr>
+        </p:nvSpPr>
+        <p:spPr>
+          <a:xfrm>
+            <a:off x="488947" y="1045667"/>
+            <a:ext cx="3327400" cy="5012233"/>
+          </a:xfrm>
+        </p:spPr>
+        <p:txBody>
+          <a:bodyPr/>
+          <a:lstStyle/>
+          <a:p>
+            <a:r>
+              <a:rPr lang="en-US" sz="1800" dirty="0"/>
+              <a:t>Cleanup was straightforward but lengthy</a:t>
+            </a:r>
+          </a:p>
+          <a:p>
+            <a:pPr marL="0" indent="0">
+              <a:buNone/>
+            </a:pPr>
+            <a:endParaRPr lang="en-US" sz="1800" dirty="0"/>
+          </a:p>
+          <a:p>
+            <a:r>
+              <a:rPr lang="en-US" sz="1800" dirty="0"/>
+              <a:t>Several data sources merged on state names/abbreviations</a:t>
+            </a:r>
+          </a:p>
+          <a:p>
+            <a:pPr marL="0" indent="0">
+              <a:buNone/>
+            </a:pPr>
+            <a:endParaRPr lang="en-US" sz="1800" dirty="0"/>
+          </a:p>
+          <a:p>
+            <a:r>
+              <a:rPr lang="en-US" sz="1800" dirty="0"/>
+              <a:t>Checked </a:t>
+            </a:r>
+            <a:r>
+              <a:rPr lang="en-US" sz="1800" dirty="0" err="1"/>
+              <a:t>dataframes</a:t>
+            </a:r>
+            <a:r>
+              <a:rPr lang="en-US" sz="1800" dirty="0"/>
+              <a:t> to ensure data was correct</a:t>
+            </a:r>
+          </a:p>
+          <a:p>
+            <a:endParaRPr lang="en-US" sz="1800" dirty="0"/>
+          </a:p>
+          <a:p>
+            <a:r>
+              <a:rPr lang="en-US" sz="1800" dirty="0"/>
+              <a:t>Ran into having too much data and APIs not working</a:t>
+            </a:r>
+          </a:p>
+          <a:p>
+            <a:endParaRPr lang="en-US" sz="1800" dirty="0"/>
+          </a:p>
+          <a:p>
+            <a:r>
+              <a:rPr lang="en-US" sz="1800" dirty="0"/>
+              <a:t>Shelved excess data to prevent scope creep and dropped APIs.</a:t>
+            </a:r>
+          </a:p>
+        </p:txBody>
+      </p:sp>
+      <p:pic>
+        <p:nvPicPr>
+          <p:cNvPr id="12" name="Content Placeholder 11" descr="A close up of a logo&#10;&#10;Description automatically generated">
+            <a:extLst>
+              <a:ext uri="{FF2B5EF4-FFF2-40B4-BE49-F238E27FC236}">
+                <a16:creationId xmlns:a16="http://schemas.microsoft.com/office/drawing/2014/main" id="{0B79AFE1-77A4-4E78-9049-C210C0E90368}"/>
+              </a:ext>
+            </a:extLst>
+          </p:cNvPr>
+          <p:cNvPicPr>
+            <a:picLocks noGrp="1" noChangeAspect="1"/>
+          </p:cNvPicPr>
+          <p:nvPr>
+            <p:ph sz="half" idx="2"/>
+          </p:nvPr>
+        </p:nvPicPr>
+        <p:blipFill>
+          <a:blip r:embed="rId2">
+            <a:extLst>
+              <a:ext uri="{28A0092B-C50C-407E-A947-70E740481C1C}">
+                <a14:useLocalDpi xmlns:a14="http://schemas.microsoft.com/office/drawing/2010/main" val="0"/>
+              </a:ext>
+            </a:extLst>
+          </a:blip>
+          <a:stretch>
+            <a:fillRect/>
+          </a:stretch>
+        </p:blipFill>
+        <p:spPr>
+          <a:xfrm>
+            <a:off x="4444997" y="1045667"/>
+            <a:ext cx="4550182" cy="2541084"/>
+          </a:xfrm>
+        </p:spPr>
+      </p:pic>
+      <p:pic>
+        <p:nvPicPr>
+          <p:cNvPr id="14" name="Picture 13" descr="A screenshot of a cell phone&#10;&#10;Description automatically generated">
+            <a:extLst>
+              <a:ext uri="{FF2B5EF4-FFF2-40B4-BE49-F238E27FC236}">
+                <a16:creationId xmlns:a16="http://schemas.microsoft.com/office/drawing/2014/main" id="{ED703EE4-7D61-4DBC-BA4E-5D7C7841E68A}"/>
+              </a:ext>
+            </a:extLst>
+          </p:cNvPr>
+          <p:cNvPicPr>
+            <a:picLocks noChangeAspect="1"/>
+          </p:cNvPicPr>
+          <p:nvPr/>
+        </p:nvPicPr>
+        <p:blipFill>
+          <a:blip r:embed="rId3">
+            <a:extLst>
+              <a:ext uri="{28A0092B-C50C-407E-A947-70E740481C1C}">
+                <a14:useLocalDpi xmlns:a14="http://schemas.microsoft.com/office/drawing/2010/main" val="0"/>
+              </a:ext>
+            </a:extLst>
+          </a:blip>
+          <a:stretch>
+            <a:fillRect/>
+          </a:stretch>
+        </p:blipFill>
+        <p:spPr>
+          <a:xfrm>
+            <a:off x="4444998" y="3985125"/>
+            <a:ext cx="4550182" cy="1827208"/>
+          </a:xfrm>
+          <a:prstGeom prst="rect">
+            <a:avLst/>
+          </a:prstGeom>
+        </p:spPr>
+      </p:pic>
+      <p:sp>
+        <p:nvSpPr>
+          <p:cNvPr id="3" name="Slide Number Placeholder 2">
+            <a:extLst>
+              <a:ext uri="{FF2B5EF4-FFF2-40B4-BE49-F238E27FC236}">
+                <a16:creationId xmlns:a16="http://schemas.microsoft.com/office/drawing/2014/main" id="{6B6E9921-50D6-4B39-AF29-8DFF6BC4BAE5}"/>
+              </a:ext>
+            </a:extLst>
+          </p:cNvPr>
+          <p:cNvSpPr>
+            <a:spLocks noGrp="1"/>
+          </p:cNvSpPr>
+          <p:nvPr>
+            <p:ph type="sldNum" sz="quarter" idx="10"/>
+          </p:nvPr>
+        </p:nvSpPr>
+        <p:spPr/>
+        <p:txBody>
+          <a:bodyPr/>
+          <a:lstStyle/>
+          <a:p>
+            <a:fld id="{D4325D4D-289E-48C1-B277-2BEB492A7D19}" type="slidenum">
+              <a:rPr lang="en-US" smtClean="0"/>
+              <a:pPr/>
+              <a:t>6</a:t>
+            </a:fld>
+            <a:endParaRPr lang="en-US" dirty="0"/>
+          </a:p>
+        </p:txBody>
+      </p:sp>
+    </p:spTree>
+    <p:extLst>
+      <p:ext uri="{BB962C8B-B14F-4D97-AF65-F5344CB8AC3E}">
+        <p14:creationId xmlns:p14="http://schemas.microsoft.com/office/powerpoint/2010/main" val="3182900675"/>
+      </p:ext>
+    </p:extLst>
+  </p:cSld>
+  <p:clrMapOvr>
+    <a:masterClrMapping/>
+  </p:clrMapOvr>
+</p:sld>
+</file>
+
+<file path=ppt/slides/slide7.xml><?xml version="1.0" encoding="utf-8"?>
+<p:sld xmlns:a="http://schemas.openxmlformats.org/drawingml/2006/main" xmlns:r="http://schemas.openxmlformats.org/officeDocument/2006/relationships" xmlns:p="http://schemas.openxmlformats.org/presentationml/2006/main">
+  <p:cSld>
+    <p:spTree>
+      <p:nvGrpSpPr>
+        <p:cNvPr id="1" name=""/>
+        <p:cNvGrpSpPr/>
+        <p:nvPr/>
+      </p:nvGrpSpPr>
+      <p:grpSpPr>
+        <a:xfrm>
+          <a:off x="0" y="0"/>
+          <a:ext cx="0" cy="0"/>
+          <a:chOff x="0" y="0"/>
+          <a:chExt cx="0" cy="0"/>
+        </a:xfrm>
+      </p:grpSpPr>
+      <p:sp>
+        <p:nvSpPr>
+          <p:cNvPr id="2" name="Title 1">
+            <a:extLst>
+              <a:ext uri="{FF2B5EF4-FFF2-40B4-BE49-F238E27FC236}">
                 <a16:creationId xmlns:a16="http://schemas.microsoft.com/office/drawing/2014/main" id="{F49F1F5E-C5A0-4D6C-A951-E1D5F5897892}"/>
               </a:ext>
             </a:extLst>
@@ -24765,7 +25427,7 @@
             <a:fld id="{D4325D4D-289E-48C1-B277-2BEB492A7D19}" type="slidenum">
               <a:rPr lang="en-US" smtClean="0"/>
               <a:pPr/>
-              <a:t>6</a:t>
+              <a:t>7</a:t>
             </a:fld>
             <a:endParaRPr lang="en-US" dirty="0"/>
           </a:p>
@@ -24784,7 +25446,7 @@
 </p:sld>
 </file>
 
-<file path=ppt/slides/slide7.xml><?xml version="1.0" encoding="utf-8"?>
+<file path=ppt/slides/slide8.xml><?xml version="1.0" encoding="utf-8"?>
 <p:sld xmlns:a="http://schemas.openxmlformats.org/drawingml/2006/main" xmlns:r="http://schemas.openxmlformats.org/officeDocument/2006/relationships" xmlns:p="http://schemas.openxmlformats.org/presentationml/2006/main">
   <p:cSld>
     <p:spTree>
@@ -25172,7 +25834,7 @@
             <a:fld id="{D4325D4D-289E-48C1-B277-2BEB492A7D19}" type="slidenum">
               <a:rPr lang="en-US" smtClean="0"/>
               <a:pPr/>
-              <a:t>7</a:t>
+              <a:t>8</a:t>
             </a:fld>
             <a:endParaRPr lang="en-US" dirty="0"/>
           </a:p>
@@ -25191,7 +25853,7 @@
 </p:sld>
 </file>
 
-<file path=ppt/slides/slide8.xml><?xml version="1.0" encoding="utf-8"?>
+<file path=ppt/slides/slide9.xml><?xml version="1.0" encoding="utf-8"?>
 <p:sld xmlns:a="http://schemas.openxmlformats.org/drawingml/2006/main" xmlns:r="http://schemas.openxmlformats.org/officeDocument/2006/relationships" xmlns:p="http://schemas.openxmlformats.org/presentationml/2006/main">
   <p:cSld>
     <p:spTree>
@@ -25579,7 +26241,7 @@
             <a:fld id="{D4325D4D-289E-48C1-B277-2BEB492A7D19}" type="slidenum">
               <a:rPr lang="en-US" smtClean="0"/>
               <a:pPr/>
-              <a:t>8</a:t>
+              <a:t>9</a:t>
             </a:fld>
             <a:endParaRPr lang="en-US" dirty="0"/>
           </a:p>
@@ -25589,425 +26251,6 @@
     <p:extLst>
       <p:ext uri="{BB962C8B-B14F-4D97-AF65-F5344CB8AC3E}">
         <p14:creationId xmlns:p14="http://schemas.microsoft.com/office/powerpoint/2010/main" val="3696144993"/>
-      </p:ext>
-    </p:extLst>
-  </p:cSld>
-  <p:clrMapOvr>
-    <a:masterClrMapping/>
-  </p:clrMapOvr>
-</p:sld>
-</file>
-
-<file path=ppt/slides/slide9.xml><?xml version="1.0" encoding="utf-8"?>
-<p:sld xmlns:a="http://schemas.openxmlformats.org/drawingml/2006/main" xmlns:r="http://schemas.openxmlformats.org/officeDocument/2006/relationships" xmlns:p="http://schemas.openxmlformats.org/presentationml/2006/main">
-  <p:cSld>
-    <p:spTree>
-      <p:nvGrpSpPr>
-        <p:cNvPr id="1" name=""/>
-        <p:cNvGrpSpPr/>
-        <p:nvPr/>
-      </p:nvGrpSpPr>
-      <p:grpSpPr>
-        <a:xfrm>
-          <a:off x="0" y="0"/>
-          <a:ext cx="0" cy="0"/>
-          <a:chOff x="0" y="0"/>
-          <a:chExt cx="0" cy="0"/>
-        </a:xfrm>
-      </p:grpSpPr>
-      <p:sp>
-        <p:nvSpPr>
-          <p:cNvPr id="2" name="Title 1">
-            <a:extLst>
-              <a:ext uri="{FF2B5EF4-FFF2-40B4-BE49-F238E27FC236}">
-                <a16:creationId xmlns:a16="http://schemas.microsoft.com/office/drawing/2014/main" id="{C8D4A959-0AA5-4C02-BA72-123A9AEABFEF}"/>
-              </a:ext>
-            </a:extLst>
-          </p:cNvPr>
-          <p:cNvSpPr>
-            <a:spLocks noGrp="1"/>
-          </p:cNvSpPr>
-          <p:nvPr>
-            <p:ph type="title"/>
-          </p:nvPr>
-        </p:nvSpPr>
-        <p:spPr>
-          <a:xfrm>
-            <a:off x="1" y="-2"/>
-            <a:ext cx="9144000" cy="699797"/>
-          </a:xfrm>
-        </p:spPr>
-        <p:txBody>
-          <a:bodyPr/>
-          <a:lstStyle/>
-          <a:p>
-            <a:pPr marL="457200" indent="-457200">
-              <a:buFont typeface="+mj-lt"/>
-              <a:buAutoNum type="arabicPeriod" startAt="2"/>
-            </a:pPr>
-            <a:r>
-              <a:rPr lang="en-US" sz="2000" dirty="0">
-                <a:latin typeface="Arial" panose="020B0604020202020204" pitchFamily="34" charset="0"/>
-              </a:rPr>
-              <a:t>What are the top 5 states with the highest increases and highest decrease in median house prices since 2008?</a:t>
-            </a:r>
-            <a:endParaRPr lang="en-US" sz="2000" dirty="0">
-              <a:latin typeface="+mn-lt"/>
-            </a:endParaRPr>
-          </a:p>
-        </p:txBody>
-      </p:sp>
-      <p:sp>
-        <p:nvSpPr>
-          <p:cNvPr id="4" name="Rectangle 3">
-            <a:extLst>
-              <a:ext uri="{FF2B5EF4-FFF2-40B4-BE49-F238E27FC236}">
-                <a16:creationId xmlns:a16="http://schemas.microsoft.com/office/drawing/2014/main" id="{DF954BB4-78CC-4958-9D36-57A30AC5C18B}"/>
-              </a:ext>
-            </a:extLst>
-          </p:cNvPr>
-          <p:cNvSpPr/>
-          <p:nvPr/>
-        </p:nvSpPr>
-        <p:spPr bwMode="auto">
-          <a:xfrm>
-            <a:off x="1324649" y="1726656"/>
-            <a:ext cx="6494702" cy="838199"/>
-          </a:xfrm>
-          <a:prstGeom prst="rect">
-            <a:avLst/>
-          </a:prstGeom>
-          <a:solidFill>
-            <a:schemeClr val="bg1"/>
-          </a:solidFill>
-          <a:ln w="9525" cap="flat" cmpd="sng" algn="ctr">
-            <a:noFill/>
-            <a:prstDash val="solid"/>
-            <a:round/>
-            <a:headEnd type="none" w="med" len="med"/>
-            <a:tailEnd type="none" w="med" len="med"/>
-          </a:ln>
-          <a:effectLst/>
-        </p:spPr>
-        <p:txBody>
-          <a:bodyPr vert="horz" wrap="square" lIns="91440" tIns="45720" rIns="91440" bIns="45720" numCol="1" rtlCol="0" anchor="t" anchorCtr="0" compatLnSpc="1">
-            <a:prstTxWarp prst="textNoShape">
-              <a:avLst/>
-            </a:prstTxWarp>
-          </a:bodyPr>
-          <a:lstStyle/>
-          <a:p>
-            <a:pPr lvl="0" algn="ctr" fontAlgn="ctr">
-              <a:buClr>
-                <a:srgbClr val="000000"/>
-              </a:buClr>
-              <a:buSzPts val="1100"/>
-            </a:pPr>
-            <a:r>
-              <a:rPr lang="en-US" sz="1600" dirty="0">
-                <a:solidFill>
-                  <a:srgbClr val="000000"/>
-                </a:solidFill>
-                <a:latin typeface="+mn-lt"/>
-              </a:rPr>
-              <a:t>DC, California, Colorado, Washington, and Massachusetts show median sales price increases starting around 2011-2012, which follows a consistent pattern with the national median sales price average.</a:t>
-            </a:r>
-          </a:p>
-        </p:txBody>
-      </p:sp>
-      <p:pic>
-        <p:nvPicPr>
-          <p:cNvPr id="8" name="Picture 7" descr="A close up of a map&#10;&#10;Description automatically generated">
-            <a:extLst>
-              <a:ext uri="{FF2B5EF4-FFF2-40B4-BE49-F238E27FC236}">
-                <a16:creationId xmlns:a16="http://schemas.microsoft.com/office/drawing/2014/main" id="{77FAB788-8BC6-400F-9834-A9DB50ADC846}"/>
-              </a:ext>
-            </a:extLst>
-          </p:cNvPr>
-          <p:cNvPicPr>
-            <a:picLocks noChangeAspect="1"/>
-          </p:cNvPicPr>
-          <p:nvPr/>
-        </p:nvPicPr>
-        <p:blipFill>
-          <a:blip r:embed="rId3">
-            <a:extLst>
-              <a:ext uri="{28A0092B-C50C-407E-A947-70E740481C1C}">
-                <a14:useLocalDpi xmlns:a14="http://schemas.microsoft.com/office/drawing/2010/main" val="0"/>
-              </a:ext>
-            </a:extLst>
-          </a:blip>
-          <a:stretch>
-            <a:fillRect/>
-          </a:stretch>
-        </p:blipFill>
-        <p:spPr>
-          <a:xfrm>
-            <a:off x="457200" y="2567723"/>
-            <a:ext cx="8229600" cy="4202349"/>
-          </a:xfrm>
-          <a:prstGeom prst="rect">
-            <a:avLst/>
-          </a:prstGeom>
-        </p:spPr>
-      </p:pic>
-      <p:sp>
-        <p:nvSpPr>
-          <p:cNvPr id="9" name="Rectangle 8">
-            <a:extLst>
-              <a:ext uri="{FF2B5EF4-FFF2-40B4-BE49-F238E27FC236}">
-                <a16:creationId xmlns:a16="http://schemas.microsoft.com/office/drawing/2014/main" id="{3733057B-66F9-469B-8614-23723F984546}"/>
-              </a:ext>
-            </a:extLst>
-          </p:cNvPr>
-          <p:cNvSpPr/>
-          <p:nvPr/>
-        </p:nvSpPr>
-        <p:spPr bwMode="auto">
-          <a:xfrm>
-            <a:off x="3" y="699797"/>
-            <a:ext cx="9143998" cy="760704"/>
-          </a:xfrm>
-          <a:prstGeom prst="rect">
-            <a:avLst/>
-          </a:prstGeom>
-          <a:solidFill>
-            <a:schemeClr val="bg1">
-              <a:lumMod val="95000"/>
-            </a:schemeClr>
-          </a:solidFill>
-          <a:ln w="9525" cap="flat" cmpd="sng" algn="ctr">
-            <a:noFill/>
-            <a:prstDash val="solid"/>
-            <a:round/>
-            <a:headEnd type="none" w="med" len="med"/>
-            <a:tailEnd type="none" w="med" len="med"/>
-          </a:ln>
-          <a:effectLst/>
-        </p:spPr>
-        <p:txBody>
-          <a:bodyPr vert="horz" wrap="square" lIns="91440" tIns="45720" rIns="91440" bIns="45720" numCol="1" rtlCol="0" anchor="t" anchorCtr="0" compatLnSpc="1">
-            <a:prstTxWarp prst="textNoShape">
-              <a:avLst/>
-            </a:prstTxWarp>
-          </a:bodyPr>
-          <a:lstStyle/>
-          <a:p>
-            <a:pPr lvl="0" algn="ctr" fontAlgn="ctr">
-              <a:buClr>
-                <a:srgbClr val="000000"/>
-              </a:buClr>
-              <a:buSzPts val="1100"/>
-            </a:pPr>
-            <a:endParaRPr lang="en-US" sz="1600" dirty="0">
-              <a:solidFill>
-                <a:srgbClr val="000000"/>
-              </a:solidFill>
-              <a:latin typeface="+mn-lt"/>
-            </a:endParaRPr>
-          </a:p>
-        </p:txBody>
-      </p:sp>
-      <p:sp>
-        <p:nvSpPr>
-          <p:cNvPr id="10" name="Arrow: Right 9">
-            <a:extLst>
-              <a:ext uri="{FF2B5EF4-FFF2-40B4-BE49-F238E27FC236}">
-                <a16:creationId xmlns:a16="http://schemas.microsoft.com/office/drawing/2014/main" id="{86D6001B-C836-4469-86D7-43A89BE5EBEF}"/>
-              </a:ext>
-            </a:extLst>
-          </p:cNvPr>
-          <p:cNvSpPr/>
-          <p:nvPr/>
-        </p:nvSpPr>
-        <p:spPr bwMode="auto">
-          <a:xfrm>
-            <a:off x="342900" y="699795"/>
-            <a:ext cx="4102100" cy="760705"/>
-          </a:xfrm>
-          <a:prstGeom prst="rightArrow">
-            <a:avLst/>
-          </a:prstGeom>
-          <a:solidFill>
-            <a:srgbClr val="04294A"/>
-          </a:solidFill>
-          <a:ln w="9525" cap="flat" cmpd="sng" algn="ctr">
-            <a:noFill/>
-            <a:prstDash val="solid"/>
-            <a:round/>
-            <a:headEnd type="none" w="med" len="med"/>
-            <a:tailEnd type="none" w="med" len="med"/>
-          </a:ln>
-          <a:effectLst/>
-        </p:spPr>
-        <p:txBody>
-          <a:bodyPr vert="horz" wrap="square" lIns="91440" tIns="45720" rIns="91440" bIns="45720" numCol="1" rtlCol="0" anchor="t" anchorCtr="0" compatLnSpc="1">
-            <a:prstTxWarp prst="textNoShape">
-              <a:avLst/>
-            </a:prstTxWarp>
-          </a:bodyPr>
-          <a:lstStyle/>
-          <a:p>
-            <a:pPr marL="0" marR="0" indent="0" algn="ctr" defTabSz="914400" rtl="0" eaLnBrk="0" fontAlgn="base" latinLnBrk="0" hangingPunct="0">
-              <a:lnSpc>
-                <a:spcPct val="100000"/>
-              </a:lnSpc>
-              <a:spcBef>
-                <a:spcPct val="0"/>
-              </a:spcBef>
-              <a:spcAft>
-                <a:spcPct val="0"/>
-              </a:spcAft>
-              <a:buClrTx/>
-              <a:buSzTx/>
-              <a:buFontTx/>
-              <a:buNone/>
-              <a:tabLst/>
-            </a:pPr>
-            <a:r>
-              <a:rPr kumimoji="0" lang="en-US" sz="1600" b="0" i="0" u="none" strike="noStrike" cap="none" normalizeH="0" baseline="0" dirty="0">
-                <a:ln>
-                  <a:noFill/>
-                </a:ln>
-                <a:solidFill>
-                  <a:schemeClr val="bg1"/>
-                </a:solidFill>
-                <a:effectLst/>
-              </a:rPr>
-              <a:t>Top </a:t>
-            </a:r>
-            <a:r>
-              <a:rPr lang="en-US" sz="1600" dirty="0">
-                <a:solidFill>
-                  <a:schemeClr val="bg1"/>
-                </a:solidFill>
-              </a:rPr>
-              <a:t>5 States with Highest Increases</a:t>
-            </a:r>
-            <a:endParaRPr kumimoji="0" lang="en-US" sz="1600" b="0" i="0" u="none" strike="noStrike" cap="none" normalizeH="0" baseline="0" dirty="0">
-              <a:ln>
-                <a:noFill/>
-              </a:ln>
-              <a:solidFill>
-                <a:schemeClr val="bg1"/>
-              </a:solidFill>
-              <a:effectLst/>
-            </a:endParaRPr>
-          </a:p>
-        </p:txBody>
-      </p:sp>
-      <p:sp>
-        <p:nvSpPr>
-          <p:cNvPr id="11" name="Arrow: Right 10">
-            <a:extLst>
-              <a:ext uri="{FF2B5EF4-FFF2-40B4-BE49-F238E27FC236}">
-                <a16:creationId xmlns:a16="http://schemas.microsoft.com/office/drawing/2014/main" id="{F920C91F-D197-47D4-9983-F88DA8D924CB}"/>
-              </a:ext>
-            </a:extLst>
-          </p:cNvPr>
-          <p:cNvSpPr/>
-          <p:nvPr/>
-        </p:nvSpPr>
-        <p:spPr bwMode="auto">
-          <a:xfrm>
-            <a:off x="4743450" y="699796"/>
-            <a:ext cx="4095750" cy="760704"/>
-          </a:xfrm>
-          <a:prstGeom prst="rightArrow">
-            <a:avLst/>
-          </a:prstGeom>
-          <a:solidFill>
-            <a:schemeClr val="bg1">
-              <a:lumMod val="75000"/>
-            </a:schemeClr>
-          </a:solidFill>
-          <a:ln w="9525" cap="flat" cmpd="sng" algn="ctr">
-            <a:noFill/>
-            <a:prstDash val="solid"/>
-            <a:round/>
-            <a:headEnd type="none" w="med" len="med"/>
-            <a:tailEnd type="none" w="med" len="med"/>
-          </a:ln>
-          <a:effectLst/>
-        </p:spPr>
-        <p:txBody>
-          <a:bodyPr vert="horz" wrap="square" lIns="91440" tIns="45720" rIns="91440" bIns="45720" numCol="1" rtlCol="0" anchor="t" anchorCtr="0" compatLnSpc="1">
-            <a:prstTxWarp prst="textNoShape">
-              <a:avLst/>
-            </a:prstTxWarp>
-          </a:bodyPr>
-          <a:lstStyle/>
-          <a:p>
-            <a:pPr marL="0" marR="0" indent="0" algn="ctr" defTabSz="914400" rtl="0" eaLnBrk="0" fontAlgn="base" latinLnBrk="0" hangingPunct="0">
-              <a:lnSpc>
-                <a:spcPct val="100000"/>
-              </a:lnSpc>
-              <a:spcBef>
-                <a:spcPct val="0"/>
-              </a:spcBef>
-              <a:spcAft>
-                <a:spcPct val="0"/>
-              </a:spcAft>
-              <a:buClrTx/>
-              <a:buSzTx/>
-              <a:buFontTx/>
-              <a:buNone/>
-              <a:tabLst/>
-            </a:pPr>
-            <a:r>
-              <a:rPr lang="en-US" sz="1600" dirty="0">
-                <a:solidFill>
-                  <a:schemeClr val="bg1"/>
-                </a:solidFill>
-              </a:rPr>
-              <a:t>Top 5 States with Highest Decreases</a:t>
-            </a:r>
-            <a:endParaRPr kumimoji="0" lang="en-US" sz="1400" b="0" i="0" u="none" strike="noStrike" cap="none" normalizeH="0" baseline="0" dirty="0">
-              <a:ln>
-                <a:noFill/>
-              </a:ln>
-              <a:solidFill>
-                <a:schemeClr val="bg1"/>
-              </a:solidFill>
-              <a:effectLst/>
-            </a:endParaRPr>
-          </a:p>
-        </p:txBody>
-      </p:sp>
-      <p:sp>
-        <p:nvSpPr>
-          <p:cNvPr id="3" name="Slide Number Placeholder 2">
-            <a:extLst>
-              <a:ext uri="{FF2B5EF4-FFF2-40B4-BE49-F238E27FC236}">
-                <a16:creationId xmlns:a16="http://schemas.microsoft.com/office/drawing/2014/main" id="{B038DDCE-306F-4686-98CF-50E1585FDA35}"/>
-              </a:ext>
-            </a:extLst>
-          </p:cNvPr>
-          <p:cNvSpPr>
-            <a:spLocks noGrp="1"/>
-          </p:cNvSpPr>
-          <p:nvPr>
-            <p:ph type="sldNum" sz="quarter" idx="10"/>
-          </p:nvPr>
-        </p:nvSpPr>
-        <p:spPr/>
-        <p:txBody>
-          <a:bodyPr/>
-          <a:lstStyle/>
-          <a:p>
-            <a:fld id="{D4325D4D-289E-48C1-B277-2BEB492A7D19}" type="slidenum">
-              <a:rPr lang="en-US" smtClean="0"/>
-              <a:pPr/>
-              <a:t>9</a:t>
-            </a:fld>
-            <a:endParaRPr lang="en-US" dirty="0"/>
-          </a:p>
-        </p:txBody>
-      </p:sp>
-    </p:spTree>
-    <p:extLst>
-      <p:ext uri="{BB962C8B-B14F-4D97-AF65-F5344CB8AC3E}">
-        <p14:creationId xmlns:p14="http://schemas.microsoft.com/office/powerpoint/2010/main" val="354157766"/>
       </p:ext>
     </p:extLst>
   </p:cSld>

--- a/US Housing Market Analysis_Final_1-20-2020.pptx
+++ b/US Housing Market Analysis_Final_1-20-2020.pptx
@@ -2822,24 +2822,24 @@
     <dgm:cxn modelId="{379FD438-83AE-48DB-A704-C4085AD9D61F}" srcId="{869AB678-A487-4151-9205-138EBC840CC7}" destId="{DFEFD1DD-92A9-474A-9153-6B06B33DB784}" srcOrd="5" destOrd="0" parTransId="{A035482D-DCD8-4A46-ACDD-9F42CABAE15A}" sibTransId="{6813629D-9B19-4DF7-BB67-9347B5998448}"/>
     <dgm:cxn modelId="{6703F93B-DB07-4879-A6B7-68D767B2E1B7}" srcId="{BE7C048B-5A85-4F32-9798-AA86469650A6}" destId="{7C8E73E8-1E64-4D47-BB1E-79F6E346CB6E}" srcOrd="3" destOrd="0" parTransId="{394D88C1-4BB8-4B91-8D0F-6B109781DC29}" sibTransId="{9716383D-E820-458E-A3D3-3326189A47D7}"/>
     <dgm:cxn modelId="{BD077C3C-BD46-4169-87DC-EF30663BC49C}" type="presOf" srcId="{05733680-0881-48A9-9522-D167727CB213}" destId="{FE54913C-C571-42F2-8142-C3EFFE342160}" srcOrd="0" destOrd="6" presId="urn:microsoft.com/office/officeart/2005/8/layout/hList1"/>
+    <dgm:cxn modelId="{D4EC8443-EEF1-47D2-B319-439F41BD61B6}" srcId="{BE7C048B-5A85-4F32-9798-AA86469650A6}" destId="{44F59B5B-2475-4462-9031-41DED64B63BE}" srcOrd="5" destOrd="0" parTransId="{765B66D2-636F-4106-A3A8-89FFA89C45B8}" sibTransId="{C5577E32-6E29-4F20-A4A3-AC868E81128E}"/>
+    <dgm:cxn modelId="{1DD52D45-8F2A-4AB0-8140-BCAD369C476C}" type="presOf" srcId="{C1378FF8-880D-4E9B-BD2A-EAEB5189EA92}" destId="{B66373AC-ACB9-47A9-A109-F9056C68EB87}" srcOrd="0" destOrd="4" presId="urn:microsoft.com/office/officeart/2005/8/layout/hList1"/>
+    <dgm:cxn modelId="{1D047745-E6E5-4801-A233-E0F2A4169456}" type="presOf" srcId="{7D6786E2-9D56-4182-934C-93E53856CE13}" destId="{B66373AC-ACB9-47A9-A109-F9056C68EB87}" srcOrd="0" destOrd="6" presId="urn:microsoft.com/office/officeart/2005/8/layout/hList1"/>
+    <dgm:cxn modelId="{2B4FA94D-8041-45DC-B426-580F2EA87157}" srcId="{869AB678-A487-4151-9205-138EBC840CC7}" destId="{AC652A51-D086-43C2-BDF7-8782913C8267}" srcOrd="0" destOrd="0" parTransId="{668A148E-FBC8-4212-A402-0B48C2E98248}" sibTransId="{1A42B328-F55E-455E-8DCF-500E5F63EB3E}"/>
+    <dgm:cxn modelId="{4E82864E-0EC1-445D-AB2B-737478DA5A0A}" srcId="{BE7C048B-5A85-4F32-9798-AA86469650A6}" destId="{2915AF59-52D4-4AC3-A92C-B6FF651891EF}" srcOrd="0" destOrd="0" parTransId="{F7810B92-DD60-46BB-9FDF-0466F4C06495}" sibTransId="{C598C153-B55F-4CC4-BBEE-BA35B13B3177}"/>
+    <dgm:cxn modelId="{1949E950-86AB-4ABF-8F9A-C2E243477118}" srcId="{BE7C048B-5A85-4F32-9798-AA86469650A6}" destId="{650D3F43-4F5C-46AE-9113-AFBB00179D2E}" srcOrd="1" destOrd="0" parTransId="{3663C2CA-1970-450A-8D91-86CB11588442}" sibTransId="{B4588B80-0376-404B-9E2D-49E0411AFAD2}"/>
+    <dgm:cxn modelId="{DD33C151-EB31-42C2-B002-F19D827618EE}" type="presOf" srcId="{DFEFD1DD-92A9-474A-9153-6B06B33DB784}" destId="{09A640BD-A573-4F44-AB7C-19622369D53A}" srcOrd="0" destOrd="5" presId="urn:microsoft.com/office/officeart/2005/8/layout/hList1"/>
+    <dgm:cxn modelId="{BBEEBA56-2E34-4A30-864F-3B40394DC437}" srcId="{75DB0362-E61B-4F2A-B048-A6555DF5E7E1}" destId="{C1378FF8-880D-4E9B-BD2A-EAEB5189EA92}" srcOrd="4" destOrd="0" parTransId="{FA57237E-4973-4153-A720-46F4B9B1D25E}" sibTransId="{EB1FAC66-F29F-448E-88C3-C87F8976FA56}"/>
+    <dgm:cxn modelId="{AFE6355A-DC83-4CDF-B511-555540556E58}" srcId="{BE7C048B-5A85-4F32-9798-AA86469650A6}" destId="{F7242007-FC27-4D83-8C9F-35187A093FB2}" srcOrd="7" destOrd="0" parTransId="{70A84B41-6DBE-4161-9708-F3A65E701581}" sibTransId="{551FE38A-2125-4D18-9C6F-ACDFDF030B80}"/>
     <dgm:cxn modelId="{8387375B-DF2E-4706-8F27-8F85FBA880F3}" srcId="{869AB678-A487-4151-9205-138EBC840CC7}" destId="{DFBFDF67-B8B3-408C-8E4E-FA3824C075DF}" srcOrd="1" destOrd="0" parTransId="{E3714AE7-921A-40C4-A8B3-A4ED830CE986}" sibTransId="{A782139B-322D-4BAD-BCE6-8BE73ACA9512}"/>
     <dgm:cxn modelId="{7D1A965E-743F-4A5E-B1DE-7C42466C7587}" type="presOf" srcId="{E0282E66-F178-427C-B7F8-911AC496225F}" destId="{B66373AC-ACB9-47A9-A109-F9056C68EB87}" srcOrd="0" destOrd="0" presId="urn:microsoft.com/office/officeart/2005/8/layout/hList1"/>
     <dgm:cxn modelId="{57F17C5F-6312-4C8B-9DA3-D2628E55739D}" srcId="{75DB0362-E61B-4F2A-B048-A6555DF5E7E1}" destId="{7D6786E2-9D56-4182-934C-93E53856CE13}" srcOrd="6" destOrd="0" parTransId="{887BE500-0287-4471-B914-4D5AD4C96AA1}" sibTransId="{A445D442-8DC9-4A45-852B-C4F8274536AD}"/>
-    <dgm:cxn modelId="{D4EC8443-EEF1-47D2-B319-439F41BD61B6}" srcId="{BE7C048B-5A85-4F32-9798-AA86469650A6}" destId="{44F59B5B-2475-4462-9031-41DED64B63BE}" srcOrd="5" destOrd="0" parTransId="{765B66D2-636F-4106-A3A8-89FFA89C45B8}" sibTransId="{C5577E32-6E29-4F20-A4A3-AC868E81128E}"/>
     <dgm:cxn modelId="{15C90864-0A51-45B7-A8EF-3A31CB777417}" type="presOf" srcId="{60F24591-1980-474B-BDD7-E6F02BABFD42}" destId="{B66373AC-ACB9-47A9-A109-F9056C68EB87}" srcOrd="0" destOrd="1" presId="urn:microsoft.com/office/officeart/2005/8/layout/hList1"/>
     <dgm:cxn modelId="{8A53F964-4DC0-4051-BAAB-FC27AB02CADC}" type="presOf" srcId="{7C8E73E8-1E64-4D47-BB1E-79F6E346CB6E}" destId="{FE54913C-C571-42F2-8142-C3EFFE342160}" srcOrd="0" destOrd="3" presId="urn:microsoft.com/office/officeart/2005/8/layout/hList1"/>
-    <dgm:cxn modelId="{1DD52D45-8F2A-4AB0-8140-BCAD369C476C}" type="presOf" srcId="{C1378FF8-880D-4E9B-BD2A-EAEB5189EA92}" destId="{B66373AC-ACB9-47A9-A109-F9056C68EB87}" srcOrd="0" destOrd="4" presId="urn:microsoft.com/office/officeart/2005/8/layout/hList1"/>
-    <dgm:cxn modelId="{1D047745-E6E5-4801-A233-E0F2A4169456}" type="presOf" srcId="{7D6786E2-9D56-4182-934C-93E53856CE13}" destId="{B66373AC-ACB9-47A9-A109-F9056C68EB87}" srcOrd="0" destOrd="6" presId="urn:microsoft.com/office/officeart/2005/8/layout/hList1"/>
     <dgm:cxn modelId="{EE638E67-2DEE-4268-8FC7-B941D16E90E7}" type="presOf" srcId="{75DB0362-E61B-4F2A-B048-A6555DF5E7E1}" destId="{359E9D15-390E-4D3E-AB23-767579E2CBDE}" srcOrd="0" destOrd="0" presId="urn:microsoft.com/office/officeart/2005/8/layout/hList1"/>
-    <dgm:cxn modelId="{2B4FA94D-8041-45DC-B426-580F2EA87157}" srcId="{869AB678-A487-4151-9205-138EBC840CC7}" destId="{AC652A51-D086-43C2-BDF7-8782913C8267}" srcOrd="0" destOrd="0" parTransId="{668A148E-FBC8-4212-A402-0B48C2E98248}" sibTransId="{1A42B328-F55E-455E-8DCF-500E5F63EB3E}"/>
     <dgm:cxn modelId="{8B77166E-8DE4-430B-9FFD-F045D19EAC28}" type="presOf" srcId="{95474F76-92AC-4979-B532-53EE5209A9EC}" destId="{FE54913C-C571-42F2-8142-C3EFFE342160}" srcOrd="0" destOrd="2" presId="urn:microsoft.com/office/officeart/2005/8/layout/hList1"/>
-    <dgm:cxn modelId="{4E82864E-0EC1-445D-AB2B-737478DA5A0A}" srcId="{BE7C048B-5A85-4F32-9798-AA86469650A6}" destId="{2915AF59-52D4-4AC3-A92C-B6FF651891EF}" srcOrd="0" destOrd="0" parTransId="{F7810B92-DD60-46BB-9FDF-0466F4C06495}" sibTransId="{C598C153-B55F-4CC4-BBEE-BA35B13B3177}"/>
-    <dgm:cxn modelId="{1949E950-86AB-4ABF-8F9A-C2E243477118}" srcId="{BE7C048B-5A85-4F32-9798-AA86469650A6}" destId="{650D3F43-4F5C-46AE-9113-AFBB00179D2E}" srcOrd="1" destOrd="0" parTransId="{3663C2CA-1970-450A-8D91-86CB11588442}" sibTransId="{B4588B80-0376-404B-9E2D-49E0411AFAD2}"/>
-    <dgm:cxn modelId="{DD33C151-EB31-42C2-B002-F19D827618EE}" type="presOf" srcId="{DFEFD1DD-92A9-474A-9153-6B06B33DB784}" destId="{09A640BD-A573-4F44-AB7C-19622369D53A}" srcOrd="0" destOrd="5" presId="urn:microsoft.com/office/officeart/2005/8/layout/hList1"/>
     <dgm:cxn modelId="{28635973-6552-4381-9803-3FAE5046AC6C}" type="presOf" srcId="{FE3579EC-C94E-45BC-B827-79E16667124B}" destId="{FE54913C-C571-42F2-8142-C3EFFE342160}" srcOrd="0" destOrd="4" presId="urn:microsoft.com/office/officeart/2005/8/layout/hList1"/>
-    <dgm:cxn modelId="{BBEEBA56-2E34-4A30-864F-3B40394DC437}" srcId="{75DB0362-E61B-4F2A-B048-A6555DF5E7E1}" destId="{C1378FF8-880D-4E9B-BD2A-EAEB5189EA92}" srcOrd="4" destOrd="0" parTransId="{FA57237E-4973-4153-A720-46F4B9B1D25E}" sibTransId="{EB1FAC66-F29F-448E-88C3-C87F8976FA56}"/>
     <dgm:cxn modelId="{396E1079-3570-4F3E-B1E3-037EE2A2CF3E}" srcId="{BE7C048B-5A85-4F32-9798-AA86469650A6}" destId="{05733680-0881-48A9-9522-D167727CB213}" srcOrd="6" destOrd="0" parTransId="{105470B5-C3A6-4B12-9CDD-09A11881D382}" sibTransId="{4A29D177-0F3B-403D-9542-E5EEE90C3B83}"/>
-    <dgm:cxn modelId="{AFE6355A-DC83-4CDF-B511-555540556E58}" srcId="{BE7C048B-5A85-4F32-9798-AA86469650A6}" destId="{F7242007-FC27-4D83-8C9F-35187A093FB2}" srcOrd="7" destOrd="0" parTransId="{70A84B41-6DBE-4161-9708-F3A65E701581}" sibTransId="{551FE38A-2125-4D18-9C6F-ACDFDF030B80}"/>
     <dgm:cxn modelId="{B6FF6D83-F751-4359-B938-016DB879CBE5}" srcId="{0EB549BA-B7DC-47B3-A16B-D0EEAC6CD60C}" destId="{869AB678-A487-4151-9205-138EBC840CC7}" srcOrd="0" destOrd="0" parTransId="{32475D2A-3379-4C38-8863-92DE1BC8117F}" sibTransId="{9D9B37E5-4552-4B02-AF5F-10CE05BEB49D}"/>
     <dgm:cxn modelId="{FC1EBD88-3036-4C0B-8507-D6393D5F7BE4}" srcId="{75DB0362-E61B-4F2A-B048-A6555DF5E7E1}" destId="{E0282E66-F178-427C-B7F8-911AC496225F}" srcOrd="0" destOrd="0" parTransId="{60738319-A295-4DFB-B1D5-F153207837F9}" sibTransId="{D560D94B-2E5A-4112-945A-833225F563DE}"/>
     <dgm:cxn modelId="{7C64368B-3BFF-440B-8AA8-E261A82BCF12}" type="presOf" srcId="{0EB549BA-B7DC-47B3-A16B-D0EEAC6CD60C}" destId="{F23C2260-7608-4CAE-BDE0-C997F66C3AFA}" srcOrd="0" destOrd="0" presId="urn:microsoft.com/office/officeart/2005/8/layout/hList1"/>
@@ -15321,10 +15321,10 @@
       </p:sp>
       <p:pic>
         <p:nvPicPr>
-          <p:cNvPr id="3" name="Picture 2" descr="A screenshot of a cell phone&#10;&#10;Description automatically generated">
+          <p:cNvPr id="4" name="Picture 3">
             <a:extLst>
               <a:ext uri="{FF2B5EF4-FFF2-40B4-BE49-F238E27FC236}">
-                <a16:creationId xmlns:a16="http://schemas.microsoft.com/office/drawing/2014/main" id="{948A4BB5-0BF0-2E4C-8244-4C883FD38EAF}"/>
+                <a16:creationId xmlns:a16="http://schemas.microsoft.com/office/drawing/2014/main" id="{6F9571A7-448D-894E-A1E5-22828FBE7EAB}"/>
               </a:ext>
             </a:extLst>
           </p:cNvPr>
@@ -15347,8 +15347,8 @@
         </p:blipFill>
         <p:spPr>
           <a:xfrm>
-            <a:off x="1282700" y="2298700"/>
-            <a:ext cx="5872480" cy="2017956"/>
+            <a:off x="1365250" y="4316656"/>
+            <a:ext cx="5789930" cy="2273300"/>
           </a:xfrm>
           <a:prstGeom prst="rect">
             <a:avLst/>
@@ -15357,10 +15357,10 @@
       </p:pic>
       <p:pic>
         <p:nvPicPr>
-          <p:cNvPr id="4" name="Picture 3">
+          <p:cNvPr id="7" name="Picture 6" descr="A screenshot of a cell phone&#10;&#10;Description automatically generated">
             <a:extLst>
               <a:ext uri="{FF2B5EF4-FFF2-40B4-BE49-F238E27FC236}">
-                <a16:creationId xmlns:a16="http://schemas.microsoft.com/office/drawing/2014/main" id="{6F9571A7-448D-894E-A1E5-22828FBE7EAB}"/>
+                <a16:creationId xmlns:a16="http://schemas.microsoft.com/office/drawing/2014/main" id="{4AB0D2AB-C901-1946-9BF8-B1ABBE3BAEE5}"/>
               </a:ext>
             </a:extLst>
           </p:cNvPr>
@@ -15383,8 +15383,8 @@
         </p:blipFill>
         <p:spPr>
           <a:xfrm>
-            <a:off x="1365250" y="4316656"/>
-            <a:ext cx="5789930" cy="2273300"/>
+            <a:off x="1365250" y="2260600"/>
+            <a:ext cx="5452993" cy="2336800"/>
           </a:xfrm>
           <a:prstGeom prst="rect">
             <a:avLst/>
